--- a/lectures/20WQ-01-30 Architecture patterns and styles.pptx
+++ b/lectures/20WQ-01-30 Architecture patterns and styles.pptx
@@ -5,7 +5,7 @@
     <p:sldMasterId id="2147483660" r:id="rId1"/>
   </p:sldMasterIdLst>
   <p:notesMasterIdLst>
-    <p:notesMasterId r:id="rId26"/>
+    <p:notesMasterId r:id="rId31"/>
   </p:notesMasterIdLst>
   <p:sldIdLst>
     <p:sldId id="313" r:id="rId2"/>
@@ -14,24 +14,29 @@
     <p:sldId id="280" r:id="rId5"/>
     <p:sldId id="281" r:id="rId6"/>
     <p:sldId id="282" r:id="rId7"/>
-    <p:sldId id="283" r:id="rId8"/>
-    <p:sldId id="284" r:id="rId9"/>
-    <p:sldId id="314" r:id="rId10"/>
-    <p:sldId id="330" r:id="rId11"/>
-    <p:sldId id="315" r:id="rId12"/>
-    <p:sldId id="317" r:id="rId13"/>
-    <p:sldId id="318" r:id="rId14"/>
-    <p:sldId id="319" r:id="rId15"/>
-    <p:sldId id="320" r:id="rId16"/>
-    <p:sldId id="321" r:id="rId17"/>
-    <p:sldId id="322" r:id="rId18"/>
-    <p:sldId id="323" r:id="rId19"/>
-    <p:sldId id="324" r:id="rId20"/>
-    <p:sldId id="325" r:id="rId21"/>
-    <p:sldId id="326" r:id="rId22"/>
-    <p:sldId id="327" r:id="rId23"/>
-    <p:sldId id="329" r:id="rId24"/>
-    <p:sldId id="285" r:id="rId25"/>
+    <p:sldId id="332" r:id="rId8"/>
+    <p:sldId id="285" r:id="rId9"/>
+    <p:sldId id="331" r:id="rId10"/>
+    <p:sldId id="333" r:id="rId11"/>
+    <p:sldId id="334" r:id="rId12"/>
+    <p:sldId id="335" r:id="rId13"/>
+    <p:sldId id="283" r:id="rId14"/>
+    <p:sldId id="284" r:id="rId15"/>
+    <p:sldId id="314" r:id="rId16"/>
+    <p:sldId id="330" r:id="rId17"/>
+    <p:sldId id="315" r:id="rId18"/>
+    <p:sldId id="317" r:id="rId19"/>
+    <p:sldId id="318" r:id="rId20"/>
+    <p:sldId id="319" r:id="rId21"/>
+    <p:sldId id="320" r:id="rId22"/>
+    <p:sldId id="321" r:id="rId23"/>
+    <p:sldId id="322" r:id="rId24"/>
+    <p:sldId id="323" r:id="rId25"/>
+    <p:sldId id="324" r:id="rId26"/>
+    <p:sldId id="325" r:id="rId27"/>
+    <p:sldId id="326" r:id="rId28"/>
+    <p:sldId id="327" r:id="rId29"/>
+    <p:sldId id="329" r:id="rId30"/>
   </p:sldIdLst>
   <p:sldSz cx="12192000" cy="6858000"/>
   <p:notesSz cx="6858000" cy="9144000"/>
@@ -149,20 +154,12 @@
 </p:presentation>
 </file>
 
-<file path=ppt/revisionInfo.xml><?xml version="1.0" encoding="utf-8"?>
-<p1510:revInfo xmlns:a="http://schemas.openxmlformats.org/drawingml/2006/main" xmlns:r="http://schemas.openxmlformats.org/officeDocument/2006/relationships" xmlns:p1510="http://schemas.microsoft.com/office/powerpoint/2015/10/main">
-  <p1510:revLst>
-    <p1510:client id="{7A9DD46D-37FA-7941-88DA-299187E885B0}" v="13" dt="2020-01-16T19:29:57.789"/>
-  </p1510:revLst>
-</p1510:revInfo>
-</file>
-
 <file path=ppt/changesInfos/changesInfo1.xml><?xml version="1.0" encoding="utf-8"?>
 <pc:chgInfo xmlns:a="http://schemas.openxmlformats.org/drawingml/2006/main" xmlns:r="http://schemas.openxmlformats.org/officeDocument/2006/relationships" xmlns:ac="http://schemas.microsoft.com/office/drawing/2013/main/command" xmlns:pc="http://schemas.microsoft.com/office/powerpoint/2013/main/command">
   <pc:docChgLst>
     <pc:chgData name="Michaeljon Miller" userId="c575fe5cddd8b8cf" providerId="LiveId" clId="{7A9DD46D-37FA-7941-88DA-299187E885B0}"/>
     <pc:docChg chg="custSel addSld delSld modSld">
-      <pc:chgData name="Michaeljon Miller" userId="c575fe5cddd8b8cf" providerId="LiveId" clId="{7A9DD46D-37FA-7941-88DA-299187E885B0}" dt="2020-01-16T19:30:23.549" v="672" actId="114"/>
+      <pc:chgData name="Michaeljon Miller" userId="c575fe5cddd8b8cf" providerId="LiveId" clId="{7A9DD46D-37FA-7941-88DA-299187E885B0}" dt="2020-01-31T02:57:06.477" v="678" actId="1076"/>
       <pc:docMkLst>
         <pc:docMk/>
       </pc:docMkLst>
@@ -301,6 +298,37 @@
           <pc:sldMk cId="2977363424" sldId="330"/>
         </pc:sldMkLst>
       </pc:sldChg>
+      <pc:sldChg chg="addSp delSp modSp">
+        <pc:chgData name="Michaeljon Miller" userId="c575fe5cddd8b8cf" providerId="LiveId" clId="{7A9DD46D-37FA-7941-88DA-299187E885B0}" dt="2020-01-31T02:57:06.477" v="678" actId="1076"/>
+        <pc:sldMkLst>
+          <pc:docMk/>
+          <pc:sldMk cId="3628237211" sldId="333"/>
+        </pc:sldMkLst>
+        <pc:spChg chg="del">
+          <ac:chgData name="Michaeljon Miller" userId="c575fe5cddd8b8cf" providerId="LiveId" clId="{7A9DD46D-37FA-7941-88DA-299187E885B0}" dt="2020-01-31T02:56:57.398" v="675" actId="478"/>
+          <ac:spMkLst>
+            <pc:docMk/>
+            <pc:sldMk cId="3628237211" sldId="333"/>
+            <ac:spMk id="2" creationId="{7D4597B5-87C3-B048-BDF0-A71CE24D7CA5}"/>
+          </ac:spMkLst>
+        </pc:spChg>
+        <pc:spChg chg="add mod">
+          <ac:chgData name="Michaeljon Miller" userId="c575fe5cddd8b8cf" providerId="LiveId" clId="{7A9DD46D-37FA-7941-88DA-299187E885B0}" dt="2020-01-31T02:56:57.398" v="675" actId="478"/>
+          <ac:spMkLst>
+            <pc:docMk/>
+            <pc:sldMk cId="3628237211" sldId="333"/>
+            <ac:spMk id="4" creationId="{AE63C002-721C-A441-ADA5-984B315DC1BD}"/>
+          </ac:spMkLst>
+        </pc:spChg>
+        <pc:picChg chg="mod">
+          <ac:chgData name="Michaeljon Miller" userId="c575fe5cddd8b8cf" providerId="LiveId" clId="{7A9DD46D-37FA-7941-88DA-299187E885B0}" dt="2020-01-31T02:57:06.477" v="678" actId="1076"/>
+          <ac:picMkLst>
+            <pc:docMk/>
+            <pc:sldMk cId="3628237211" sldId="333"/>
+            <ac:picMk id="5" creationId="{D295B7E6-0679-1F4F-954C-E5B164094DEB}"/>
+          </ac:picMkLst>
+        </pc:picChg>
+      </pc:sldChg>
     </pc:docChg>
   </pc:docChgLst>
   <pc:docChgLst>
@@ -345,6 +373,216 @@
           <pc:docMk/>
           <pc:sldMk cId="3708164100" sldId="313"/>
         </pc:sldMkLst>
+      </pc:sldChg>
+    </pc:docChg>
+  </pc:docChgLst>
+  <pc:docChgLst>
+    <pc:chgData name="Michaeljon Miller" userId="c575fe5cddd8b8cf" providerId="LiveId" clId="{0D687FB0-7C22-D34E-BAD1-F7D9CB2D0765}"/>
+    <pc:docChg chg="custSel addSld modSld sldOrd">
+      <pc:chgData name="Michaeljon Miller" userId="c575fe5cddd8b8cf" providerId="LiveId" clId="{0D687FB0-7C22-D34E-BAD1-F7D9CB2D0765}" dt="2020-01-30T05:01:17.221" v="2420" actId="20577"/>
+      <pc:docMkLst>
+        <pc:docMk/>
+      </pc:docMkLst>
+      <pc:sldChg chg="modNotesTx">
+        <pc:chgData name="Michaeljon Miller" userId="c575fe5cddd8b8cf" providerId="LiveId" clId="{0D687FB0-7C22-D34E-BAD1-F7D9CB2D0765}" dt="2020-01-30T04:37:22.232" v="1966" actId="11"/>
+        <pc:sldMkLst>
+          <pc:docMk/>
+          <pc:sldMk cId="941504753" sldId="279"/>
+        </pc:sldMkLst>
+      </pc:sldChg>
+      <pc:sldChg chg="modSp ord modNotesTx">
+        <pc:chgData name="Michaeljon Miller" userId="c575fe5cddd8b8cf" providerId="LiveId" clId="{0D687FB0-7C22-D34E-BAD1-F7D9CB2D0765}" dt="2020-01-30T04:34:38.082" v="1632" actId="20577"/>
+        <pc:sldMkLst>
+          <pc:docMk/>
+          <pc:sldMk cId="1376343058" sldId="285"/>
+        </pc:sldMkLst>
+        <pc:spChg chg="mod">
+          <ac:chgData name="Michaeljon Miller" userId="c575fe5cddd8b8cf" providerId="LiveId" clId="{0D687FB0-7C22-D34E-BAD1-F7D9CB2D0765}" dt="2020-01-30T04:34:38.082" v="1632" actId="20577"/>
+          <ac:spMkLst>
+            <pc:docMk/>
+            <pc:sldMk cId="1376343058" sldId="285"/>
+            <ac:spMk id="6" creationId="{00000000-0000-0000-0000-000000000000}"/>
+          </ac:spMkLst>
+        </pc:spChg>
+      </pc:sldChg>
+      <pc:sldChg chg="addSp delSp modSp new mod ord modClrScheme chgLayout">
+        <pc:chgData name="Michaeljon Miller" userId="c575fe5cddd8b8cf" providerId="LiveId" clId="{0D687FB0-7C22-D34E-BAD1-F7D9CB2D0765}" dt="2020-01-30T03:23:30.744" v="40" actId="20577"/>
+        <pc:sldMkLst>
+          <pc:docMk/>
+          <pc:sldMk cId="2356303265" sldId="331"/>
+        </pc:sldMkLst>
+        <pc:spChg chg="mod ord">
+          <ac:chgData name="Michaeljon Miller" userId="c575fe5cddd8b8cf" providerId="LiveId" clId="{0D687FB0-7C22-D34E-BAD1-F7D9CB2D0765}" dt="2020-01-30T03:23:30.744" v="40" actId="20577"/>
+          <ac:spMkLst>
+            <pc:docMk/>
+            <pc:sldMk cId="2356303265" sldId="331"/>
+            <ac:spMk id="2" creationId="{6270AE4B-120F-5442-B27B-C1C2400EDB2B}"/>
+          </ac:spMkLst>
+        </pc:spChg>
+        <pc:spChg chg="mod ord">
+          <ac:chgData name="Michaeljon Miller" userId="c575fe5cddd8b8cf" providerId="LiveId" clId="{0D687FB0-7C22-D34E-BAD1-F7D9CB2D0765}" dt="2020-01-30T03:22:43.652" v="7" actId="700"/>
+          <ac:spMkLst>
+            <pc:docMk/>
+            <pc:sldMk cId="2356303265" sldId="331"/>
+            <ac:spMk id="3" creationId="{6E0D57AE-B2CE-C84D-B8E3-681DAEB69AC4}"/>
+          </ac:spMkLst>
+        </pc:spChg>
+        <pc:inkChg chg="add del">
+          <ac:chgData name="Michaeljon Miller" userId="c575fe5cddd8b8cf" providerId="LiveId" clId="{0D687FB0-7C22-D34E-BAD1-F7D9CB2D0765}" dt="2020-01-30T03:22:55.542" v="10"/>
+          <ac:inkMkLst>
+            <pc:docMk/>
+            <pc:sldMk cId="2356303265" sldId="331"/>
+            <ac:inkMk id="4" creationId="{43508509-F510-DA48-997B-3210EA71402A}"/>
+          </ac:inkMkLst>
+        </pc:inkChg>
+        <pc:inkChg chg="add del">
+          <ac:chgData name="Michaeljon Miller" userId="c575fe5cddd8b8cf" providerId="LiveId" clId="{0D687FB0-7C22-D34E-BAD1-F7D9CB2D0765}" dt="2020-01-30T03:22:55.542" v="10"/>
+          <ac:inkMkLst>
+            <pc:docMk/>
+            <pc:sldMk cId="2356303265" sldId="331"/>
+            <ac:inkMk id="5" creationId="{F007B844-DF0B-D645-BC56-5DF7861817D6}"/>
+          </ac:inkMkLst>
+        </pc:inkChg>
+        <pc:inkChg chg="add del reco">
+          <ac:chgData name="Michaeljon Miller" userId="c575fe5cddd8b8cf" providerId="LiveId" clId="{0D687FB0-7C22-D34E-BAD1-F7D9CB2D0765}" dt="2020-01-30T03:23:08.555" v="16"/>
+          <ac:inkMkLst>
+            <pc:docMk/>
+            <pc:sldMk cId="2356303265" sldId="331"/>
+            <ac:inkMk id="6" creationId="{3BFCFF81-984C-C24E-957D-D16F78281F2A}"/>
+          </ac:inkMkLst>
+        </pc:inkChg>
+        <pc:inkChg chg="add del">
+          <ac:chgData name="Michaeljon Miller" userId="c575fe5cddd8b8cf" providerId="LiveId" clId="{0D687FB0-7C22-D34E-BAD1-F7D9CB2D0765}" dt="2020-01-30T03:23:03.836" v="14"/>
+          <ac:inkMkLst>
+            <pc:docMk/>
+            <pc:sldMk cId="2356303265" sldId="331"/>
+            <ac:inkMk id="8" creationId="{64281691-C473-E84E-8D22-06B0949BF558}"/>
+          </ac:inkMkLst>
+        </pc:inkChg>
+        <pc:inkChg chg="add del">
+          <ac:chgData name="Michaeljon Miller" userId="c575fe5cddd8b8cf" providerId="LiveId" clId="{0D687FB0-7C22-D34E-BAD1-F7D9CB2D0765}" dt="2020-01-30T03:23:03.836" v="14"/>
+          <ac:inkMkLst>
+            <pc:docMk/>
+            <pc:sldMk cId="2356303265" sldId="331"/>
+            <ac:inkMk id="9" creationId="{6CBBC056-059F-4B48-81F3-C4D88E934FF6}"/>
+          </ac:inkMkLst>
+        </pc:inkChg>
+        <pc:inkChg chg="add del">
+          <ac:chgData name="Michaeljon Miller" userId="c575fe5cddd8b8cf" providerId="LiveId" clId="{0D687FB0-7C22-D34E-BAD1-F7D9CB2D0765}" dt="2020-01-30T03:23:03.836" v="14"/>
+          <ac:inkMkLst>
+            <pc:docMk/>
+            <pc:sldMk cId="2356303265" sldId="331"/>
+            <ac:inkMk id="10" creationId="{2C317AAF-3F42-3841-BB15-380219D7AAD2}"/>
+          </ac:inkMkLst>
+        </pc:inkChg>
+        <pc:inkChg chg="add del reco">
+          <ac:chgData name="Michaeljon Miller" userId="c575fe5cddd8b8cf" providerId="LiveId" clId="{0D687FB0-7C22-D34E-BAD1-F7D9CB2D0765}" dt="2020-01-30T03:23:08.551" v="15"/>
+          <ac:inkMkLst>
+            <pc:docMk/>
+            <pc:sldMk cId="2356303265" sldId="331"/>
+            <ac:inkMk id="11" creationId="{97F1327E-AA77-C54B-B33D-AD133BD51CAE}"/>
+          </ac:inkMkLst>
+        </pc:inkChg>
+      </pc:sldChg>
+      <pc:sldChg chg="addSp delSp modSp new ord modNotesTx">
+        <pc:chgData name="Michaeljon Miller" userId="c575fe5cddd8b8cf" providerId="LiveId" clId="{0D687FB0-7C22-D34E-BAD1-F7D9CB2D0765}" dt="2020-01-30T03:48:32.762" v="699" actId="20577"/>
+        <pc:sldMkLst>
+          <pc:docMk/>
+          <pc:sldMk cId="440219656" sldId="332"/>
+        </pc:sldMkLst>
+        <pc:spChg chg="mod">
+          <ac:chgData name="Michaeljon Miller" userId="c575fe5cddd8b8cf" providerId="LiveId" clId="{0D687FB0-7C22-D34E-BAD1-F7D9CB2D0765}" dt="2020-01-30T03:44:45.146" v="69" actId="20577"/>
+          <ac:spMkLst>
+            <pc:docMk/>
+            <pc:sldMk cId="440219656" sldId="332"/>
+            <ac:spMk id="2" creationId="{760C16EC-6C81-F84A-B768-F5EE15747E84}"/>
+          </ac:spMkLst>
+        </pc:spChg>
+        <pc:spChg chg="mod">
+          <ac:chgData name="Michaeljon Miller" userId="c575fe5cddd8b8cf" providerId="LiveId" clId="{0D687FB0-7C22-D34E-BAD1-F7D9CB2D0765}" dt="2020-01-30T03:46:50.938" v="394" actId="122"/>
+          <ac:spMkLst>
+            <pc:docMk/>
+            <pc:sldMk cId="440219656" sldId="332"/>
+            <ac:spMk id="3" creationId="{5AA3BAC1-2AC5-C445-B61E-CA961AEC906C}"/>
+          </ac:spMkLst>
+        </pc:spChg>
+        <pc:inkChg chg="add del">
+          <ac:chgData name="Michaeljon Miller" userId="c575fe5cddd8b8cf" providerId="LiveId" clId="{0D687FB0-7C22-D34E-BAD1-F7D9CB2D0765}" dt="2020-01-30T03:44:33.562" v="45"/>
+          <ac:inkMkLst>
+            <pc:docMk/>
+            <pc:sldMk cId="440219656" sldId="332"/>
+            <ac:inkMk id="4" creationId="{2452D5B0-BEEB-B241-A1DA-F897B43BD8A2}"/>
+          </ac:inkMkLst>
+        </pc:inkChg>
+      </pc:sldChg>
+      <pc:sldChg chg="addSp delSp modSp new mod modClrScheme chgLayout">
+        <pc:chgData name="Michaeljon Miller" userId="c575fe5cddd8b8cf" providerId="LiveId" clId="{0D687FB0-7C22-D34E-BAD1-F7D9CB2D0765}" dt="2020-01-30T04:55:04.598" v="1992" actId="1076"/>
+        <pc:sldMkLst>
+          <pc:docMk/>
+          <pc:sldMk cId="3628237211" sldId="333"/>
+        </pc:sldMkLst>
+        <pc:spChg chg="mod ord">
+          <ac:chgData name="Michaeljon Miller" userId="c575fe5cddd8b8cf" providerId="LiveId" clId="{0D687FB0-7C22-D34E-BAD1-F7D9CB2D0765}" dt="2020-01-30T04:54:46.244" v="1990" actId="20577"/>
+          <ac:spMkLst>
+            <pc:docMk/>
+            <pc:sldMk cId="3628237211" sldId="333"/>
+            <ac:spMk id="2" creationId="{7D4597B5-87C3-B048-BDF0-A71CE24D7CA5}"/>
+          </ac:spMkLst>
+        </pc:spChg>
+        <pc:spChg chg="del">
+          <ac:chgData name="Michaeljon Miller" userId="c575fe5cddd8b8cf" providerId="LiveId" clId="{0D687FB0-7C22-D34E-BAD1-F7D9CB2D0765}" dt="2020-01-30T04:54:39.388" v="1968" actId="700"/>
+          <ac:spMkLst>
+            <pc:docMk/>
+            <pc:sldMk cId="3628237211" sldId="333"/>
+            <ac:spMk id="3" creationId="{FA5F0EAC-97AE-6F4F-911F-92A9D751AA6C}"/>
+          </ac:spMkLst>
+        </pc:spChg>
+        <pc:picChg chg="add mod">
+          <ac:chgData name="Michaeljon Miller" userId="c575fe5cddd8b8cf" providerId="LiveId" clId="{0D687FB0-7C22-D34E-BAD1-F7D9CB2D0765}" dt="2020-01-30T04:55:04.598" v="1992" actId="1076"/>
+          <ac:picMkLst>
+            <pc:docMk/>
+            <pc:sldMk cId="3628237211" sldId="333"/>
+            <ac:picMk id="5" creationId="{D295B7E6-0679-1F4F-954C-E5B164094DEB}"/>
+          </ac:picMkLst>
+        </pc:picChg>
+      </pc:sldChg>
+      <pc:sldChg chg="modSp add ord">
+        <pc:chgData name="Michaeljon Miller" userId="c575fe5cddd8b8cf" providerId="LiveId" clId="{0D687FB0-7C22-D34E-BAD1-F7D9CB2D0765}" dt="2020-01-30T04:59:21.751" v="2043" actId="20577"/>
+        <pc:sldMkLst>
+          <pc:docMk/>
+          <pc:sldMk cId="1438224000" sldId="334"/>
+        </pc:sldMkLst>
+        <pc:spChg chg="mod">
+          <ac:chgData name="Michaeljon Miller" userId="c575fe5cddd8b8cf" providerId="LiveId" clId="{0D687FB0-7C22-D34E-BAD1-F7D9CB2D0765}" dt="2020-01-30T04:59:21.751" v="2043" actId="20577"/>
+          <ac:spMkLst>
+            <pc:docMk/>
+            <pc:sldMk cId="1438224000" sldId="334"/>
+            <ac:spMk id="2" creationId="{B48E4030-9CE2-9144-B3D6-1920E39E3B14}"/>
+          </ac:spMkLst>
+        </pc:spChg>
+      </pc:sldChg>
+      <pc:sldChg chg="modSp add">
+        <pc:chgData name="Michaeljon Miller" userId="c575fe5cddd8b8cf" providerId="LiveId" clId="{0D687FB0-7C22-D34E-BAD1-F7D9CB2D0765}" dt="2020-01-30T05:01:17.221" v="2420" actId="20577"/>
+        <pc:sldMkLst>
+          <pc:docMk/>
+          <pc:sldMk cId="1802706396" sldId="335"/>
+        </pc:sldMkLst>
+        <pc:spChg chg="mod">
+          <ac:chgData name="Michaeljon Miller" userId="c575fe5cddd8b8cf" providerId="LiveId" clId="{0D687FB0-7C22-D34E-BAD1-F7D9CB2D0765}" dt="2020-01-30T04:59:41.508" v="2079" actId="20577"/>
+          <ac:spMkLst>
+            <pc:docMk/>
+            <pc:sldMk cId="1802706396" sldId="335"/>
+            <ac:spMk id="2" creationId="{B48E4030-9CE2-9144-B3D6-1920E39E3B14}"/>
+          </ac:spMkLst>
+        </pc:spChg>
+        <pc:spChg chg="mod">
+          <ac:chgData name="Michaeljon Miller" userId="c575fe5cddd8b8cf" providerId="LiveId" clId="{0D687FB0-7C22-D34E-BAD1-F7D9CB2D0765}" dt="2020-01-30T05:01:17.221" v="2420" actId="20577"/>
+          <ac:spMkLst>
+            <pc:docMk/>
+            <pc:sldMk cId="1802706396" sldId="335"/>
+            <ac:spMk id="3" creationId="{CAFA35EF-C386-7249-8BC2-685E5E49EE51}"/>
+          </ac:spMkLst>
+        </pc:spChg>
       </pc:sldChg>
     </pc:docChg>
   </pc:docChgLst>
@@ -1590,7 +1828,7 @@
   <dgm:whole/>
   <dgm:extLst>
     <a:ext uri="http://schemas.microsoft.com/office/drawing/2008/diagram">
-      <dsp:dataModelExt xmlns:dsp="http://schemas.microsoft.com/office/drawing/2008/diagram" relId="rId6" minVer="http://schemas.openxmlformats.org/drawingml/2006/diagram"/>
+      <dsp:dataModelExt xmlns:dsp="http://schemas.microsoft.com/office/drawing/2008/diagram" relId="rId7" minVer="http://schemas.openxmlformats.org/drawingml/2006/diagram"/>
     </a:ext>
   </dgm:extLst>
 </dgm:dataModel>
@@ -3761,7 +3999,7 @@
           <a:p>
             <a:fld id="{4735D8F5-352F-403D-80D0-F7F4EBDEAF57}" type="datetimeFigureOut">
               <a:rPr lang="en-US" smtClean="0"/>
-              <a:t>1/16/20</a:t>
+              <a:t>1/30/20</a:t>
             </a:fld>
             <a:endParaRPr lang="en-US"/>
           </a:p>
@@ -4072,6 +4310,52 @@
           <a:bodyPr/>
           <a:lstStyle/>
           <a:p>
+            <a:pPr marL="228600" indent="-228600">
+              <a:buAutoNum type="arabicPeriod"/>
+            </a:pPr>
+            <a:r>
+              <a:rPr lang="en-US" dirty="0"/>
+              <a:t>Identify a set of feasible concepts</a:t>
+            </a:r>
+          </a:p>
+          <a:p>
+            <a:pPr marL="228600" indent="-228600">
+              <a:buAutoNum type="arabicPeriod"/>
+            </a:pPr>
+            <a:r>
+              <a:rPr lang="en-US" dirty="0"/>
+              <a:t>Selection and development of the best concept</a:t>
+            </a:r>
+          </a:p>
+          <a:p>
+            <a:pPr marL="228600" indent="-228600">
+              <a:buAutoNum type="arabicPeriod"/>
+            </a:pPr>
+            <a:r>
+              <a:rPr lang="en-US" dirty="0"/>
+              <a:t>Development of engineering descriptions of the concept</a:t>
+            </a:r>
+          </a:p>
+          <a:p>
+            <a:pPr marL="228600" indent="-228600">
+              <a:buAutoNum type="arabicPeriod"/>
+            </a:pPr>
+            <a:r>
+              <a:rPr lang="en-US" dirty="0"/>
+              <a:t>Evaluating and altering the concept to suite the requirements of production, consumption, and product refinement</a:t>
+            </a:r>
+          </a:p>
+          <a:p>
+            <a:pPr marL="228600" indent="-228600">
+              <a:buAutoNum type="arabicPeriod"/>
+            </a:pPr>
+            <a:endParaRPr lang="en-US" dirty="0"/>
+          </a:p>
+          <a:p>
+            <a:pPr marL="0" indent="0">
+              <a:buFontTx/>
+              <a:buNone/>
+            </a:pPr>
             <a:endParaRPr lang="en-US" dirty="0"/>
           </a:p>
         </p:txBody>
@@ -4093,7 +4377,466 @@
           <a:p>
             <a:fld id="{7C517B92-7FAB-460A-9508-81997DBE4F74}" type="slidenum">
               <a:rPr lang="en-US" smtClean="0"/>
-              <a:t>22</a:t>
+              <a:t>3</a:t>
+            </a:fld>
+            <a:endParaRPr lang="en-US"/>
+          </a:p>
+        </p:txBody>
+      </p:sp>
+    </p:spTree>
+    <p:extLst>
+      <p:ext uri="{BB962C8B-B14F-4D97-AF65-F5344CB8AC3E}">
+        <p14:creationId xmlns:p14="http://schemas.microsoft.com/office/powerpoint/2010/main" val="1961710058"/>
+      </p:ext>
+    </p:extLst>
+  </p:cSld>
+  <p:clrMapOvr>
+    <a:masterClrMapping/>
+  </p:clrMapOvr>
+</p:notes>
+</file>
+
+<file path=ppt/notesSlides/notesSlide2.xml><?xml version="1.0" encoding="utf-8"?>
+<p:notes xmlns:a="http://schemas.openxmlformats.org/drawingml/2006/main" xmlns:r="http://schemas.openxmlformats.org/officeDocument/2006/relationships" xmlns:p="http://schemas.openxmlformats.org/presentationml/2006/main">
+  <p:cSld>
+    <p:spTree>
+      <p:nvGrpSpPr>
+        <p:cNvPr id="1" name=""/>
+        <p:cNvGrpSpPr/>
+        <p:nvPr/>
+      </p:nvGrpSpPr>
+      <p:grpSpPr>
+        <a:xfrm>
+          <a:off x="0" y="0"/>
+          <a:ext cx="0" cy="0"/>
+          <a:chOff x="0" y="0"/>
+          <a:chExt cx="0" cy="0"/>
+        </a:xfrm>
+      </p:grpSpPr>
+      <p:sp>
+        <p:nvSpPr>
+          <p:cNvPr id="2" name="Slide Image Placeholder 1"/>
+          <p:cNvSpPr>
+            <a:spLocks noGrp="1" noRot="1" noChangeAspect="1"/>
+          </p:cNvSpPr>
+          <p:nvPr>
+            <p:ph type="sldImg"/>
+          </p:nvPr>
+        </p:nvSpPr>
+        <p:spPr/>
+      </p:sp>
+      <p:sp>
+        <p:nvSpPr>
+          <p:cNvPr id="3" name="Notes Placeholder 2"/>
+          <p:cNvSpPr>
+            <a:spLocks noGrp="1"/>
+          </p:cNvSpPr>
+          <p:nvPr>
+            <p:ph type="body" idx="1"/>
+          </p:nvPr>
+        </p:nvSpPr>
+        <p:spPr/>
+        <p:txBody>
+          <a:bodyPr/>
+          <a:lstStyle/>
+          <a:p>
+            <a:r>
+              <a:rPr lang="en-US" dirty="0"/>
+              <a:t>At a minimum, if a designer is ignorant of relevant experience, for that design the new problem is indeed a novel one…</a:t>
+            </a:r>
+          </a:p>
+          <a:p>
+            <a:endParaRPr lang="en-US" dirty="0"/>
+          </a:p>
+          <a:p>
+            <a:r>
+              <a:rPr lang="en-US" dirty="0"/>
+              <a:t>That is, if you haven’t seen the problem before, and you don’t know that it’s a solved problem elsewhere, then it looks novel (i.e. new and scary) to you.</a:t>
+            </a:r>
+          </a:p>
+        </p:txBody>
+      </p:sp>
+      <p:sp>
+        <p:nvSpPr>
+          <p:cNvPr id="4" name="Slide Number Placeholder 3"/>
+          <p:cNvSpPr>
+            <a:spLocks noGrp="1"/>
+          </p:cNvSpPr>
+          <p:nvPr>
+            <p:ph type="sldNum" sz="quarter" idx="5"/>
+          </p:nvPr>
+        </p:nvSpPr>
+        <p:spPr/>
+        <p:txBody>
+          <a:bodyPr/>
+          <a:lstStyle/>
+          <a:p>
+            <a:fld id="{7C517B92-7FAB-460A-9508-81997DBE4F74}" type="slidenum">
+              <a:rPr lang="en-US" smtClean="0"/>
+              <a:t>7</a:t>
+            </a:fld>
+            <a:endParaRPr lang="en-US"/>
+          </a:p>
+        </p:txBody>
+      </p:sp>
+    </p:spTree>
+    <p:extLst>
+      <p:ext uri="{BB962C8B-B14F-4D97-AF65-F5344CB8AC3E}">
+        <p14:creationId xmlns:p14="http://schemas.microsoft.com/office/powerpoint/2010/main" val="1006552862"/>
+      </p:ext>
+    </p:extLst>
+  </p:cSld>
+  <p:clrMapOvr>
+    <a:masterClrMapping/>
+  </p:clrMapOvr>
+</p:notes>
+</file>
+
+<file path=ppt/notesSlides/notesSlide3.xml><?xml version="1.0" encoding="utf-8"?>
+<p:notes xmlns:a="http://schemas.openxmlformats.org/drawingml/2006/main" xmlns:r="http://schemas.openxmlformats.org/officeDocument/2006/relationships" xmlns:p="http://schemas.openxmlformats.org/presentationml/2006/main">
+  <p:cSld>
+    <p:spTree>
+      <p:nvGrpSpPr>
+        <p:cNvPr id="1" name=""/>
+        <p:cNvGrpSpPr/>
+        <p:nvPr/>
+      </p:nvGrpSpPr>
+      <p:grpSpPr>
+        <a:xfrm>
+          <a:off x="0" y="0"/>
+          <a:ext cx="0" cy="0"/>
+          <a:chOff x="0" y="0"/>
+          <a:chExt cx="0" cy="0"/>
+        </a:xfrm>
+      </p:grpSpPr>
+      <p:sp>
+        <p:nvSpPr>
+          <p:cNvPr id="2" name="Slide Image Placeholder 1"/>
+          <p:cNvSpPr>
+            <a:spLocks noGrp="1" noRot="1" noChangeAspect="1"/>
+          </p:cNvSpPr>
+          <p:nvPr>
+            <p:ph type="sldImg"/>
+          </p:nvPr>
+        </p:nvSpPr>
+        <p:spPr/>
+      </p:sp>
+      <p:sp>
+        <p:nvSpPr>
+          <p:cNvPr id="3" name="Notes Placeholder 2"/>
+          <p:cNvSpPr>
+            <a:spLocks noGrp="1"/>
+          </p:cNvSpPr>
+          <p:nvPr>
+            <p:ph type="body" idx="1"/>
+          </p:nvPr>
+        </p:nvSpPr>
+        <p:spPr/>
+        <p:txBody>
+          <a:bodyPr/>
+          <a:lstStyle/>
+          <a:p>
+            <a:r>
+              <a:rPr lang="en-US" dirty="0"/>
+              <a:t>Divergence is a step taken to shake off the confines of inadequate prior approaches and discover, or admin, a variety of new ideas, conceptions, and approaches that offer the promise of a workable solution.</a:t>
+            </a:r>
+          </a:p>
+          <a:p>
+            <a:endParaRPr lang="en-US" dirty="0"/>
+          </a:p>
+          <a:p>
+            <a:r>
+              <a:rPr lang="en-US" dirty="0"/>
+              <a:t>Transformation is a combination of analysis and selection: based upon the information from the divergence step, solution possibilities and new understandings of or changes to the problem statement are examined and formulated.</a:t>
+            </a:r>
+          </a:p>
+          <a:p>
+            <a:endParaRPr lang="en-US" dirty="0"/>
+          </a:p>
+          <a:p>
+            <a:r>
+              <a:rPr lang="en-US" dirty="0"/>
+              <a:t>Convergence is the step of selecting and further refining ideas until a single approach is selected for further detailed development.</a:t>
+            </a:r>
+          </a:p>
+        </p:txBody>
+      </p:sp>
+      <p:sp>
+        <p:nvSpPr>
+          <p:cNvPr id="4" name="Slide Number Placeholder 3"/>
+          <p:cNvSpPr>
+            <a:spLocks noGrp="1"/>
+          </p:cNvSpPr>
+          <p:nvPr>
+            <p:ph type="sldNum" sz="quarter" idx="5"/>
+          </p:nvPr>
+        </p:nvSpPr>
+        <p:spPr/>
+        <p:txBody>
+          <a:bodyPr/>
+          <a:lstStyle/>
+          <a:p>
+            <a:fld id="{7C517B92-7FAB-460A-9508-81997DBE4F74}" type="slidenum">
+              <a:rPr lang="en-US" smtClean="0"/>
+              <a:t>8</a:t>
+            </a:fld>
+            <a:endParaRPr lang="en-US"/>
+          </a:p>
+        </p:txBody>
+      </p:sp>
+    </p:spTree>
+    <p:extLst>
+      <p:ext uri="{BB962C8B-B14F-4D97-AF65-F5344CB8AC3E}">
+        <p14:creationId xmlns:p14="http://schemas.microsoft.com/office/powerpoint/2010/main" val="2371085892"/>
+      </p:ext>
+    </p:extLst>
+  </p:cSld>
+  <p:clrMapOvr>
+    <a:masterClrMapping/>
+  </p:clrMapOvr>
+</p:notes>
+</file>
+
+<file path=ppt/notesSlides/notesSlide4.xml><?xml version="1.0" encoding="utf-8"?>
+<p:notes xmlns:a="http://schemas.openxmlformats.org/drawingml/2006/main" xmlns:r="http://schemas.openxmlformats.org/officeDocument/2006/relationships" xmlns:p="http://schemas.openxmlformats.org/presentationml/2006/main">
+  <p:cSld>
+    <p:spTree>
+      <p:nvGrpSpPr>
+        <p:cNvPr id="1" name=""/>
+        <p:cNvGrpSpPr/>
+        <p:nvPr/>
+      </p:nvGrpSpPr>
+      <p:grpSpPr>
+        <a:xfrm>
+          <a:off x="0" y="0"/>
+          <a:ext cx="0" cy="0"/>
+          <a:chOff x="0" y="0"/>
+          <a:chExt cx="0" cy="0"/>
+        </a:xfrm>
+      </p:grpSpPr>
+      <p:sp>
+        <p:nvSpPr>
+          <p:cNvPr id="2" name="Slide Image Placeholder 1"/>
+          <p:cNvSpPr>
+            <a:spLocks noGrp="1" noRot="1" noChangeAspect="1"/>
+          </p:cNvSpPr>
+          <p:nvPr>
+            <p:ph type="sldImg"/>
+          </p:nvPr>
+        </p:nvSpPr>
+        <p:spPr/>
+      </p:sp>
+      <p:sp>
+        <p:nvSpPr>
+          <p:cNvPr id="3" name="Notes Placeholder 2"/>
+          <p:cNvSpPr>
+            <a:spLocks noGrp="1"/>
+          </p:cNvSpPr>
+          <p:nvPr>
+            <p:ph type="body" idx="1"/>
+          </p:nvPr>
+        </p:nvSpPr>
+        <p:spPr/>
+        <p:txBody>
+          <a:bodyPr/>
+          <a:lstStyle/>
+          <a:p>
+            <a:r>
+              <a:rPr lang="en-US" dirty="0"/>
+              <a:t>Don’t confuse this use of the word “style” with its use in describing personalization or fashion. Architectural style as applied to building architecture is closer in nature to that which we’re discussing here, but also tends to reflect the local ruler’s personal tastes. We don’t want personality or taste to govern our architectural decisions.</a:t>
+            </a:r>
+          </a:p>
+        </p:txBody>
+      </p:sp>
+      <p:sp>
+        <p:nvSpPr>
+          <p:cNvPr id="4" name="Slide Number Placeholder 3"/>
+          <p:cNvSpPr>
+            <a:spLocks noGrp="1"/>
+          </p:cNvSpPr>
+          <p:nvPr>
+            <p:ph type="sldNum" sz="quarter" idx="10"/>
+          </p:nvPr>
+        </p:nvSpPr>
+        <p:spPr/>
+        <p:txBody>
+          <a:bodyPr/>
+          <a:lstStyle/>
+          <a:p>
+            <a:fld id="{E58294B0-43FA-4697-A94A-C7D8A3CEE26B}" type="slidenum">
+              <a:rPr lang="en-US" smtClean="0"/>
+              <a:t>11</a:t>
+            </a:fld>
+            <a:endParaRPr lang="en-US"/>
+          </a:p>
+        </p:txBody>
+      </p:sp>
+    </p:spTree>
+    <p:extLst>
+      <p:ext uri="{BB962C8B-B14F-4D97-AF65-F5344CB8AC3E}">
+        <p14:creationId xmlns:p14="http://schemas.microsoft.com/office/powerpoint/2010/main" val="338711787"/>
+      </p:ext>
+    </p:extLst>
+  </p:cSld>
+  <p:clrMapOvr>
+    <a:masterClrMapping/>
+  </p:clrMapOvr>
+</p:notes>
+</file>
+
+<file path=ppt/notesSlides/notesSlide5.xml><?xml version="1.0" encoding="utf-8"?>
+<p:notes xmlns:a="http://schemas.openxmlformats.org/drawingml/2006/main" xmlns:r="http://schemas.openxmlformats.org/officeDocument/2006/relationships" xmlns:p="http://schemas.openxmlformats.org/presentationml/2006/main">
+  <p:cSld>
+    <p:spTree>
+      <p:nvGrpSpPr>
+        <p:cNvPr id="1" name=""/>
+        <p:cNvGrpSpPr/>
+        <p:nvPr/>
+      </p:nvGrpSpPr>
+      <p:grpSpPr>
+        <a:xfrm>
+          <a:off x="0" y="0"/>
+          <a:ext cx="0" cy="0"/>
+          <a:chOff x="0" y="0"/>
+          <a:chExt cx="0" cy="0"/>
+        </a:xfrm>
+      </p:grpSpPr>
+      <p:sp>
+        <p:nvSpPr>
+          <p:cNvPr id="2" name="Slide Image Placeholder 1"/>
+          <p:cNvSpPr>
+            <a:spLocks noGrp="1" noRot="1" noChangeAspect="1"/>
+          </p:cNvSpPr>
+          <p:nvPr>
+            <p:ph type="sldImg"/>
+          </p:nvPr>
+        </p:nvSpPr>
+        <p:spPr/>
+      </p:sp>
+      <p:sp>
+        <p:nvSpPr>
+          <p:cNvPr id="3" name="Notes Placeholder 2"/>
+          <p:cNvSpPr>
+            <a:spLocks noGrp="1"/>
+          </p:cNvSpPr>
+          <p:nvPr>
+            <p:ph type="body" idx="1"/>
+          </p:nvPr>
+        </p:nvSpPr>
+        <p:spPr/>
+        <p:txBody>
+          <a:bodyPr/>
+          <a:lstStyle/>
+          <a:p>
+            <a:r>
+              <a:rPr lang="en-US" dirty="0"/>
+              <a:t>Don’t confuse this use of the word “style” with its use in describing personalization or fashion. Architectural style as applied to building architecture is closer in nature to that which we’re discussing here, but also tends to reflect the local ruler’s personal tastes. We don’t want personality or taste to govern our architectural decisions.</a:t>
+            </a:r>
+          </a:p>
+        </p:txBody>
+      </p:sp>
+      <p:sp>
+        <p:nvSpPr>
+          <p:cNvPr id="4" name="Slide Number Placeholder 3"/>
+          <p:cNvSpPr>
+            <a:spLocks noGrp="1"/>
+          </p:cNvSpPr>
+          <p:nvPr>
+            <p:ph type="sldNum" sz="quarter" idx="10"/>
+          </p:nvPr>
+        </p:nvSpPr>
+        <p:spPr/>
+        <p:txBody>
+          <a:bodyPr/>
+          <a:lstStyle/>
+          <a:p>
+            <a:fld id="{E58294B0-43FA-4697-A94A-C7D8A3CEE26B}" type="slidenum">
+              <a:rPr lang="en-US" smtClean="0"/>
+              <a:t>12</a:t>
+            </a:fld>
+            <a:endParaRPr lang="en-US"/>
+          </a:p>
+        </p:txBody>
+      </p:sp>
+    </p:spTree>
+    <p:extLst>
+      <p:ext uri="{BB962C8B-B14F-4D97-AF65-F5344CB8AC3E}">
+        <p14:creationId xmlns:p14="http://schemas.microsoft.com/office/powerpoint/2010/main" val="338711787"/>
+      </p:ext>
+    </p:extLst>
+  </p:cSld>
+  <p:clrMapOvr>
+    <a:masterClrMapping/>
+  </p:clrMapOvr>
+</p:notes>
+</file>
+
+<file path=ppt/notesSlides/notesSlide6.xml><?xml version="1.0" encoding="utf-8"?>
+<p:notes xmlns:a="http://schemas.openxmlformats.org/drawingml/2006/main" xmlns:r="http://schemas.openxmlformats.org/officeDocument/2006/relationships" xmlns:p="http://schemas.openxmlformats.org/presentationml/2006/main">
+  <p:cSld>
+    <p:spTree>
+      <p:nvGrpSpPr>
+        <p:cNvPr id="1" name=""/>
+        <p:cNvGrpSpPr/>
+        <p:nvPr/>
+      </p:nvGrpSpPr>
+      <p:grpSpPr>
+        <a:xfrm>
+          <a:off x="0" y="0"/>
+          <a:ext cx="0" cy="0"/>
+          <a:chOff x="0" y="0"/>
+          <a:chExt cx="0" cy="0"/>
+        </a:xfrm>
+      </p:grpSpPr>
+      <p:sp>
+        <p:nvSpPr>
+          <p:cNvPr id="2" name="Slide Image Placeholder 1"/>
+          <p:cNvSpPr>
+            <a:spLocks noGrp="1" noRot="1" noChangeAspect="1"/>
+          </p:cNvSpPr>
+          <p:nvPr>
+            <p:ph type="sldImg"/>
+          </p:nvPr>
+        </p:nvSpPr>
+        <p:spPr/>
+      </p:sp>
+      <p:sp>
+        <p:nvSpPr>
+          <p:cNvPr id="3" name="Notes Placeholder 2"/>
+          <p:cNvSpPr>
+            <a:spLocks noGrp="1"/>
+          </p:cNvSpPr>
+          <p:nvPr>
+            <p:ph type="body" idx="1"/>
+          </p:nvPr>
+        </p:nvSpPr>
+        <p:spPr/>
+        <p:txBody>
+          <a:bodyPr/>
+          <a:lstStyle/>
+          <a:p>
+            <a:endParaRPr lang="en-US" dirty="0"/>
+          </a:p>
+        </p:txBody>
+      </p:sp>
+      <p:sp>
+        <p:nvSpPr>
+          <p:cNvPr id="4" name="Slide Number Placeholder 3"/>
+          <p:cNvSpPr>
+            <a:spLocks noGrp="1"/>
+          </p:cNvSpPr>
+          <p:nvPr>
+            <p:ph type="sldNum" sz="quarter" idx="5"/>
+          </p:nvPr>
+        </p:nvSpPr>
+        <p:spPr/>
+        <p:txBody>
+          <a:bodyPr/>
+          <a:lstStyle/>
+          <a:p>
+            <a:fld id="{7C517B92-7FAB-460A-9508-81997DBE4F74}" type="slidenum">
+              <a:rPr lang="en-US" smtClean="0"/>
+              <a:t>28</a:t>
             </a:fld>
             <a:endParaRPr lang="en-US"/>
           </a:p>
@@ -4259,7 +5002,7 @@
           <a:p>
             <a:fld id="{8700D84D-E6CA-412F-8495-61D0DB04649F}" type="datetimeFigureOut">
               <a:rPr lang="en-US" smtClean="0"/>
-              <a:t>1/16/20</a:t>
+              <a:t>1/30/20</a:t>
             </a:fld>
             <a:endParaRPr lang="en-US"/>
           </a:p>
@@ -4457,7 +5200,7 @@
           <a:p>
             <a:fld id="{8700D84D-E6CA-412F-8495-61D0DB04649F}" type="datetimeFigureOut">
               <a:rPr lang="en-US" smtClean="0"/>
-              <a:t>1/16/20</a:t>
+              <a:t>1/30/20</a:t>
             </a:fld>
             <a:endParaRPr lang="en-US"/>
           </a:p>
@@ -4665,7 +5408,7 @@
           <a:p>
             <a:fld id="{8700D84D-E6CA-412F-8495-61D0DB04649F}" type="datetimeFigureOut">
               <a:rPr lang="en-US" smtClean="0"/>
-              <a:t>1/16/20</a:t>
+              <a:t>1/30/20</a:t>
             </a:fld>
             <a:endParaRPr lang="en-US"/>
           </a:p>
@@ -4863,7 +5606,7 @@
           <a:p>
             <a:fld id="{8700D84D-E6CA-412F-8495-61D0DB04649F}" type="datetimeFigureOut">
               <a:rPr lang="en-US" smtClean="0"/>
-              <a:t>1/16/20</a:t>
+              <a:t>1/30/20</a:t>
             </a:fld>
             <a:endParaRPr lang="en-US"/>
           </a:p>
@@ -5138,7 +5881,7 @@
           <a:p>
             <a:fld id="{8700D84D-E6CA-412F-8495-61D0DB04649F}" type="datetimeFigureOut">
               <a:rPr lang="en-US" smtClean="0"/>
-              <a:t>1/16/20</a:t>
+              <a:t>1/30/20</a:t>
             </a:fld>
             <a:endParaRPr lang="en-US"/>
           </a:p>
@@ -5403,7 +6146,7 @@
           <a:p>
             <a:fld id="{8700D84D-E6CA-412F-8495-61D0DB04649F}" type="datetimeFigureOut">
               <a:rPr lang="en-US" smtClean="0"/>
-              <a:t>1/16/20</a:t>
+              <a:t>1/30/20</a:t>
             </a:fld>
             <a:endParaRPr lang="en-US"/>
           </a:p>
@@ -5815,7 +6558,7 @@
           <a:p>
             <a:fld id="{8700D84D-E6CA-412F-8495-61D0DB04649F}" type="datetimeFigureOut">
               <a:rPr lang="en-US" smtClean="0"/>
-              <a:t>1/16/20</a:t>
+              <a:t>1/30/20</a:t>
             </a:fld>
             <a:endParaRPr lang="en-US"/>
           </a:p>
@@ -5956,7 +6699,7 @@
           <a:p>
             <a:fld id="{8700D84D-E6CA-412F-8495-61D0DB04649F}" type="datetimeFigureOut">
               <a:rPr lang="en-US" smtClean="0"/>
-              <a:t>1/16/20</a:t>
+              <a:t>1/30/20</a:t>
             </a:fld>
             <a:endParaRPr lang="en-US"/>
           </a:p>
@@ -6069,7 +6812,7 @@
           <a:p>
             <a:fld id="{8700D84D-E6CA-412F-8495-61D0DB04649F}" type="datetimeFigureOut">
               <a:rPr lang="en-US" smtClean="0"/>
-              <a:t>1/16/20</a:t>
+              <a:t>1/30/20</a:t>
             </a:fld>
             <a:endParaRPr lang="en-US"/>
           </a:p>
@@ -6380,7 +7123,7 @@
           <a:p>
             <a:fld id="{8700D84D-E6CA-412F-8495-61D0DB04649F}" type="datetimeFigureOut">
               <a:rPr lang="en-US" smtClean="0"/>
-              <a:t>1/16/20</a:t>
+              <a:t>1/30/20</a:t>
             </a:fld>
             <a:endParaRPr lang="en-US"/>
           </a:p>
@@ -6668,7 +7411,7 @@
           <a:p>
             <a:fld id="{8700D84D-E6CA-412F-8495-61D0DB04649F}" type="datetimeFigureOut">
               <a:rPr lang="en-US" smtClean="0"/>
-              <a:t>1/16/20</a:t>
+              <a:t>1/30/20</a:t>
             </a:fld>
             <a:endParaRPr lang="en-US"/>
           </a:p>
@@ -6909,7 +7652,7 @@
           <a:p>
             <a:fld id="{8700D84D-E6CA-412F-8495-61D0DB04649F}" type="datetimeFigureOut">
               <a:rPr lang="en-US" smtClean="0"/>
-              <a:t>1/16/20</a:t>
+              <a:t>1/30/20</a:t>
             </a:fld>
             <a:endParaRPr lang="en-US"/>
           </a:p>
@@ -7412,6 +8155,1247 @@
           <a:chExt cx="0" cy="0"/>
         </a:xfrm>
       </p:grpSpPr>
+      <p:pic>
+        <p:nvPicPr>
+          <p:cNvPr id="5" name="Content Placeholder 3">
+            <a:extLst>
+              <a:ext uri="{FF2B5EF4-FFF2-40B4-BE49-F238E27FC236}">
+                <a16:creationId xmlns:a16="http://schemas.microsoft.com/office/drawing/2014/main" id="{D295B7E6-0679-1F4F-954C-E5B164094DEB}"/>
+              </a:ext>
+            </a:extLst>
+          </p:cNvPr>
+          <p:cNvPicPr>
+            <a:picLocks noChangeAspect="1"/>
+          </p:cNvPicPr>
+          <p:nvPr/>
+        </p:nvPicPr>
+        <p:blipFill>
+          <a:blip r:embed="rId2"/>
+          <a:stretch>
+            <a:fillRect/>
+          </a:stretch>
+        </p:blipFill>
+        <p:spPr>
+          <a:xfrm>
+            <a:off x="2362200" y="152400"/>
+            <a:ext cx="7320210" cy="6878474"/>
+          </a:xfrm>
+          <a:prstGeom prst="rect">
+            <a:avLst/>
+          </a:prstGeom>
+        </p:spPr>
+      </p:pic>
+      <p:sp>
+        <p:nvSpPr>
+          <p:cNvPr id="4" name="Title 3">
+            <a:extLst>
+              <a:ext uri="{FF2B5EF4-FFF2-40B4-BE49-F238E27FC236}">
+                <a16:creationId xmlns:a16="http://schemas.microsoft.com/office/drawing/2014/main" id="{AE63C002-721C-A441-ADA5-984B315DC1BD}"/>
+              </a:ext>
+            </a:extLst>
+          </p:cNvPr>
+          <p:cNvSpPr>
+            <a:spLocks noGrp="1"/>
+          </p:cNvSpPr>
+          <p:nvPr>
+            <p:ph type="title"/>
+          </p:nvPr>
+        </p:nvSpPr>
+        <p:spPr/>
+        <p:txBody>
+          <a:bodyPr/>
+          <a:lstStyle/>
+          <a:p>
+            <a:endParaRPr lang="en-US"/>
+          </a:p>
+        </p:txBody>
+      </p:sp>
+    </p:spTree>
+    <p:extLst>
+      <p:ext uri="{BB962C8B-B14F-4D97-AF65-F5344CB8AC3E}">
+        <p14:creationId xmlns:p14="http://schemas.microsoft.com/office/powerpoint/2010/main" val="3628237211"/>
+      </p:ext>
+    </p:extLst>
+  </p:cSld>
+  <p:clrMapOvr>
+    <a:masterClrMapping/>
+  </p:clrMapOvr>
+</p:sld>
+</file>
+
+<file path=ppt/slides/slide11.xml><?xml version="1.0" encoding="utf-8"?>
+<p:sld xmlns:a="http://schemas.openxmlformats.org/drawingml/2006/main" xmlns:r="http://schemas.openxmlformats.org/officeDocument/2006/relationships" xmlns:p="http://schemas.openxmlformats.org/presentationml/2006/main">
+  <p:cSld>
+    <p:spTree>
+      <p:nvGrpSpPr>
+        <p:cNvPr id="1" name=""/>
+        <p:cNvGrpSpPr/>
+        <p:nvPr/>
+      </p:nvGrpSpPr>
+      <p:grpSpPr>
+        <a:xfrm>
+          <a:off x="0" y="0"/>
+          <a:ext cx="0" cy="0"/>
+          <a:chOff x="0" y="0"/>
+          <a:chExt cx="0" cy="0"/>
+        </a:xfrm>
+      </p:grpSpPr>
+      <p:sp>
+        <p:nvSpPr>
+          <p:cNvPr id="2" name="Title 1">
+            <a:extLst>
+              <a:ext uri="{FF2B5EF4-FFF2-40B4-BE49-F238E27FC236}">
+                <a16:creationId xmlns:a16="http://schemas.microsoft.com/office/drawing/2014/main" id="{B48E4030-9CE2-9144-B3D6-1920E39E3B14}"/>
+              </a:ext>
+            </a:extLst>
+          </p:cNvPr>
+          <p:cNvSpPr>
+            <a:spLocks noGrp="1"/>
+          </p:cNvSpPr>
+          <p:nvPr>
+            <p:ph type="title"/>
+          </p:nvPr>
+        </p:nvSpPr>
+        <p:spPr/>
+        <p:txBody>
+          <a:bodyPr/>
+          <a:lstStyle/>
+          <a:p>
+            <a:r>
+              <a:rPr lang="en-US" dirty="0"/>
+              <a:t>Remember </a:t>
+            </a:r>
+            <a:r>
+              <a:rPr lang="en-US" i="1" dirty="0"/>
+              <a:t>architecture</a:t>
+            </a:r>
+            <a:r>
+              <a:rPr lang="en-US" dirty="0"/>
+              <a:t> </a:t>
+            </a:r>
+            <a:r>
+              <a:rPr lang="en-US" i="1" dirty="0"/>
+              <a:t>style?</a:t>
+            </a:r>
+            <a:endParaRPr lang="en-US" dirty="0"/>
+          </a:p>
+        </p:txBody>
+      </p:sp>
+      <p:sp>
+        <p:nvSpPr>
+          <p:cNvPr id="3" name="Content Placeholder 2">
+            <a:extLst>
+              <a:ext uri="{FF2B5EF4-FFF2-40B4-BE49-F238E27FC236}">
+                <a16:creationId xmlns:a16="http://schemas.microsoft.com/office/drawing/2014/main" id="{CAFA35EF-C386-7249-8BC2-685E5E49EE51}"/>
+              </a:ext>
+            </a:extLst>
+          </p:cNvPr>
+          <p:cNvSpPr>
+            <a:spLocks noGrp="1"/>
+          </p:cNvSpPr>
+          <p:nvPr>
+            <p:ph idx="1"/>
+          </p:nvPr>
+        </p:nvSpPr>
+        <p:spPr/>
+        <p:txBody>
+          <a:bodyPr anchor="ctr"/>
+          <a:lstStyle/>
+          <a:p>
+            <a:pPr marL="0" indent="0" algn="ctr">
+              <a:buNone/>
+            </a:pPr>
+            <a:r>
+              <a:rPr lang="en-US" i="1" dirty="0"/>
+              <a:t>An </a:t>
+            </a:r>
+            <a:r>
+              <a:rPr lang="en-US" b="1" i="1" dirty="0"/>
+              <a:t>architectural style</a:t>
+            </a:r>
+            <a:r>
+              <a:rPr lang="en-US" i="1" dirty="0"/>
+              <a:t> is a coordinated set of architectural constraints that restricts the roles / features of architectural elements and the allowed relationships among those elements within any architecture that conforms to that style.</a:t>
+            </a:r>
+          </a:p>
+        </p:txBody>
+      </p:sp>
+    </p:spTree>
+    <p:extLst>
+      <p:ext uri="{BB962C8B-B14F-4D97-AF65-F5344CB8AC3E}">
+        <p14:creationId xmlns:p14="http://schemas.microsoft.com/office/powerpoint/2010/main" val="1438224000"/>
+      </p:ext>
+    </p:extLst>
+  </p:cSld>
+  <p:clrMapOvr>
+    <a:masterClrMapping/>
+  </p:clrMapOvr>
+</p:sld>
+</file>
+
+<file path=ppt/slides/slide12.xml><?xml version="1.0" encoding="utf-8"?>
+<p:sld xmlns:a="http://schemas.openxmlformats.org/drawingml/2006/main" xmlns:r="http://schemas.openxmlformats.org/officeDocument/2006/relationships" xmlns:p="http://schemas.openxmlformats.org/presentationml/2006/main">
+  <p:cSld>
+    <p:spTree>
+      <p:nvGrpSpPr>
+        <p:cNvPr id="1" name=""/>
+        <p:cNvGrpSpPr/>
+        <p:nvPr/>
+      </p:nvGrpSpPr>
+      <p:grpSpPr>
+        <a:xfrm>
+          <a:off x="0" y="0"/>
+          <a:ext cx="0" cy="0"/>
+          <a:chOff x="0" y="0"/>
+          <a:chExt cx="0" cy="0"/>
+        </a:xfrm>
+      </p:grpSpPr>
+      <p:sp>
+        <p:nvSpPr>
+          <p:cNvPr id="2" name="Title 1">
+            <a:extLst>
+              <a:ext uri="{FF2B5EF4-FFF2-40B4-BE49-F238E27FC236}">
+                <a16:creationId xmlns:a16="http://schemas.microsoft.com/office/drawing/2014/main" id="{B48E4030-9CE2-9144-B3D6-1920E39E3B14}"/>
+              </a:ext>
+            </a:extLst>
+          </p:cNvPr>
+          <p:cNvSpPr>
+            <a:spLocks noGrp="1"/>
+          </p:cNvSpPr>
+          <p:nvPr>
+            <p:ph type="title"/>
+          </p:nvPr>
+        </p:nvSpPr>
+        <p:spPr/>
+        <p:txBody>
+          <a:bodyPr/>
+          <a:lstStyle/>
+          <a:p>
+            <a:r>
+              <a:rPr lang="en-US" dirty="0"/>
+              <a:t>This is </a:t>
+            </a:r>
+            <a:r>
+              <a:rPr lang="en-US" i="1" dirty="0"/>
+              <a:t>architecture pattern</a:t>
+            </a:r>
+            <a:endParaRPr lang="en-US" dirty="0"/>
+          </a:p>
+        </p:txBody>
+      </p:sp>
+      <p:sp>
+        <p:nvSpPr>
+          <p:cNvPr id="3" name="Content Placeholder 2">
+            <a:extLst>
+              <a:ext uri="{FF2B5EF4-FFF2-40B4-BE49-F238E27FC236}">
+                <a16:creationId xmlns:a16="http://schemas.microsoft.com/office/drawing/2014/main" id="{CAFA35EF-C386-7249-8BC2-685E5E49EE51}"/>
+              </a:ext>
+            </a:extLst>
+          </p:cNvPr>
+          <p:cNvSpPr>
+            <a:spLocks noGrp="1"/>
+          </p:cNvSpPr>
+          <p:nvPr>
+            <p:ph idx="1"/>
+          </p:nvPr>
+        </p:nvSpPr>
+        <p:spPr/>
+        <p:txBody>
+          <a:bodyPr anchor="ctr"/>
+          <a:lstStyle/>
+          <a:p>
+            <a:pPr marL="0" indent="0" algn="ctr">
+              <a:buNone/>
+            </a:pPr>
+            <a:r>
+              <a:rPr lang="en-US" i="1" dirty="0"/>
+              <a:t>An </a:t>
+            </a:r>
+            <a:r>
+              <a:rPr lang="en-US" b="1" i="1" dirty="0"/>
+              <a:t>architectural pattern</a:t>
+            </a:r>
+            <a:r>
+              <a:rPr lang="en-US" i="1" dirty="0"/>
+              <a:t> is a named collection of architectural design decisions that are applicable to a recurring design problem, parameterized to account for different software development contexts in which that problem appears.</a:t>
+            </a:r>
+          </a:p>
+        </p:txBody>
+      </p:sp>
+    </p:spTree>
+    <p:extLst>
+      <p:ext uri="{BB962C8B-B14F-4D97-AF65-F5344CB8AC3E}">
+        <p14:creationId xmlns:p14="http://schemas.microsoft.com/office/powerpoint/2010/main" val="1802706396"/>
+      </p:ext>
+    </p:extLst>
+  </p:cSld>
+  <p:clrMapOvr>
+    <a:masterClrMapping/>
+  </p:clrMapOvr>
+</p:sld>
+</file>
+
+<file path=ppt/slides/slide13.xml><?xml version="1.0" encoding="utf-8"?>
+<p:sld xmlns:a="http://schemas.openxmlformats.org/drawingml/2006/main" xmlns:r="http://schemas.openxmlformats.org/officeDocument/2006/relationships" xmlns:p="http://schemas.openxmlformats.org/presentationml/2006/main">
+  <p:cSld>
+    <p:spTree>
+      <p:nvGrpSpPr>
+        <p:cNvPr id="1" name=""/>
+        <p:cNvGrpSpPr/>
+        <p:nvPr/>
+      </p:nvGrpSpPr>
+      <p:grpSpPr>
+        <a:xfrm>
+          <a:off x="0" y="0"/>
+          <a:ext cx="0" cy="0"/>
+          <a:chOff x="0" y="0"/>
+          <a:chExt cx="0" cy="0"/>
+        </a:xfrm>
+      </p:grpSpPr>
+      <p:sp>
+        <p:nvSpPr>
+          <p:cNvPr id="2" name="Title 1"/>
+          <p:cNvSpPr>
+            <a:spLocks noGrp="1"/>
+          </p:cNvSpPr>
+          <p:nvPr>
+            <p:ph type="title"/>
+          </p:nvPr>
+        </p:nvSpPr>
+        <p:spPr/>
+        <p:txBody>
+          <a:bodyPr/>
+          <a:lstStyle/>
+          <a:p>
+            <a:r>
+              <a:rPr lang="en-US" dirty="0"/>
+              <a:t>Architectural styles</a:t>
+            </a:r>
+          </a:p>
+        </p:txBody>
+      </p:sp>
+      <p:sp>
+        <p:nvSpPr>
+          <p:cNvPr id="3" name="Content Placeholder 2"/>
+          <p:cNvSpPr>
+            <a:spLocks noGrp="1"/>
+          </p:cNvSpPr>
+          <p:nvPr>
+            <p:ph idx="1"/>
+          </p:nvPr>
+        </p:nvSpPr>
+        <p:spPr/>
+        <p:txBody>
+          <a:bodyPr/>
+          <a:lstStyle/>
+          <a:p>
+            <a:pPr marL="0" indent="0">
+              <a:buNone/>
+            </a:pPr>
+            <a:r>
+              <a:rPr lang="en-US" dirty="0"/>
+              <a:t>A named collection of design decisions that</a:t>
+            </a:r>
+          </a:p>
+          <a:p>
+            <a:pPr marL="457200" lvl="1" indent="0">
+              <a:buNone/>
+            </a:pPr>
+            <a:r>
+              <a:rPr lang="en-US" dirty="0">
+                <a:solidFill>
+                  <a:schemeClr val="bg1">
+                    <a:lumMod val="50000"/>
+                  </a:schemeClr>
+                </a:solidFill>
+              </a:rPr>
+              <a:t>Are applicable to a given context</a:t>
+            </a:r>
+          </a:p>
+          <a:p>
+            <a:pPr marL="457200" lvl="1" indent="0">
+              <a:buNone/>
+            </a:pPr>
+            <a:r>
+              <a:rPr lang="en-US" dirty="0">
+                <a:solidFill>
+                  <a:schemeClr val="bg1">
+                    <a:lumMod val="50000"/>
+                  </a:schemeClr>
+                </a:solidFill>
+              </a:rPr>
+              <a:t>Constrain decisions within that context</a:t>
+            </a:r>
+          </a:p>
+          <a:p>
+            <a:pPr marL="457200" lvl="1" indent="0">
+              <a:buNone/>
+            </a:pPr>
+            <a:r>
+              <a:rPr lang="en-US" dirty="0">
+                <a:solidFill>
+                  <a:schemeClr val="bg1">
+                    <a:lumMod val="50000"/>
+                  </a:schemeClr>
+                </a:solidFill>
+              </a:rPr>
+              <a:t>Elicit beneficial qualities in each system</a:t>
+            </a:r>
+          </a:p>
+        </p:txBody>
+      </p:sp>
+    </p:spTree>
+    <p:extLst>
+      <p:ext uri="{BB962C8B-B14F-4D97-AF65-F5344CB8AC3E}">
+        <p14:creationId xmlns:p14="http://schemas.microsoft.com/office/powerpoint/2010/main" val="365081961"/>
+      </p:ext>
+    </p:extLst>
+  </p:cSld>
+  <p:clrMapOvr>
+    <a:masterClrMapping/>
+  </p:clrMapOvr>
+</p:sld>
+</file>
+
+<file path=ppt/slides/slide14.xml><?xml version="1.0" encoding="utf-8"?>
+<p:sld xmlns:a="http://schemas.openxmlformats.org/drawingml/2006/main" xmlns:r="http://schemas.openxmlformats.org/officeDocument/2006/relationships" xmlns:p="http://schemas.openxmlformats.org/presentationml/2006/main">
+  <p:cSld>
+    <p:spTree>
+      <p:nvGrpSpPr>
+        <p:cNvPr id="1" name=""/>
+        <p:cNvGrpSpPr/>
+        <p:nvPr/>
+      </p:nvGrpSpPr>
+      <p:grpSpPr>
+        <a:xfrm>
+          <a:off x="0" y="0"/>
+          <a:ext cx="0" cy="0"/>
+          <a:chOff x="0" y="0"/>
+          <a:chExt cx="0" cy="0"/>
+        </a:xfrm>
+      </p:grpSpPr>
+      <p:sp>
+        <p:nvSpPr>
+          <p:cNvPr id="2" name="Title 1"/>
+          <p:cNvSpPr>
+            <a:spLocks noGrp="1"/>
+          </p:cNvSpPr>
+          <p:nvPr>
+            <p:ph type="title"/>
+          </p:nvPr>
+        </p:nvSpPr>
+        <p:spPr/>
+        <p:txBody>
+          <a:bodyPr/>
+          <a:lstStyle/>
+          <a:p>
+            <a:r>
+              <a:rPr lang="en-US" dirty="0"/>
+              <a:t>Architectural styles</a:t>
+            </a:r>
+          </a:p>
+        </p:txBody>
+      </p:sp>
+      <p:sp>
+        <p:nvSpPr>
+          <p:cNvPr id="3" name="Content Placeholder 2"/>
+          <p:cNvSpPr>
+            <a:spLocks noGrp="1"/>
+          </p:cNvSpPr>
+          <p:nvPr>
+            <p:ph sz="half" idx="1"/>
+          </p:nvPr>
+        </p:nvSpPr>
+        <p:spPr/>
+        <p:txBody>
+          <a:bodyPr>
+            <a:normAutofit fontScale="92500" lnSpcReduction="10000"/>
+          </a:bodyPr>
+          <a:lstStyle/>
+          <a:p>
+            <a:pPr marL="0" indent="0">
+              <a:buNone/>
+            </a:pPr>
+            <a:r>
+              <a:rPr lang="en-US" sz="2400" dirty="0"/>
+              <a:t>Traditional language-influenced styles</a:t>
+            </a:r>
+          </a:p>
+          <a:p>
+            <a:pPr marL="457200" lvl="1" indent="0">
+              <a:buNone/>
+            </a:pPr>
+            <a:r>
+              <a:rPr lang="en-US" sz="2000" dirty="0">
+                <a:solidFill>
+                  <a:schemeClr val="bg1">
+                    <a:lumMod val="50000"/>
+                  </a:schemeClr>
+                </a:solidFill>
+              </a:rPr>
+              <a:t>Main program and subroutines</a:t>
+            </a:r>
+          </a:p>
+          <a:p>
+            <a:pPr marL="457200" lvl="1" indent="0">
+              <a:buNone/>
+            </a:pPr>
+            <a:r>
+              <a:rPr lang="en-US" sz="2000" dirty="0">
+                <a:solidFill>
+                  <a:schemeClr val="bg1">
+                    <a:lumMod val="50000"/>
+                  </a:schemeClr>
+                </a:solidFill>
+              </a:rPr>
+              <a:t>Object-oriented</a:t>
+            </a:r>
+          </a:p>
+          <a:p>
+            <a:pPr marL="457200" lvl="1" indent="0">
+              <a:buNone/>
+            </a:pPr>
+            <a:endParaRPr lang="en-US" sz="2000" dirty="0">
+              <a:solidFill>
+                <a:schemeClr val="bg1">
+                  <a:lumMod val="50000"/>
+                </a:schemeClr>
+              </a:solidFill>
+            </a:endParaRPr>
+          </a:p>
+          <a:p>
+            <a:pPr marL="0" indent="0">
+              <a:buNone/>
+            </a:pPr>
+            <a:r>
+              <a:rPr lang="en-US" sz="2400" dirty="0"/>
+              <a:t>Layered</a:t>
+            </a:r>
+          </a:p>
+          <a:p>
+            <a:pPr marL="457200" lvl="1" indent="0">
+              <a:buNone/>
+            </a:pPr>
+            <a:r>
+              <a:rPr lang="en-US" sz="2000" dirty="0">
+                <a:solidFill>
+                  <a:schemeClr val="bg1">
+                    <a:lumMod val="50000"/>
+                  </a:schemeClr>
+                </a:solidFill>
+              </a:rPr>
+              <a:t>Virtual machines</a:t>
+            </a:r>
+          </a:p>
+          <a:p>
+            <a:pPr marL="457200" lvl="1" indent="0">
+              <a:buNone/>
+            </a:pPr>
+            <a:r>
+              <a:rPr lang="en-US" sz="2000" dirty="0">
+                <a:solidFill>
+                  <a:schemeClr val="bg1">
+                    <a:lumMod val="50000"/>
+                  </a:schemeClr>
+                </a:solidFill>
+              </a:rPr>
+              <a:t>Client-server</a:t>
+            </a:r>
+          </a:p>
+          <a:p>
+            <a:pPr marL="457200" lvl="1" indent="0">
+              <a:buNone/>
+            </a:pPr>
+            <a:endParaRPr lang="en-US" sz="2000" dirty="0">
+              <a:solidFill>
+                <a:schemeClr val="bg1">
+                  <a:lumMod val="50000"/>
+                </a:schemeClr>
+              </a:solidFill>
+            </a:endParaRPr>
+          </a:p>
+          <a:p>
+            <a:pPr marL="0" indent="0">
+              <a:buNone/>
+            </a:pPr>
+            <a:r>
+              <a:rPr lang="en-US" sz="2400" dirty="0"/>
+              <a:t>Dataflow</a:t>
+            </a:r>
+          </a:p>
+          <a:p>
+            <a:pPr marL="457200" lvl="1" indent="0">
+              <a:buNone/>
+            </a:pPr>
+            <a:r>
+              <a:rPr lang="en-US" sz="2000" dirty="0">
+                <a:solidFill>
+                  <a:schemeClr val="bg1">
+                    <a:lumMod val="50000"/>
+                  </a:schemeClr>
+                </a:solidFill>
+              </a:rPr>
+              <a:t>Batch</a:t>
+            </a:r>
+          </a:p>
+          <a:p>
+            <a:pPr marL="457200" lvl="1" indent="0">
+              <a:buNone/>
+            </a:pPr>
+            <a:r>
+              <a:rPr lang="en-US" sz="2000" dirty="0">
+                <a:solidFill>
+                  <a:schemeClr val="bg1">
+                    <a:lumMod val="50000"/>
+                  </a:schemeClr>
+                </a:solidFill>
+              </a:rPr>
+              <a:t>Pipe-and-filter</a:t>
+            </a:r>
+          </a:p>
+        </p:txBody>
+      </p:sp>
+      <p:sp>
+        <p:nvSpPr>
+          <p:cNvPr id="4" name="Content Placeholder 3"/>
+          <p:cNvSpPr>
+            <a:spLocks noGrp="1"/>
+          </p:cNvSpPr>
+          <p:nvPr>
+            <p:ph sz="half" idx="2"/>
+          </p:nvPr>
+        </p:nvSpPr>
+        <p:spPr/>
+        <p:txBody>
+          <a:bodyPr>
+            <a:normAutofit fontScale="92500" lnSpcReduction="10000"/>
+          </a:bodyPr>
+          <a:lstStyle/>
+          <a:p>
+            <a:pPr marL="0" indent="0">
+              <a:buNone/>
+            </a:pPr>
+            <a:r>
+              <a:rPr lang="en-US" sz="2400" dirty="0"/>
+              <a:t>Shared memory</a:t>
+            </a:r>
+          </a:p>
+          <a:p>
+            <a:pPr marL="457200" lvl="1" indent="0">
+              <a:buNone/>
+            </a:pPr>
+            <a:r>
+              <a:rPr lang="en-US" sz="2000" dirty="0">
+                <a:solidFill>
+                  <a:schemeClr val="bg1">
+                    <a:lumMod val="50000"/>
+                  </a:schemeClr>
+                </a:solidFill>
+              </a:rPr>
+              <a:t>Blackboard</a:t>
+            </a:r>
+          </a:p>
+          <a:p>
+            <a:pPr marL="457200" lvl="1" indent="0">
+              <a:buNone/>
+            </a:pPr>
+            <a:r>
+              <a:rPr lang="en-US" sz="2000" dirty="0">
+                <a:solidFill>
+                  <a:schemeClr val="bg1">
+                    <a:lumMod val="50000"/>
+                  </a:schemeClr>
+                </a:solidFill>
+              </a:rPr>
+              <a:t>Rule-based</a:t>
+            </a:r>
+          </a:p>
+          <a:p>
+            <a:pPr marL="457200" lvl="1" indent="0">
+              <a:buNone/>
+            </a:pPr>
+            <a:endParaRPr lang="en-US" sz="2000" dirty="0">
+              <a:solidFill>
+                <a:schemeClr val="bg1">
+                  <a:lumMod val="50000"/>
+                </a:schemeClr>
+              </a:solidFill>
+            </a:endParaRPr>
+          </a:p>
+          <a:p>
+            <a:pPr marL="0" indent="0">
+              <a:buNone/>
+            </a:pPr>
+            <a:r>
+              <a:rPr lang="en-US" sz="2400" dirty="0"/>
+              <a:t>Interpreted</a:t>
+            </a:r>
+          </a:p>
+          <a:p>
+            <a:pPr marL="457200" lvl="1" indent="0">
+              <a:buNone/>
+            </a:pPr>
+            <a:r>
+              <a:rPr lang="en-US" sz="2000" dirty="0">
+                <a:solidFill>
+                  <a:schemeClr val="bg1">
+                    <a:lumMod val="50000"/>
+                  </a:schemeClr>
+                </a:solidFill>
+              </a:rPr>
+              <a:t>Interpreter</a:t>
+            </a:r>
+          </a:p>
+          <a:p>
+            <a:pPr marL="457200" lvl="1" indent="0">
+              <a:buNone/>
+            </a:pPr>
+            <a:r>
+              <a:rPr lang="en-US" sz="2000" dirty="0">
+                <a:solidFill>
+                  <a:schemeClr val="bg1">
+                    <a:lumMod val="50000"/>
+                  </a:schemeClr>
+                </a:solidFill>
+              </a:rPr>
+              <a:t>Mobile code</a:t>
+            </a:r>
+          </a:p>
+          <a:p>
+            <a:pPr marL="457200" lvl="1" indent="0">
+              <a:buNone/>
+            </a:pPr>
+            <a:endParaRPr lang="en-US" sz="2000" dirty="0">
+              <a:solidFill>
+                <a:schemeClr val="bg1">
+                  <a:lumMod val="50000"/>
+                </a:schemeClr>
+              </a:solidFill>
+            </a:endParaRPr>
+          </a:p>
+          <a:p>
+            <a:pPr marL="0" indent="0">
+              <a:buNone/>
+            </a:pPr>
+            <a:r>
+              <a:rPr lang="en-US" sz="2400" dirty="0"/>
+              <a:t>Implicit invocation</a:t>
+            </a:r>
+          </a:p>
+          <a:p>
+            <a:pPr marL="457200" lvl="1" indent="0">
+              <a:buNone/>
+            </a:pPr>
+            <a:r>
+              <a:rPr lang="en-US" sz="2000" dirty="0">
+                <a:solidFill>
+                  <a:schemeClr val="bg1">
+                    <a:lumMod val="50000"/>
+                  </a:schemeClr>
+                </a:solidFill>
+              </a:rPr>
+              <a:t>Pub / sub</a:t>
+            </a:r>
+          </a:p>
+          <a:p>
+            <a:pPr marL="457200" lvl="1" indent="0">
+              <a:buNone/>
+            </a:pPr>
+            <a:r>
+              <a:rPr lang="en-US" sz="2000" dirty="0">
+                <a:solidFill>
+                  <a:schemeClr val="bg1">
+                    <a:lumMod val="50000"/>
+                  </a:schemeClr>
+                </a:solidFill>
+              </a:rPr>
+              <a:t>Event-driven</a:t>
+            </a:r>
+          </a:p>
+          <a:p>
+            <a:pPr marL="457200" lvl="1" indent="0">
+              <a:buNone/>
+            </a:pPr>
+            <a:endParaRPr lang="en-US" sz="2000" dirty="0">
+              <a:solidFill>
+                <a:schemeClr val="bg1">
+                  <a:lumMod val="50000"/>
+                </a:schemeClr>
+              </a:solidFill>
+            </a:endParaRPr>
+          </a:p>
+          <a:p>
+            <a:pPr marL="0" indent="0">
+              <a:buNone/>
+            </a:pPr>
+            <a:r>
+              <a:rPr lang="en-US" sz="2400" dirty="0"/>
+              <a:t>Peer to peer</a:t>
+            </a:r>
+          </a:p>
+          <a:p>
+            <a:pPr marL="0" indent="0">
+              <a:buNone/>
+            </a:pPr>
+            <a:endParaRPr lang="en-US" sz="2400" dirty="0"/>
+          </a:p>
+        </p:txBody>
+      </p:sp>
+    </p:spTree>
+    <p:extLst>
+      <p:ext uri="{BB962C8B-B14F-4D97-AF65-F5344CB8AC3E}">
+        <p14:creationId xmlns:p14="http://schemas.microsoft.com/office/powerpoint/2010/main" val="571739048"/>
+      </p:ext>
+    </p:extLst>
+  </p:cSld>
+  <p:clrMapOvr>
+    <a:masterClrMapping/>
+  </p:clrMapOvr>
+</p:sld>
+</file>
+
+<file path=ppt/slides/slide15.xml><?xml version="1.0" encoding="utf-8"?>
+<p:sld xmlns:a="http://schemas.openxmlformats.org/drawingml/2006/main" xmlns:r="http://schemas.openxmlformats.org/officeDocument/2006/relationships" xmlns:p="http://schemas.openxmlformats.org/presentationml/2006/main">
+  <p:cSld>
+    <p:spTree>
+      <p:nvGrpSpPr>
+        <p:cNvPr id="1" name=""/>
+        <p:cNvGrpSpPr/>
+        <p:nvPr/>
+      </p:nvGrpSpPr>
+      <p:grpSpPr>
+        <a:xfrm>
+          <a:off x="0" y="0"/>
+          <a:ext cx="0" cy="0"/>
+          <a:chOff x="0" y="0"/>
+          <a:chExt cx="0" cy="0"/>
+        </a:xfrm>
+      </p:grpSpPr>
+      <p:sp>
+        <p:nvSpPr>
+          <p:cNvPr id="5" name="Title 4">
+            <a:extLst>
+              <a:ext uri="{FF2B5EF4-FFF2-40B4-BE49-F238E27FC236}">
+                <a16:creationId xmlns:a16="http://schemas.microsoft.com/office/drawing/2014/main" id="{6D2F4C59-1A85-2241-BA63-597393865818}"/>
+              </a:ext>
+            </a:extLst>
+          </p:cNvPr>
+          <p:cNvSpPr>
+            <a:spLocks noGrp="1"/>
+          </p:cNvSpPr>
+          <p:nvPr>
+            <p:ph type="title"/>
+          </p:nvPr>
+        </p:nvSpPr>
+        <p:spPr/>
+        <p:txBody>
+          <a:bodyPr/>
+          <a:lstStyle/>
+          <a:p>
+            <a:r>
+              <a:rPr lang="en-US" b="1" dirty="0"/>
+              <a:t>Style</a:t>
+            </a:r>
+            <a:r>
+              <a:rPr lang="en-US" dirty="0"/>
+              <a:t>: </a:t>
+            </a:r>
+            <a:r>
+              <a:rPr lang="en-US" i="1" dirty="0"/>
+              <a:t>What we call this style</a:t>
+            </a:r>
+          </a:p>
+        </p:txBody>
+      </p:sp>
+      <p:graphicFrame>
+        <p:nvGraphicFramePr>
+          <p:cNvPr id="7" name="Content Placeholder 6">
+            <a:extLst>
+              <a:ext uri="{FF2B5EF4-FFF2-40B4-BE49-F238E27FC236}">
+                <a16:creationId xmlns:a16="http://schemas.microsoft.com/office/drawing/2014/main" id="{40A46DD3-E595-E649-960B-8B9F1334CA29}"/>
+              </a:ext>
+            </a:extLst>
+          </p:cNvPr>
+          <p:cNvGraphicFramePr>
+            <a:graphicFrameLocks noGrp="1"/>
+          </p:cNvGraphicFramePr>
+          <p:nvPr>
+            <p:ph idx="1"/>
+            <p:extLst>
+              <p:ext uri="{D42A27DB-BD31-4B8C-83A1-F6EECF244321}">
+                <p14:modId xmlns:p14="http://schemas.microsoft.com/office/powerpoint/2010/main" val="3381425751"/>
+              </p:ext>
+            </p:extLst>
+          </p:nvPr>
+        </p:nvGraphicFramePr>
+        <p:xfrm>
+          <a:off x="838200" y="1825625"/>
+          <a:ext cx="10515600" cy="4079240"/>
+        </p:xfrm>
+        <a:graphic>
+          <a:graphicData uri="http://schemas.openxmlformats.org/drawingml/2006/table">
+            <a:tbl>
+              <a:tblPr bandRow="1">
+                <a:tableStyleId>{C083E6E3-FA7D-4D7B-A595-EF9225AFEA82}</a:tableStyleId>
+              </a:tblPr>
+              <a:tblGrid>
+                <a:gridCol w="10515600">
+                  <a:extLst>
+                    <a:ext uri="{9D8B030D-6E8A-4147-A177-3AD203B41FA5}">
+                      <a16:colId xmlns:a16="http://schemas.microsoft.com/office/drawing/2014/main" val="3565431365"/>
+                    </a:ext>
+                  </a:extLst>
+                </a:gridCol>
+              </a:tblGrid>
+              <a:tr h="370840">
+                <a:tc>
+                  <a:txBody>
+                    <a:bodyPr/>
+                    <a:lstStyle/>
+                    <a:p>
+                      <a:r>
+                        <a:rPr lang="en-US" b="1" dirty="0"/>
+                        <a:t>Summary</a:t>
+                      </a:r>
+                      <a:r>
+                        <a:rPr lang="en-US" dirty="0"/>
+                        <a:t>: </a:t>
+                      </a:r>
+                      <a:r>
+                        <a:rPr lang="en-US" i="1" dirty="0"/>
+                        <a:t>Short description of the style and its use</a:t>
+                      </a:r>
+                      <a:endParaRPr lang="en-US" dirty="0"/>
+                    </a:p>
+                  </a:txBody>
+                  <a:tcPr/>
+                </a:tc>
+                <a:extLst>
+                  <a:ext uri="{0D108BD9-81ED-4DB2-BD59-A6C34878D82A}">
+                    <a16:rowId xmlns:a16="http://schemas.microsoft.com/office/drawing/2014/main" val="1920818122"/>
+                  </a:ext>
+                </a:extLst>
+              </a:tr>
+              <a:tr h="370840">
+                <a:tc>
+                  <a:txBody>
+                    <a:bodyPr/>
+                    <a:lstStyle/>
+                    <a:p>
+                      <a:r>
+                        <a:rPr lang="en-US" b="1" dirty="0"/>
+                        <a:t>Components</a:t>
+                      </a:r>
+                      <a:r>
+                        <a:rPr lang="en-US" dirty="0"/>
+                        <a:t>: </a:t>
+                      </a:r>
+                      <a:r>
+                        <a:rPr lang="en-US" i="1" dirty="0"/>
+                        <a:t>The major components with which the style is composed</a:t>
+                      </a:r>
+                      <a:endParaRPr lang="en-US" dirty="0"/>
+                    </a:p>
+                  </a:txBody>
+                  <a:tcPr/>
+                </a:tc>
+                <a:extLst>
+                  <a:ext uri="{0D108BD9-81ED-4DB2-BD59-A6C34878D82A}">
+                    <a16:rowId xmlns:a16="http://schemas.microsoft.com/office/drawing/2014/main" val="1353163784"/>
+                  </a:ext>
+                </a:extLst>
+              </a:tr>
+              <a:tr h="370840">
+                <a:tc>
+                  <a:txBody>
+                    <a:bodyPr/>
+                    <a:lstStyle/>
+                    <a:p>
+                      <a:r>
+                        <a:rPr lang="en-US" b="1" dirty="0"/>
+                        <a:t>Connectors</a:t>
+                      </a:r>
+                      <a:r>
+                        <a:rPr lang="en-US" dirty="0"/>
+                        <a:t>: </a:t>
+                      </a:r>
+                      <a:r>
+                        <a:rPr lang="en-US" i="1" dirty="0"/>
+                        <a:t>The way those components communicate</a:t>
+                      </a:r>
+                      <a:endParaRPr lang="en-US" dirty="0"/>
+                    </a:p>
+                  </a:txBody>
+                  <a:tcPr/>
+                </a:tc>
+                <a:extLst>
+                  <a:ext uri="{0D108BD9-81ED-4DB2-BD59-A6C34878D82A}">
+                    <a16:rowId xmlns:a16="http://schemas.microsoft.com/office/drawing/2014/main" val="1839859950"/>
+                  </a:ext>
+                </a:extLst>
+              </a:tr>
+              <a:tr h="370840">
+                <a:tc>
+                  <a:txBody>
+                    <a:bodyPr/>
+                    <a:lstStyle/>
+                    <a:p>
+                      <a:r>
+                        <a:rPr lang="en-US" b="1" dirty="0"/>
+                        <a:t>Data elements</a:t>
+                      </a:r>
+                      <a:r>
+                        <a:rPr lang="en-US" dirty="0"/>
+                        <a:t>: </a:t>
+                      </a:r>
+                      <a:r>
+                        <a:rPr lang="en-US" i="1" dirty="0"/>
+                        <a:t>The data types / message format via the connectors between components</a:t>
+                      </a:r>
+                      <a:endParaRPr lang="en-US" dirty="0"/>
+                    </a:p>
+                  </a:txBody>
+                  <a:tcPr/>
+                </a:tc>
+                <a:extLst>
+                  <a:ext uri="{0D108BD9-81ED-4DB2-BD59-A6C34878D82A}">
+                    <a16:rowId xmlns:a16="http://schemas.microsoft.com/office/drawing/2014/main" val="2559742039"/>
+                  </a:ext>
+                </a:extLst>
+              </a:tr>
+              <a:tr h="370840">
+                <a:tc>
+                  <a:txBody>
+                    <a:bodyPr/>
+                    <a:lstStyle/>
+                    <a:p>
+                      <a:r>
+                        <a:rPr lang="en-US" b="1" dirty="0"/>
+                        <a:t>Topology</a:t>
+                      </a:r>
+                      <a:r>
+                        <a:rPr lang="en-US" dirty="0"/>
+                        <a:t>:</a:t>
+                      </a:r>
+                      <a:r>
+                        <a:rPr lang="en-US" i="1" dirty="0"/>
+                        <a:t> A way to visualize the “shape” of the architecture</a:t>
+                      </a:r>
+                      <a:endParaRPr lang="en-US" dirty="0"/>
+                    </a:p>
+                  </a:txBody>
+                  <a:tcPr/>
+                </a:tc>
+                <a:extLst>
+                  <a:ext uri="{0D108BD9-81ED-4DB2-BD59-A6C34878D82A}">
+                    <a16:rowId xmlns:a16="http://schemas.microsoft.com/office/drawing/2014/main" val="2071415196"/>
+                  </a:ext>
+                </a:extLst>
+              </a:tr>
+              <a:tr h="370840">
+                <a:tc>
+                  <a:txBody>
+                    <a:bodyPr/>
+                    <a:lstStyle/>
+                    <a:p>
+                      <a:r>
+                        <a:rPr lang="en-US" b="1" dirty="0"/>
+                        <a:t>Additional constraints</a:t>
+                      </a:r>
+                      <a:r>
+                        <a:rPr lang="en-US" dirty="0"/>
+                        <a:t>: </a:t>
+                      </a:r>
+                      <a:r>
+                        <a:rPr lang="en-US" i="1" dirty="0"/>
+                        <a:t>Any other constraints this style introduces</a:t>
+                      </a:r>
+                      <a:endParaRPr lang="en-US" dirty="0"/>
+                    </a:p>
+                  </a:txBody>
+                  <a:tcPr/>
+                </a:tc>
+                <a:extLst>
+                  <a:ext uri="{0D108BD9-81ED-4DB2-BD59-A6C34878D82A}">
+                    <a16:rowId xmlns:a16="http://schemas.microsoft.com/office/drawing/2014/main" val="1844578667"/>
+                  </a:ext>
+                </a:extLst>
+              </a:tr>
+              <a:tr h="370840">
+                <a:tc>
+                  <a:txBody>
+                    <a:bodyPr/>
+                    <a:lstStyle/>
+                    <a:p>
+                      <a:r>
+                        <a:rPr lang="en-US" b="1" dirty="0"/>
+                        <a:t>Qualities</a:t>
+                      </a:r>
+                      <a:r>
+                        <a:rPr lang="en-US" dirty="0"/>
+                        <a:t>: </a:t>
+                      </a:r>
+                      <a:r>
+                        <a:rPr lang="en-US" i="1" dirty="0"/>
+                        <a:t>Why one might select this style</a:t>
+                      </a:r>
+                      <a:endParaRPr lang="en-US" dirty="0"/>
+                    </a:p>
+                  </a:txBody>
+                  <a:tcPr/>
+                </a:tc>
+                <a:extLst>
+                  <a:ext uri="{0D108BD9-81ED-4DB2-BD59-A6C34878D82A}">
+                    <a16:rowId xmlns:a16="http://schemas.microsoft.com/office/drawing/2014/main" val="3672103038"/>
+                  </a:ext>
+                </a:extLst>
+              </a:tr>
+              <a:tr h="370840">
+                <a:tc>
+                  <a:txBody>
+                    <a:bodyPr/>
+                    <a:lstStyle/>
+                    <a:p>
+                      <a:endParaRPr lang="en-US" dirty="0"/>
+                    </a:p>
+                  </a:txBody>
+                  <a:tcPr/>
+                </a:tc>
+                <a:extLst>
+                  <a:ext uri="{0D108BD9-81ED-4DB2-BD59-A6C34878D82A}">
+                    <a16:rowId xmlns:a16="http://schemas.microsoft.com/office/drawing/2014/main" val="1459849202"/>
+                  </a:ext>
+                </a:extLst>
+              </a:tr>
+              <a:tr h="370840">
+                <a:tc>
+                  <a:txBody>
+                    <a:bodyPr/>
+                    <a:lstStyle/>
+                    <a:p>
+                      <a:r>
+                        <a:rPr lang="en-US" b="1" dirty="0"/>
+                        <a:t>Typical uses</a:t>
+                      </a:r>
+                      <a:r>
+                        <a:rPr lang="en-US" dirty="0"/>
+                        <a:t>:</a:t>
+                      </a:r>
+                      <a:r>
+                        <a:rPr lang="en-US" i="1" dirty="0"/>
+                        <a:t> Where one might find this style used</a:t>
+                      </a:r>
+                      <a:endParaRPr lang="en-US" dirty="0"/>
+                    </a:p>
+                  </a:txBody>
+                  <a:tcPr/>
+                </a:tc>
+                <a:extLst>
+                  <a:ext uri="{0D108BD9-81ED-4DB2-BD59-A6C34878D82A}">
+                    <a16:rowId xmlns:a16="http://schemas.microsoft.com/office/drawing/2014/main" val="2052877018"/>
+                  </a:ext>
+                </a:extLst>
+              </a:tr>
+              <a:tr h="370840">
+                <a:tc>
+                  <a:txBody>
+                    <a:bodyPr/>
+                    <a:lstStyle/>
+                    <a:p>
+                      <a:r>
+                        <a:rPr lang="en-US" b="1" dirty="0"/>
+                        <a:t>Cautions</a:t>
+                      </a:r>
+                      <a:r>
+                        <a:rPr lang="en-US" dirty="0"/>
+                        <a:t>:</a:t>
+                      </a:r>
+                      <a:r>
+                        <a:rPr lang="en-US" i="1" dirty="0"/>
+                        <a:t> Things to watch for when using this style</a:t>
+                      </a:r>
+                      <a:endParaRPr lang="en-US" dirty="0"/>
+                    </a:p>
+                  </a:txBody>
+                  <a:tcPr/>
+                </a:tc>
+                <a:extLst>
+                  <a:ext uri="{0D108BD9-81ED-4DB2-BD59-A6C34878D82A}">
+                    <a16:rowId xmlns:a16="http://schemas.microsoft.com/office/drawing/2014/main" val="231181336"/>
+                  </a:ext>
+                </a:extLst>
+              </a:tr>
+              <a:tr h="370840">
+                <a:tc>
+                  <a:txBody>
+                    <a:bodyPr/>
+                    <a:lstStyle/>
+                    <a:p>
+                      <a:r>
+                        <a:rPr lang="en-US" b="1" dirty="0"/>
+                        <a:t>Lang. / </a:t>
+                      </a:r>
+                      <a:r>
+                        <a:rPr lang="en-US" b="1" dirty="0" err="1"/>
+                        <a:t>env</a:t>
+                      </a:r>
+                      <a:r>
+                        <a:rPr lang="en-US" b="1" dirty="0"/>
+                        <a:t>. relationships</a:t>
+                      </a:r>
+                      <a:r>
+                        <a:rPr lang="en-US" dirty="0"/>
+                        <a:t>:</a:t>
+                      </a:r>
+                      <a:r>
+                        <a:rPr lang="en-US" i="1" dirty="0"/>
+                        <a:t> What dependencies does this style have or introduce</a:t>
+                      </a:r>
+                      <a:endParaRPr lang="en-US" dirty="0"/>
+                    </a:p>
+                  </a:txBody>
+                  <a:tcPr/>
+                </a:tc>
+                <a:extLst>
+                  <a:ext uri="{0D108BD9-81ED-4DB2-BD59-A6C34878D82A}">
+                    <a16:rowId xmlns:a16="http://schemas.microsoft.com/office/drawing/2014/main" val="857360620"/>
+                  </a:ext>
+                </a:extLst>
+              </a:tr>
+            </a:tbl>
+          </a:graphicData>
+        </a:graphic>
+      </p:graphicFrame>
+    </p:spTree>
+    <p:extLst>
+      <p:ext uri="{BB962C8B-B14F-4D97-AF65-F5344CB8AC3E}">
+        <p14:creationId xmlns:p14="http://schemas.microsoft.com/office/powerpoint/2010/main" val="2232408344"/>
+      </p:ext>
+    </p:extLst>
+  </p:cSld>
+  <p:clrMapOvr>
+    <a:masterClrMapping/>
+  </p:clrMapOvr>
+</p:sld>
+</file>
+
+<file path=ppt/slides/slide16.xml><?xml version="1.0" encoding="utf-8"?>
+<p:sld xmlns:a="http://schemas.openxmlformats.org/drawingml/2006/main" xmlns:r="http://schemas.openxmlformats.org/officeDocument/2006/relationships" xmlns:p="http://schemas.openxmlformats.org/presentationml/2006/main">
+  <p:cSld>
+    <p:spTree>
+      <p:nvGrpSpPr>
+        <p:cNvPr id="1" name=""/>
+        <p:cNvGrpSpPr/>
+        <p:nvPr/>
+      </p:nvGrpSpPr>
+      <p:grpSpPr>
+        <a:xfrm>
+          <a:off x="0" y="0"/>
+          <a:ext cx="0" cy="0"/>
+          <a:chOff x="0" y="0"/>
+          <a:chExt cx="0" cy="0"/>
+        </a:xfrm>
+      </p:grpSpPr>
       <p:sp>
         <p:nvSpPr>
           <p:cNvPr id="5" name="Title 4">
@@ -7761,7 +9745,7 @@
 </p:sld>
 </file>
 
-<file path=ppt/slides/slide11.xml><?xml version="1.0" encoding="utf-8"?>
+<file path=ppt/slides/slide17.xml><?xml version="1.0" encoding="utf-8"?>
 <p:sld xmlns:a="http://schemas.openxmlformats.org/drawingml/2006/main" xmlns:r="http://schemas.openxmlformats.org/officeDocument/2006/relationships" xmlns:p="http://schemas.openxmlformats.org/presentationml/2006/main">
   <p:cSld>
     <p:spTree>
@@ -8132,7 +10116,7 @@
 </p:sld>
 </file>
 
-<file path=ppt/slides/slide12.xml><?xml version="1.0" encoding="utf-8"?>
+<file path=ppt/slides/slide18.xml><?xml version="1.0" encoding="utf-8"?>
 <p:sld xmlns:a="http://schemas.openxmlformats.org/drawingml/2006/main" xmlns:r="http://schemas.openxmlformats.org/officeDocument/2006/relationships" xmlns:p="http://schemas.openxmlformats.org/presentationml/2006/main">
   <p:cSld>
     <p:spTree>
@@ -8503,7 +10487,7 @@
 </p:sld>
 </file>
 
-<file path=ppt/slides/slide13.xml><?xml version="1.0" encoding="utf-8"?>
+<file path=ppt/slides/slide19.xml><?xml version="1.0" encoding="utf-8"?>
 <p:sld xmlns:a="http://schemas.openxmlformats.org/drawingml/2006/main" xmlns:r="http://schemas.openxmlformats.org/officeDocument/2006/relationships" xmlns:p="http://schemas.openxmlformats.org/presentationml/2006/main">
   <p:cSld>
     <p:spTree>
@@ -8865,2250 +10849,6 @@
     <p:extLst>
       <p:ext uri="{BB962C8B-B14F-4D97-AF65-F5344CB8AC3E}">
         <p14:creationId xmlns:p14="http://schemas.microsoft.com/office/powerpoint/2010/main" val="2959760314"/>
-      </p:ext>
-    </p:extLst>
-  </p:cSld>
-  <p:clrMapOvr>
-    <a:masterClrMapping/>
-  </p:clrMapOvr>
-</p:sld>
-</file>
-
-<file path=ppt/slides/slide14.xml><?xml version="1.0" encoding="utf-8"?>
-<p:sld xmlns:a="http://schemas.openxmlformats.org/drawingml/2006/main" xmlns:r="http://schemas.openxmlformats.org/officeDocument/2006/relationships" xmlns:p="http://schemas.openxmlformats.org/presentationml/2006/main">
-  <p:cSld>
-    <p:spTree>
-      <p:nvGrpSpPr>
-        <p:cNvPr id="1" name=""/>
-        <p:cNvGrpSpPr/>
-        <p:nvPr/>
-      </p:nvGrpSpPr>
-      <p:grpSpPr>
-        <a:xfrm>
-          <a:off x="0" y="0"/>
-          <a:ext cx="0" cy="0"/>
-          <a:chOff x="0" y="0"/>
-          <a:chExt cx="0" cy="0"/>
-        </a:xfrm>
-      </p:grpSpPr>
-      <p:sp>
-        <p:nvSpPr>
-          <p:cNvPr id="5" name="Title 4">
-            <a:extLst>
-              <a:ext uri="{FF2B5EF4-FFF2-40B4-BE49-F238E27FC236}">
-                <a16:creationId xmlns:a16="http://schemas.microsoft.com/office/drawing/2014/main" id="{6D2F4C59-1A85-2241-BA63-597393865818}"/>
-              </a:ext>
-            </a:extLst>
-          </p:cNvPr>
-          <p:cNvSpPr>
-            <a:spLocks noGrp="1"/>
-          </p:cNvSpPr>
-          <p:nvPr>
-            <p:ph type="title"/>
-          </p:nvPr>
-        </p:nvSpPr>
-        <p:spPr/>
-        <p:txBody>
-          <a:bodyPr/>
-          <a:lstStyle/>
-          <a:p>
-            <a:r>
-              <a:rPr lang="en-US" b="1" dirty="0"/>
-              <a:t>Style</a:t>
-            </a:r>
-            <a:r>
-              <a:rPr lang="en-US" dirty="0"/>
-              <a:t>: Batch sequential</a:t>
-            </a:r>
-          </a:p>
-        </p:txBody>
-      </p:sp>
-      <p:graphicFrame>
-        <p:nvGraphicFramePr>
-          <p:cNvPr id="7" name="Content Placeholder 6">
-            <a:extLst>
-              <a:ext uri="{FF2B5EF4-FFF2-40B4-BE49-F238E27FC236}">
-                <a16:creationId xmlns:a16="http://schemas.microsoft.com/office/drawing/2014/main" id="{40A46DD3-E595-E649-960B-8B9F1334CA29}"/>
-              </a:ext>
-            </a:extLst>
-          </p:cNvPr>
-          <p:cNvGraphicFramePr>
-            <a:graphicFrameLocks noGrp="1"/>
-          </p:cNvGraphicFramePr>
-          <p:nvPr>
-            <p:ph idx="1"/>
-            <p:extLst>
-              <p:ext uri="{D42A27DB-BD31-4B8C-83A1-F6EECF244321}">
-                <p14:modId xmlns:p14="http://schemas.microsoft.com/office/powerpoint/2010/main" val="224171471"/>
-              </p:ext>
-            </p:extLst>
-          </p:nvPr>
-        </p:nvGraphicFramePr>
-        <p:xfrm>
-          <a:off x="838200" y="1825625"/>
-          <a:ext cx="10515600" cy="4079240"/>
-        </p:xfrm>
-        <a:graphic>
-          <a:graphicData uri="http://schemas.openxmlformats.org/drawingml/2006/table">
-            <a:tbl>
-              <a:tblPr bandRow="1">
-                <a:tableStyleId>{C083E6E3-FA7D-4D7B-A595-EF9225AFEA82}</a:tableStyleId>
-              </a:tblPr>
-              <a:tblGrid>
-                <a:gridCol w="10515600">
-                  <a:extLst>
-                    <a:ext uri="{9D8B030D-6E8A-4147-A177-3AD203B41FA5}">
-                      <a16:colId xmlns:a16="http://schemas.microsoft.com/office/drawing/2014/main" val="3565431365"/>
-                    </a:ext>
-                  </a:extLst>
-                </a:gridCol>
-              </a:tblGrid>
-              <a:tr h="370840">
-                <a:tc>
-                  <a:txBody>
-                    <a:bodyPr/>
-                    <a:lstStyle/>
-                    <a:p>
-                      <a:r>
-                        <a:rPr lang="en-US" b="1" dirty="0"/>
-                        <a:t>Summary</a:t>
-                      </a:r>
-                      <a:r>
-                        <a:rPr lang="en-US" dirty="0"/>
-                        <a:t>: Separate programs are executed in order, data passed as aggregate between programs</a:t>
-                      </a:r>
-                    </a:p>
-                  </a:txBody>
-                  <a:tcPr/>
-                </a:tc>
-                <a:extLst>
-                  <a:ext uri="{0D108BD9-81ED-4DB2-BD59-A6C34878D82A}">
-                    <a16:rowId xmlns:a16="http://schemas.microsoft.com/office/drawing/2014/main" val="1920818122"/>
-                  </a:ext>
-                </a:extLst>
-              </a:tr>
-              <a:tr h="370840">
-                <a:tc>
-                  <a:txBody>
-                    <a:bodyPr/>
-                    <a:lstStyle/>
-                    <a:p>
-                      <a:r>
-                        <a:rPr lang="en-US" b="1" dirty="0"/>
-                        <a:t>Components</a:t>
-                      </a:r>
-                      <a:r>
-                        <a:rPr lang="en-US" dirty="0"/>
-                        <a:t>: Independent programs</a:t>
-                      </a:r>
-                    </a:p>
-                  </a:txBody>
-                  <a:tcPr/>
-                </a:tc>
-                <a:extLst>
-                  <a:ext uri="{0D108BD9-81ED-4DB2-BD59-A6C34878D82A}">
-                    <a16:rowId xmlns:a16="http://schemas.microsoft.com/office/drawing/2014/main" val="1353163784"/>
-                  </a:ext>
-                </a:extLst>
-              </a:tr>
-              <a:tr h="370840">
-                <a:tc>
-                  <a:txBody>
-                    <a:bodyPr/>
-                    <a:lstStyle/>
-                    <a:p>
-                      <a:r>
-                        <a:rPr lang="en-US" b="1" dirty="0"/>
-                        <a:t>Connectors</a:t>
-                      </a:r>
-                      <a:r>
-                        <a:rPr lang="en-US" dirty="0"/>
-                        <a:t>: The human hand carrying data between invocations – a.k.a. sneaker net</a:t>
-                      </a:r>
-                    </a:p>
-                  </a:txBody>
-                  <a:tcPr/>
-                </a:tc>
-                <a:extLst>
-                  <a:ext uri="{0D108BD9-81ED-4DB2-BD59-A6C34878D82A}">
-                    <a16:rowId xmlns:a16="http://schemas.microsoft.com/office/drawing/2014/main" val="1839859950"/>
-                  </a:ext>
-                </a:extLst>
-              </a:tr>
-              <a:tr h="370840">
-                <a:tc>
-                  <a:txBody>
-                    <a:bodyPr/>
-                    <a:lstStyle/>
-                    <a:p>
-                      <a:r>
-                        <a:rPr lang="en-US" b="1" dirty="0"/>
-                        <a:t>Data elements</a:t>
-                      </a:r>
-                      <a:r>
-                        <a:rPr lang="en-US" dirty="0"/>
-                        <a:t>: Explicit, aggregate elements passed from one program to the next</a:t>
-                      </a:r>
-                    </a:p>
-                  </a:txBody>
-                  <a:tcPr/>
-                </a:tc>
-                <a:extLst>
-                  <a:ext uri="{0D108BD9-81ED-4DB2-BD59-A6C34878D82A}">
-                    <a16:rowId xmlns:a16="http://schemas.microsoft.com/office/drawing/2014/main" val="2559742039"/>
-                  </a:ext>
-                </a:extLst>
-              </a:tr>
-              <a:tr h="370840">
-                <a:tc>
-                  <a:txBody>
-                    <a:bodyPr/>
-                    <a:lstStyle/>
-                    <a:p>
-                      <a:r>
-                        <a:rPr lang="en-US" b="1" dirty="0"/>
-                        <a:t>Topology</a:t>
-                      </a:r>
-                      <a:r>
-                        <a:rPr lang="en-US" dirty="0"/>
-                        <a:t>: Linear</a:t>
-                      </a:r>
-                    </a:p>
-                  </a:txBody>
-                  <a:tcPr/>
-                </a:tc>
-                <a:extLst>
-                  <a:ext uri="{0D108BD9-81ED-4DB2-BD59-A6C34878D82A}">
-                    <a16:rowId xmlns:a16="http://schemas.microsoft.com/office/drawing/2014/main" val="2071415196"/>
-                  </a:ext>
-                </a:extLst>
-              </a:tr>
-              <a:tr h="370840">
-                <a:tc>
-                  <a:txBody>
-                    <a:bodyPr/>
-                    <a:lstStyle/>
-                    <a:p>
-                      <a:r>
-                        <a:rPr lang="en-US" b="1" dirty="0"/>
-                        <a:t>Additional constraints</a:t>
-                      </a:r>
-                      <a:r>
-                        <a:rPr lang="en-US" dirty="0"/>
-                        <a:t>: One program at a time, to completion</a:t>
-                      </a:r>
-                    </a:p>
-                  </a:txBody>
-                  <a:tcPr/>
-                </a:tc>
-                <a:extLst>
-                  <a:ext uri="{0D108BD9-81ED-4DB2-BD59-A6C34878D82A}">
-                    <a16:rowId xmlns:a16="http://schemas.microsoft.com/office/drawing/2014/main" val="1844578667"/>
-                  </a:ext>
-                </a:extLst>
-              </a:tr>
-              <a:tr h="370840">
-                <a:tc>
-                  <a:txBody>
-                    <a:bodyPr/>
-                    <a:lstStyle/>
-                    <a:p>
-                      <a:r>
-                        <a:rPr lang="en-US" b="1" dirty="0"/>
-                        <a:t>Qualities</a:t>
-                      </a:r>
-                      <a:r>
-                        <a:rPr lang="en-US" dirty="0"/>
-                        <a:t>: Several execution, simplicity</a:t>
-                      </a:r>
-                    </a:p>
-                  </a:txBody>
-                  <a:tcPr/>
-                </a:tc>
-                <a:extLst>
-                  <a:ext uri="{0D108BD9-81ED-4DB2-BD59-A6C34878D82A}">
-                    <a16:rowId xmlns:a16="http://schemas.microsoft.com/office/drawing/2014/main" val="3672103038"/>
-                  </a:ext>
-                </a:extLst>
-              </a:tr>
-              <a:tr h="370840">
-                <a:tc>
-                  <a:txBody>
-                    <a:bodyPr/>
-                    <a:lstStyle/>
-                    <a:p>
-                      <a:endParaRPr lang="en-US" dirty="0"/>
-                    </a:p>
-                  </a:txBody>
-                  <a:tcPr/>
-                </a:tc>
-                <a:extLst>
-                  <a:ext uri="{0D108BD9-81ED-4DB2-BD59-A6C34878D82A}">
-                    <a16:rowId xmlns:a16="http://schemas.microsoft.com/office/drawing/2014/main" val="1459849202"/>
-                  </a:ext>
-                </a:extLst>
-              </a:tr>
-              <a:tr h="370840">
-                <a:tc>
-                  <a:txBody>
-                    <a:bodyPr/>
-                    <a:lstStyle/>
-                    <a:p>
-                      <a:r>
-                        <a:rPr lang="en-US" b="1" dirty="0"/>
-                        <a:t>Typical uses</a:t>
-                      </a:r>
-                      <a:r>
-                        <a:rPr lang="en-US" dirty="0"/>
-                        <a:t>: Transaction processing in large financial systems</a:t>
-                      </a:r>
-                    </a:p>
-                  </a:txBody>
-                  <a:tcPr/>
-                </a:tc>
-                <a:extLst>
-                  <a:ext uri="{0D108BD9-81ED-4DB2-BD59-A6C34878D82A}">
-                    <a16:rowId xmlns:a16="http://schemas.microsoft.com/office/drawing/2014/main" val="2052877018"/>
-                  </a:ext>
-                </a:extLst>
-              </a:tr>
-              <a:tr h="370840">
-                <a:tc>
-                  <a:txBody>
-                    <a:bodyPr/>
-                    <a:lstStyle/>
-                    <a:p>
-                      <a:r>
-                        <a:rPr lang="en-US" b="1" dirty="0"/>
-                        <a:t>Cautions</a:t>
-                      </a:r>
-                      <a:r>
-                        <a:rPr lang="en-US" dirty="0"/>
-                        <a:t>: When components need to interact; when concurrency is possible or required</a:t>
-                      </a:r>
-                    </a:p>
-                  </a:txBody>
-                  <a:tcPr/>
-                </a:tc>
-                <a:extLst>
-                  <a:ext uri="{0D108BD9-81ED-4DB2-BD59-A6C34878D82A}">
-                    <a16:rowId xmlns:a16="http://schemas.microsoft.com/office/drawing/2014/main" val="231181336"/>
-                  </a:ext>
-                </a:extLst>
-              </a:tr>
-              <a:tr h="370840">
-                <a:tc>
-                  <a:txBody>
-                    <a:bodyPr/>
-                    <a:lstStyle/>
-                    <a:p>
-                      <a:r>
-                        <a:rPr lang="en-US" b="1" dirty="0"/>
-                        <a:t>Lang. / </a:t>
-                      </a:r>
-                      <a:r>
-                        <a:rPr lang="en-US" b="1" dirty="0" err="1"/>
-                        <a:t>env</a:t>
-                      </a:r>
-                      <a:r>
-                        <a:rPr lang="en-US" b="1" dirty="0"/>
-                        <a:t>. relationships</a:t>
-                      </a:r>
-                      <a:r>
-                        <a:rPr lang="en-US" dirty="0"/>
-                        <a:t>:</a:t>
-                      </a:r>
-                    </a:p>
-                  </a:txBody>
-                  <a:tcPr/>
-                </a:tc>
-                <a:extLst>
-                  <a:ext uri="{0D108BD9-81ED-4DB2-BD59-A6C34878D82A}">
-                    <a16:rowId xmlns:a16="http://schemas.microsoft.com/office/drawing/2014/main" val="857360620"/>
-                  </a:ext>
-                </a:extLst>
-              </a:tr>
-            </a:tbl>
-          </a:graphicData>
-        </a:graphic>
-      </p:graphicFrame>
-    </p:spTree>
-    <p:extLst>
-      <p:ext uri="{BB962C8B-B14F-4D97-AF65-F5344CB8AC3E}">
-        <p14:creationId xmlns:p14="http://schemas.microsoft.com/office/powerpoint/2010/main" val="1325207041"/>
-      </p:ext>
-    </p:extLst>
-  </p:cSld>
-  <p:clrMapOvr>
-    <a:masterClrMapping/>
-  </p:clrMapOvr>
-</p:sld>
-</file>
-
-<file path=ppt/slides/slide15.xml><?xml version="1.0" encoding="utf-8"?>
-<p:sld xmlns:a="http://schemas.openxmlformats.org/drawingml/2006/main" xmlns:r="http://schemas.openxmlformats.org/officeDocument/2006/relationships" xmlns:p="http://schemas.openxmlformats.org/presentationml/2006/main">
-  <p:cSld>
-    <p:spTree>
-      <p:nvGrpSpPr>
-        <p:cNvPr id="1" name=""/>
-        <p:cNvGrpSpPr/>
-        <p:nvPr/>
-      </p:nvGrpSpPr>
-      <p:grpSpPr>
-        <a:xfrm>
-          <a:off x="0" y="0"/>
-          <a:ext cx="0" cy="0"/>
-          <a:chOff x="0" y="0"/>
-          <a:chExt cx="0" cy="0"/>
-        </a:xfrm>
-      </p:grpSpPr>
-      <p:sp>
-        <p:nvSpPr>
-          <p:cNvPr id="5" name="Title 4">
-            <a:extLst>
-              <a:ext uri="{FF2B5EF4-FFF2-40B4-BE49-F238E27FC236}">
-                <a16:creationId xmlns:a16="http://schemas.microsoft.com/office/drawing/2014/main" id="{6D2F4C59-1A85-2241-BA63-597393865818}"/>
-              </a:ext>
-            </a:extLst>
-          </p:cNvPr>
-          <p:cNvSpPr>
-            <a:spLocks noGrp="1"/>
-          </p:cNvSpPr>
-          <p:nvPr>
-            <p:ph type="title"/>
-          </p:nvPr>
-        </p:nvSpPr>
-        <p:spPr/>
-        <p:txBody>
-          <a:bodyPr/>
-          <a:lstStyle/>
-          <a:p>
-            <a:r>
-              <a:rPr lang="en-US" b="1" dirty="0"/>
-              <a:t>Style</a:t>
-            </a:r>
-            <a:r>
-              <a:rPr lang="en-US" dirty="0"/>
-              <a:t>: Pipe-and-filter</a:t>
-            </a:r>
-          </a:p>
-        </p:txBody>
-      </p:sp>
-      <p:graphicFrame>
-        <p:nvGraphicFramePr>
-          <p:cNvPr id="7" name="Content Placeholder 6">
-            <a:extLst>
-              <a:ext uri="{FF2B5EF4-FFF2-40B4-BE49-F238E27FC236}">
-                <a16:creationId xmlns:a16="http://schemas.microsoft.com/office/drawing/2014/main" id="{40A46DD3-E595-E649-960B-8B9F1334CA29}"/>
-              </a:ext>
-            </a:extLst>
-          </p:cNvPr>
-          <p:cNvGraphicFramePr>
-            <a:graphicFrameLocks noGrp="1"/>
-          </p:cNvGraphicFramePr>
-          <p:nvPr>
-            <p:ph idx="1"/>
-            <p:extLst>
-              <p:ext uri="{D42A27DB-BD31-4B8C-83A1-F6EECF244321}">
-                <p14:modId xmlns:p14="http://schemas.microsoft.com/office/powerpoint/2010/main" val="1483335111"/>
-              </p:ext>
-            </p:extLst>
-          </p:nvPr>
-        </p:nvGraphicFramePr>
-        <p:xfrm>
-          <a:off x="838200" y="1825625"/>
-          <a:ext cx="10515600" cy="4079240"/>
-        </p:xfrm>
-        <a:graphic>
-          <a:graphicData uri="http://schemas.openxmlformats.org/drawingml/2006/table">
-            <a:tbl>
-              <a:tblPr bandRow="1">
-                <a:tableStyleId>{C083E6E3-FA7D-4D7B-A595-EF9225AFEA82}</a:tableStyleId>
-              </a:tblPr>
-              <a:tblGrid>
-                <a:gridCol w="10515600">
-                  <a:extLst>
-                    <a:ext uri="{9D8B030D-6E8A-4147-A177-3AD203B41FA5}">
-                      <a16:colId xmlns:a16="http://schemas.microsoft.com/office/drawing/2014/main" val="3565431365"/>
-                    </a:ext>
-                  </a:extLst>
-                </a:gridCol>
-              </a:tblGrid>
-              <a:tr h="370840">
-                <a:tc>
-                  <a:txBody>
-                    <a:bodyPr/>
-                    <a:lstStyle/>
-                    <a:p>
-                      <a:r>
-                        <a:rPr lang="en-US" b="1" dirty="0"/>
-                        <a:t>Summary</a:t>
-                      </a:r>
-                      <a:r>
-                        <a:rPr lang="en-US" dirty="0"/>
-                        <a:t>: Separate programs are executed, potentially concurrently, data passed as stream</a:t>
-                      </a:r>
-                    </a:p>
-                  </a:txBody>
-                  <a:tcPr/>
-                </a:tc>
-                <a:extLst>
-                  <a:ext uri="{0D108BD9-81ED-4DB2-BD59-A6C34878D82A}">
-                    <a16:rowId xmlns:a16="http://schemas.microsoft.com/office/drawing/2014/main" val="1920818122"/>
-                  </a:ext>
-                </a:extLst>
-              </a:tr>
-              <a:tr h="370840">
-                <a:tc>
-                  <a:txBody>
-                    <a:bodyPr/>
-                    <a:lstStyle/>
-                    <a:p>
-                      <a:r>
-                        <a:rPr lang="en-US" b="1" dirty="0"/>
-                        <a:t>Components</a:t>
-                      </a:r>
-                      <a:r>
-                        <a:rPr lang="en-US" dirty="0"/>
-                        <a:t>: Independent programs, known as filters</a:t>
-                      </a:r>
-                    </a:p>
-                  </a:txBody>
-                  <a:tcPr/>
-                </a:tc>
-                <a:extLst>
-                  <a:ext uri="{0D108BD9-81ED-4DB2-BD59-A6C34878D82A}">
-                    <a16:rowId xmlns:a16="http://schemas.microsoft.com/office/drawing/2014/main" val="1353163784"/>
-                  </a:ext>
-                </a:extLst>
-              </a:tr>
-              <a:tr h="370840">
-                <a:tc>
-                  <a:txBody>
-                    <a:bodyPr/>
-                    <a:lstStyle/>
-                    <a:p>
-                      <a:r>
-                        <a:rPr lang="en-US" b="1" dirty="0"/>
-                        <a:t>Connectors</a:t>
-                      </a:r>
-                      <a:r>
-                        <a:rPr lang="en-US" dirty="0"/>
-                        <a:t>: Explicit routers of data streams; many times with operating system support</a:t>
-                      </a:r>
-                    </a:p>
-                  </a:txBody>
-                  <a:tcPr/>
-                </a:tc>
-                <a:extLst>
-                  <a:ext uri="{0D108BD9-81ED-4DB2-BD59-A6C34878D82A}">
-                    <a16:rowId xmlns:a16="http://schemas.microsoft.com/office/drawing/2014/main" val="1839859950"/>
-                  </a:ext>
-                </a:extLst>
-              </a:tr>
-              <a:tr h="370840">
-                <a:tc>
-                  <a:txBody>
-                    <a:bodyPr/>
-                    <a:lstStyle/>
-                    <a:p>
-                      <a:r>
-                        <a:rPr lang="en-US" b="1" dirty="0"/>
-                        <a:t>Data elements</a:t>
-                      </a:r>
-                      <a:r>
-                        <a:rPr lang="en-US" dirty="0"/>
-                        <a:t>: Not explicit, must be (linear) data streams. Typically text via </a:t>
-                      </a:r>
-                      <a:r>
-                        <a:rPr lang="en-US" dirty="0" err="1"/>
-                        <a:t>stdio</a:t>
-                      </a:r>
-                      <a:endParaRPr lang="en-US" dirty="0"/>
-                    </a:p>
-                  </a:txBody>
-                  <a:tcPr/>
-                </a:tc>
-                <a:extLst>
-                  <a:ext uri="{0D108BD9-81ED-4DB2-BD59-A6C34878D82A}">
-                    <a16:rowId xmlns:a16="http://schemas.microsoft.com/office/drawing/2014/main" val="2559742039"/>
-                  </a:ext>
-                </a:extLst>
-              </a:tr>
-              <a:tr h="370840">
-                <a:tc>
-                  <a:txBody>
-                    <a:bodyPr/>
-                    <a:lstStyle/>
-                    <a:p>
-                      <a:r>
-                        <a:rPr lang="en-US" b="1" dirty="0"/>
-                        <a:t>Topology</a:t>
-                      </a:r>
-                      <a:r>
-                        <a:rPr lang="en-US" dirty="0"/>
-                        <a:t>: Pipeline, thought it’s possible to have T fittings</a:t>
-                      </a:r>
-                    </a:p>
-                  </a:txBody>
-                  <a:tcPr/>
-                </a:tc>
-                <a:extLst>
-                  <a:ext uri="{0D108BD9-81ED-4DB2-BD59-A6C34878D82A}">
-                    <a16:rowId xmlns:a16="http://schemas.microsoft.com/office/drawing/2014/main" val="2071415196"/>
-                  </a:ext>
-                </a:extLst>
-              </a:tr>
-              <a:tr h="370840">
-                <a:tc>
-                  <a:txBody>
-                    <a:bodyPr/>
-                    <a:lstStyle/>
-                    <a:p>
-                      <a:r>
-                        <a:rPr lang="en-US" b="1" dirty="0"/>
-                        <a:t>Additional constraints</a:t>
-                      </a:r>
-                      <a:r>
-                        <a:rPr lang="en-US" dirty="0"/>
-                        <a:t>:</a:t>
-                      </a:r>
-                    </a:p>
-                  </a:txBody>
-                  <a:tcPr/>
-                </a:tc>
-                <a:extLst>
-                  <a:ext uri="{0D108BD9-81ED-4DB2-BD59-A6C34878D82A}">
-                    <a16:rowId xmlns:a16="http://schemas.microsoft.com/office/drawing/2014/main" val="1844578667"/>
-                  </a:ext>
-                </a:extLst>
-              </a:tr>
-              <a:tr h="370840">
-                <a:tc>
-                  <a:txBody>
-                    <a:bodyPr/>
-                    <a:lstStyle/>
-                    <a:p>
-                      <a:r>
-                        <a:rPr lang="en-US" b="1" dirty="0"/>
-                        <a:t>Qualities</a:t>
-                      </a:r>
-                      <a:r>
-                        <a:rPr lang="en-US" dirty="0"/>
-                        <a:t>: Filters are mutually independent. Simple structure facilitates novel combinations</a:t>
-                      </a:r>
-                    </a:p>
-                  </a:txBody>
-                  <a:tcPr/>
-                </a:tc>
-                <a:extLst>
-                  <a:ext uri="{0D108BD9-81ED-4DB2-BD59-A6C34878D82A}">
-                    <a16:rowId xmlns:a16="http://schemas.microsoft.com/office/drawing/2014/main" val="3672103038"/>
-                  </a:ext>
-                </a:extLst>
-              </a:tr>
-              <a:tr h="370840">
-                <a:tc>
-                  <a:txBody>
-                    <a:bodyPr/>
-                    <a:lstStyle/>
-                    <a:p>
-                      <a:endParaRPr lang="en-US" dirty="0"/>
-                    </a:p>
-                  </a:txBody>
-                  <a:tcPr/>
-                </a:tc>
-                <a:extLst>
-                  <a:ext uri="{0D108BD9-81ED-4DB2-BD59-A6C34878D82A}">
-                    <a16:rowId xmlns:a16="http://schemas.microsoft.com/office/drawing/2014/main" val="1459849202"/>
-                  </a:ext>
-                </a:extLst>
-              </a:tr>
-              <a:tr h="370840">
-                <a:tc>
-                  <a:txBody>
-                    <a:bodyPr/>
-                    <a:lstStyle/>
-                    <a:p>
-                      <a:r>
-                        <a:rPr lang="en-US" b="1" dirty="0"/>
-                        <a:t>Typical uses</a:t>
-                      </a:r>
-                      <a:r>
-                        <a:rPr lang="en-US" dirty="0"/>
-                        <a:t>: Ubiquitous in operating system application programming</a:t>
-                      </a:r>
-                    </a:p>
-                  </a:txBody>
-                  <a:tcPr/>
-                </a:tc>
-                <a:extLst>
-                  <a:ext uri="{0D108BD9-81ED-4DB2-BD59-A6C34878D82A}">
-                    <a16:rowId xmlns:a16="http://schemas.microsoft.com/office/drawing/2014/main" val="2052877018"/>
-                  </a:ext>
-                </a:extLst>
-              </a:tr>
-              <a:tr h="370840">
-                <a:tc>
-                  <a:txBody>
-                    <a:bodyPr/>
-                    <a:lstStyle/>
-                    <a:p>
-                      <a:r>
-                        <a:rPr lang="en-US" b="1" dirty="0"/>
-                        <a:t>Cautions</a:t>
-                      </a:r>
-                      <a:r>
-                        <a:rPr lang="en-US" dirty="0"/>
-                        <a:t>: Watch for complex data structure exchange</a:t>
-                      </a:r>
-                    </a:p>
-                  </a:txBody>
-                  <a:tcPr/>
-                </a:tc>
-                <a:extLst>
-                  <a:ext uri="{0D108BD9-81ED-4DB2-BD59-A6C34878D82A}">
-                    <a16:rowId xmlns:a16="http://schemas.microsoft.com/office/drawing/2014/main" val="231181336"/>
-                  </a:ext>
-                </a:extLst>
-              </a:tr>
-              <a:tr h="370840">
-                <a:tc>
-                  <a:txBody>
-                    <a:bodyPr/>
-                    <a:lstStyle/>
-                    <a:p>
-                      <a:r>
-                        <a:rPr lang="en-US" b="1" dirty="0"/>
-                        <a:t>Lang. / </a:t>
-                      </a:r>
-                      <a:r>
-                        <a:rPr lang="en-US" b="1" dirty="0" err="1"/>
-                        <a:t>env</a:t>
-                      </a:r>
-                      <a:r>
-                        <a:rPr lang="en-US" b="1" dirty="0"/>
-                        <a:t>. relationships</a:t>
-                      </a:r>
-                      <a:r>
-                        <a:rPr lang="en-US" dirty="0"/>
-                        <a:t>: Prevalent (required?) in UNIX shells</a:t>
-                      </a:r>
-                    </a:p>
-                  </a:txBody>
-                  <a:tcPr/>
-                </a:tc>
-                <a:extLst>
-                  <a:ext uri="{0D108BD9-81ED-4DB2-BD59-A6C34878D82A}">
-                    <a16:rowId xmlns:a16="http://schemas.microsoft.com/office/drawing/2014/main" val="857360620"/>
-                  </a:ext>
-                </a:extLst>
-              </a:tr>
-            </a:tbl>
-          </a:graphicData>
-        </a:graphic>
-      </p:graphicFrame>
-    </p:spTree>
-    <p:extLst>
-      <p:ext uri="{BB962C8B-B14F-4D97-AF65-F5344CB8AC3E}">
-        <p14:creationId xmlns:p14="http://schemas.microsoft.com/office/powerpoint/2010/main" val="2201321733"/>
-      </p:ext>
-    </p:extLst>
-  </p:cSld>
-  <p:clrMapOvr>
-    <a:masterClrMapping/>
-  </p:clrMapOvr>
-</p:sld>
-</file>
-
-<file path=ppt/slides/slide16.xml><?xml version="1.0" encoding="utf-8"?>
-<p:sld xmlns:a="http://schemas.openxmlformats.org/drawingml/2006/main" xmlns:r="http://schemas.openxmlformats.org/officeDocument/2006/relationships" xmlns:p="http://schemas.openxmlformats.org/presentationml/2006/main">
-  <p:cSld>
-    <p:spTree>
-      <p:nvGrpSpPr>
-        <p:cNvPr id="1" name=""/>
-        <p:cNvGrpSpPr/>
-        <p:nvPr/>
-      </p:nvGrpSpPr>
-      <p:grpSpPr>
-        <a:xfrm>
-          <a:off x="0" y="0"/>
-          <a:ext cx="0" cy="0"/>
-          <a:chOff x="0" y="0"/>
-          <a:chExt cx="0" cy="0"/>
-        </a:xfrm>
-      </p:grpSpPr>
-      <p:sp>
-        <p:nvSpPr>
-          <p:cNvPr id="5" name="Title 4">
-            <a:extLst>
-              <a:ext uri="{FF2B5EF4-FFF2-40B4-BE49-F238E27FC236}">
-                <a16:creationId xmlns:a16="http://schemas.microsoft.com/office/drawing/2014/main" id="{6D2F4C59-1A85-2241-BA63-597393865818}"/>
-              </a:ext>
-            </a:extLst>
-          </p:cNvPr>
-          <p:cNvSpPr>
-            <a:spLocks noGrp="1"/>
-          </p:cNvSpPr>
-          <p:nvPr>
-            <p:ph type="title"/>
-          </p:nvPr>
-        </p:nvSpPr>
-        <p:spPr/>
-        <p:txBody>
-          <a:bodyPr/>
-          <a:lstStyle/>
-          <a:p>
-            <a:r>
-              <a:rPr lang="en-US" b="1" dirty="0"/>
-              <a:t>Style</a:t>
-            </a:r>
-            <a:r>
-              <a:rPr lang="en-US" dirty="0"/>
-              <a:t>: Blackboard</a:t>
-            </a:r>
-          </a:p>
-        </p:txBody>
-      </p:sp>
-      <p:graphicFrame>
-        <p:nvGraphicFramePr>
-          <p:cNvPr id="7" name="Content Placeholder 6">
-            <a:extLst>
-              <a:ext uri="{FF2B5EF4-FFF2-40B4-BE49-F238E27FC236}">
-                <a16:creationId xmlns:a16="http://schemas.microsoft.com/office/drawing/2014/main" id="{40A46DD3-E595-E649-960B-8B9F1334CA29}"/>
-              </a:ext>
-            </a:extLst>
-          </p:cNvPr>
-          <p:cNvGraphicFramePr>
-            <a:graphicFrameLocks noGrp="1"/>
-          </p:cNvGraphicFramePr>
-          <p:nvPr>
-            <p:ph idx="1"/>
-            <p:extLst>
-              <p:ext uri="{D42A27DB-BD31-4B8C-83A1-F6EECF244321}">
-                <p14:modId xmlns:p14="http://schemas.microsoft.com/office/powerpoint/2010/main" val="4159110318"/>
-              </p:ext>
-            </p:extLst>
-          </p:nvPr>
-        </p:nvGraphicFramePr>
-        <p:xfrm>
-          <a:off x="838200" y="1825625"/>
-          <a:ext cx="10515600" cy="4079240"/>
-        </p:xfrm>
-        <a:graphic>
-          <a:graphicData uri="http://schemas.openxmlformats.org/drawingml/2006/table">
-            <a:tbl>
-              <a:tblPr bandRow="1">
-                <a:tableStyleId>{C083E6E3-FA7D-4D7B-A595-EF9225AFEA82}</a:tableStyleId>
-              </a:tblPr>
-              <a:tblGrid>
-                <a:gridCol w="10515600">
-                  <a:extLst>
-                    <a:ext uri="{9D8B030D-6E8A-4147-A177-3AD203B41FA5}">
-                      <a16:colId xmlns:a16="http://schemas.microsoft.com/office/drawing/2014/main" val="3565431365"/>
-                    </a:ext>
-                  </a:extLst>
-                </a:gridCol>
-              </a:tblGrid>
-              <a:tr h="370840">
-                <a:tc>
-                  <a:txBody>
-                    <a:bodyPr/>
-                    <a:lstStyle/>
-                    <a:p>
-                      <a:r>
-                        <a:rPr lang="en-US" b="1" dirty="0"/>
-                        <a:t>Summary</a:t>
-                      </a:r>
-                      <a:r>
-                        <a:rPr lang="en-US" dirty="0"/>
-                        <a:t>: Independent programs access and communicate through global repository known as blackboard</a:t>
-                      </a:r>
-                    </a:p>
-                  </a:txBody>
-                  <a:tcPr/>
-                </a:tc>
-                <a:extLst>
-                  <a:ext uri="{0D108BD9-81ED-4DB2-BD59-A6C34878D82A}">
-                    <a16:rowId xmlns:a16="http://schemas.microsoft.com/office/drawing/2014/main" val="1920818122"/>
-                  </a:ext>
-                </a:extLst>
-              </a:tr>
-              <a:tr h="370840">
-                <a:tc>
-                  <a:txBody>
-                    <a:bodyPr/>
-                    <a:lstStyle/>
-                    <a:p>
-                      <a:r>
-                        <a:rPr lang="en-US" b="1" dirty="0"/>
-                        <a:t>Components</a:t>
-                      </a:r>
-                      <a:r>
-                        <a:rPr lang="en-US" dirty="0"/>
-                        <a:t>: Independent programs (knowledge sources); blackboard</a:t>
-                      </a:r>
-                    </a:p>
-                  </a:txBody>
-                  <a:tcPr/>
-                </a:tc>
-                <a:extLst>
-                  <a:ext uri="{0D108BD9-81ED-4DB2-BD59-A6C34878D82A}">
-                    <a16:rowId xmlns:a16="http://schemas.microsoft.com/office/drawing/2014/main" val="1353163784"/>
-                  </a:ext>
-                </a:extLst>
-              </a:tr>
-              <a:tr h="370840">
-                <a:tc>
-                  <a:txBody>
-                    <a:bodyPr/>
-                    <a:lstStyle/>
-                    <a:p>
-                      <a:r>
-                        <a:rPr lang="en-US" b="1" dirty="0"/>
-                        <a:t>Connectors</a:t>
-                      </a:r>
-                      <a:r>
-                        <a:rPr lang="en-US" dirty="0"/>
-                        <a:t>: Access may be direct memory, RPC, or database query</a:t>
-                      </a:r>
-                    </a:p>
-                  </a:txBody>
-                  <a:tcPr/>
-                </a:tc>
-                <a:extLst>
-                  <a:ext uri="{0D108BD9-81ED-4DB2-BD59-A6C34878D82A}">
-                    <a16:rowId xmlns:a16="http://schemas.microsoft.com/office/drawing/2014/main" val="1839859950"/>
-                  </a:ext>
-                </a:extLst>
-              </a:tr>
-              <a:tr h="370840">
-                <a:tc>
-                  <a:txBody>
-                    <a:bodyPr/>
-                    <a:lstStyle/>
-                    <a:p>
-                      <a:r>
-                        <a:rPr lang="en-US" b="1" dirty="0"/>
-                        <a:t>Data elements</a:t>
-                      </a:r>
-                      <a:r>
-                        <a:rPr lang="en-US" dirty="0"/>
-                        <a:t>: Data stored in the blackboard</a:t>
-                      </a:r>
-                    </a:p>
-                  </a:txBody>
-                  <a:tcPr/>
-                </a:tc>
-                <a:extLst>
-                  <a:ext uri="{0D108BD9-81ED-4DB2-BD59-A6C34878D82A}">
-                    <a16:rowId xmlns:a16="http://schemas.microsoft.com/office/drawing/2014/main" val="2559742039"/>
-                  </a:ext>
-                </a:extLst>
-              </a:tr>
-              <a:tr h="370840">
-                <a:tc>
-                  <a:txBody>
-                    <a:bodyPr/>
-                    <a:lstStyle/>
-                    <a:p>
-                      <a:r>
-                        <a:rPr lang="en-US" b="1" dirty="0"/>
-                        <a:t>Topology</a:t>
-                      </a:r>
-                      <a:r>
-                        <a:rPr lang="en-US" dirty="0"/>
-                        <a:t>: Star topology with blackboard at the center</a:t>
-                      </a:r>
-                    </a:p>
-                  </a:txBody>
-                  <a:tcPr/>
-                </a:tc>
-                <a:extLst>
-                  <a:ext uri="{0D108BD9-81ED-4DB2-BD59-A6C34878D82A}">
-                    <a16:rowId xmlns:a16="http://schemas.microsoft.com/office/drawing/2014/main" val="2071415196"/>
-                  </a:ext>
-                </a:extLst>
-              </a:tr>
-              <a:tr h="370840">
-                <a:tc>
-                  <a:txBody>
-                    <a:bodyPr/>
-                    <a:lstStyle/>
-                    <a:p>
-                      <a:r>
-                        <a:rPr lang="en-US" b="1" dirty="0"/>
-                        <a:t>Variants</a:t>
-                      </a:r>
-                      <a:r>
-                        <a:rPr lang="en-US" dirty="0"/>
-                        <a:t>: Clients poll blackboard for changes; blackboard notifies clients of changes</a:t>
-                      </a:r>
-                    </a:p>
-                  </a:txBody>
-                  <a:tcPr/>
-                </a:tc>
-                <a:extLst>
-                  <a:ext uri="{0D108BD9-81ED-4DB2-BD59-A6C34878D82A}">
-                    <a16:rowId xmlns:a16="http://schemas.microsoft.com/office/drawing/2014/main" val="1844578667"/>
-                  </a:ext>
-                </a:extLst>
-              </a:tr>
-              <a:tr h="370840">
-                <a:tc>
-                  <a:txBody>
-                    <a:bodyPr/>
-                    <a:lstStyle/>
-                    <a:p>
-                      <a:r>
-                        <a:rPr lang="en-US" b="1" dirty="0"/>
-                        <a:t>Qualities</a:t>
-                      </a:r>
-                      <a:r>
-                        <a:rPr lang="en-US" dirty="0"/>
-                        <a:t>: Complete solutions do not have to be preplanned.</a:t>
-                      </a:r>
-                    </a:p>
-                  </a:txBody>
-                  <a:tcPr/>
-                </a:tc>
-                <a:extLst>
-                  <a:ext uri="{0D108BD9-81ED-4DB2-BD59-A6C34878D82A}">
-                    <a16:rowId xmlns:a16="http://schemas.microsoft.com/office/drawing/2014/main" val="3672103038"/>
-                  </a:ext>
-                </a:extLst>
-              </a:tr>
-              <a:tr h="370840">
-                <a:tc>
-                  <a:txBody>
-                    <a:bodyPr/>
-                    <a:lstStyle/>
-                    <a:p>
-                      <a:endParaRPr lang="en-US" dirty="0"/>
-                    </a:p>
-                  </a:txBody>
-                  <a:tcPr/>
-                </a:tc>
-                <a:extLst>
-                  <a:ext uri="{0D108BD9-81ED-4DB2-BD59-A6C34878D82A}">
-                    <a16:rowId xmlns:a16="http://schemas.microsoft.com/office/drawing/2014/main" val="1459849202"/>
-                  </a:ext>
-                </a:extLst>
-              </a:tr>
-              <a:tr h="370840">
-                <a:tc>
-                  <a:txBody>
-                    <a:bodyPr/>
-                    <a:lstStyle/>
-                    <a:p>
-                      <a:r>
-                        <a:rPr lang="en-US" b="1" dirty="0"/>
-                        <a:t>Typical uses</a:t>
-                      </a:r>
-                      <a:r>
-                        <a:rPr lang="en-US" dirty="0"/>
-                        <a:t>: Heuristic problem solving in AI applications</a:t>
-                      </a:r>
-                    </a:p>
-                  </a:txBody>
-                  <a:tcPr/>
-                </a:tc>
-                <a:extLst>
-                  <a:ext uri="{0D108BD9-81ED-4DB2-BD59-A6C34878D82A}">
-                    <a16:rowId xmlns:a16="http://schemas.microsoft.com/office/drawing/2014/main" val="2052877018"/>
-                  </a:ext>
-                </a:extLst>
-              </a:tr>
-              <a:tr h="370840">
-                <a:tc>
-                  <a:txBody>
-                    <a:bodyPr/>
-                    <a:lstStyle/>
-                    <a:p>
-                      <a:r>
-                        <a:rPr lang="en-US" b="1" dirty="0"/>
-                        <a:t>Cautions</a:t>
-                      </a:r>
-                      <a:r>
-                        <a:rPr lang="en-US" dirty="0"/>
-                        <a:t>: When a well-structured solution is available; when interactions require regulation</a:t>
-                      </a:r>
-                    </a:p>
-                  </a:txBody>
-                  <a:tcPr/>
-                </a:tc>
-                <a:extLst>
-                  <a:ext uri="{0D108BD9-81ED-4DB2-BD59-A6C34878D82A}">
-                    <a16:rowId xmlns:a16="http://schemas.microsoft.com/office/drawing/2014/main" val="231181336"/>
-                  </a:ext>
-                </a:extLst>
-              </a:tr>
-              <a:tr h="370840">
-                <a:tc>
-                  <a:txBody>
-                    <a:bodyPr/>
-                    <a:lstStyle/>
-                    <a:p>
-                      <a:r>
-                        <a:rPr lang="en-US" b="1" dirty="0"/>
-                        <a:t>Lang. / </a:t>
-                      </a:r>
-                      <a:r>
-                        <a:rPr lang="en-US" b="1" dirty="0" err="1"/>
-                        <a:t>env</a:t>
-                      </a:r>
-                      <a:r>
-                        <a:rPr lang="en-US" b="1" dirty="0"/>
-                        <a:t>. relationships</a:t>
-                      </a:r>
-                      <a:r>
-                        <a:rPr lang="en-US" dirty="0"/>
-                        <a:t>: Languages require concurrency primitives for access control</a:t>
-                      </a:r>
-                    </a:p>
-                  </a:txBody>
-                  <a:tcPr/>
-                </a:tc>
-                <a:extLst>
-                  <a:ext uri="{0D108BD9-81ED-4DB2-BD59-A6C34878D82A}">
-                    <a16:rowId xmlns:a16="http://schemas.microsoft.com/office/drawing/2014/main" val="857360620"/>
-                  </a:ext>
-                </a:extLst>
-              </a:tr>
-            </a:tbl>
-          </a:graphicData>
-        </a:graphic>
-      </p:graphicFrame>
-    </p:spTree>
-    <p:extLst>
-      <p:ext uri="{BB962C8B-B14F-4D97-AF65-F5344CB8AC3E}">
-        <p14:creationId xmlns:p14="http://schemas.microsoft.com/office/powerpoint/2010/main" val="2374613016"/>
-      </p:ext>
-    </p:extLst>
-  </p:cSld>
-  <p:clrMapOvr>
-    <a:masterClrMapping/>
-  </p:clrMapOvr>
-</p:sld>
-</file>
-
-<file path=ppt/slides/slide17.xml><?xml version="1.0" encoding="utf-8"?>
-<p:sld xmlns:a="http://schemas.openxmlformats.org/drawingml/2006/main" xmlns:r="http://schemas.openxmlformats.org/officeDocument/2006/relationships" xmlns:p="http://schemas.openxmlformats.org/presentationml/2006/main">
-  <p:cSld>
-    <p:spTree>
-      <p:nvGrpSpPr>
-        <p:cNvPr id="1" name=""/>
-        <p:cNvGrpSpPr/>
-        <p:nvPr/>
-      </p:nvGrpSpPr>
-      <p:grpSpPr>
-        <a:xfrm>
-          <a:off x="0" y="0"/>
-          <a:ext cx="0" cy="0"/>
-          <a:chOff x="0" y="0"/>
-          <a:chExt cx="0" cy="0"/>
-        </a:xfrm>
-      </p:grpSpPr>
-      <p:sp>
-        <p:nvSpPr>
-          <p:cNvPr id="5" name="Title 4">
-            <a:extLst>
-              <a:ext uri="{FF2B5EF4-FFF2-40B4-BE49-F238E27FC236}">
-                <a16:creationId xmlns:a16="http://schemas.microsoft.com/office/drawing/2014/main" id="{6D2F4C59-1A85-2241-BA63-597393865818}"/>
-              </a:ext>
-            </a:extLst>
-          </p:cNvPr>
-          <p:cNvSpPr>
-            <a:spLocks noGrp="1"/>
-          </p:cNvSpPr>
-          <p:nvPr>
-            <p:ph type="title"/>
-          </p:nvPr>
-        </p:nvSpPr>
-        <p:spPr/>
-        <p:txBody>
-          <a:bodyPr/>
-          <a:lstStyle/>
-          <a:p>
-            <a:r>
-              <a:rPr lang="en-US" b="1" dirty="0"/>
-              <a:t>Style</a:t>
-            </a:r>
-            <a:r>
-              <a:rPr lang="en-US" dirty="0"/>
-              <a:t>: Rule-based / expert system</a:t>
-            </a:r>
-          </a:p>
-        </p:txBody>
-      </p:sp>
-      <p:graphicFrame>
-        <p:nvGraphicFramePr>
-          <p:cNvPr id="7" name="Content Placeholder 6">
-            <a:extLst>
-              <a:ext uri="{FF2B5EF4-FFF2-40B4-BE49-F238E27FC236}">
-                <a16:creationId xmlns:a16="http://schemas.microsoft.com/office/drawing/2014/main" id="{40A46DD3-E595-E649-960B-8B9F1334CA29}"/>
-              </a:ext>
-            </a:extLst>
-          </p:cNvPr>
-          <p:cNvGraphicFramePr>
-            <a:graphicFrameLocks noGrp="1"/>
-          </p:cNvGraphicFramePr>
-          <p:nvPr>
-            <p:ph idx="1"/>
-            <p:extLst>
-              <p:ext uri="{D42A27DB-BD31-4B8C-83A1-F6EECF244321}">
-                <p14:modId xmlns:p14="http://schemas.microsoft.com/office/powerpoint/2010/main" val="1436506914"/>
-              </p:ext>
-            </p:extLst>
-          </p:nvPr>
-        </p:nvGraphicFramePr>
-        <p:xfrm>
-          <a:off x="838200" y="1825625"/>
-          <a:ext cx="10515600" cy="4079240"/>
-        </p:xfrm>
-        <a:graphic>
-          <a:graphicData uri="http://schemas.openxmlformats.org/drawingml/2006/table">
-            <a:tbl>
-              <a:tblPr bandRow="1">
-                <a:tableStyleId>{C083E6E3-FA7D-4D7B-A595-EF9225AFEA82}</a:tableStyleId>
-              </a:tblPr>
-              <a:tblGrid>
-                <a:gridCol w="10515600">
-                  <a:extLst>
-                    <a:ext uri="{9D8B030D-6E8A-4147-A177-3AD203B41FA5}">
-                      <a16:colId xmlns:a16="http://schemas.microsoft.com/office/drawing/2014/main" val="3565431365"/>
-                    </a:ext>
-                  </a:extLst>
-                </a:gridCol>
-              </a:tblGrid>
-              <a:tr h="370840">
-                <a:tc>
-                  <a:txBody>
-                    <a:bodyPr/>
-                    <a:lstStyle/>
-                    <a:p>
-                      <a:r>
-                        <a:rPr lang="en-US" b="1" dirty="0"/>
-                        <a:t>Summary</a:t>
-                      </a:r>
-                      <a:r>
-                        <a:rPr lang="en-US" dirty="0"/>
-                        <a:t>: Inference engine parses user input, determines type (fact/query) and acts on input</a:t>
-                      </a:r>
-                    </a:p>
-                  </a:txBody>
-                  <a:tcPr/>
-                </a:tc>
-                <a:extLst>
-                  <a:ext uri="{0D108BD9-81ED-4DB2-BD59-A6C34878D82A}">
-                    <a16:rowId xmlns:a16="http://schemas.microsoft.com/office/drawing/2014/main" val="1920818122"/>
-                  </a:ext>
-                </a:extLst>
-              </a:tr>
-              <a:tr h="370840">
-                <a:tc>
-                  <a:txBody>
-                    <a:bodyPr/>
-                    <a:lstStyle/>
-                    <a:p>
-                      <a:r>
-                        <a:rPr lang="en-US" b="1" dirty="0"/>
-                        <a:t>Components</a:t>
-                      </a:r>
-                      <a:r>
-                        <a:rPr lang="en-US" dirty="0"/>
-                        <a:t>: User interface, inference engine, knowledge base</a:t>
-                      </a:r>
-                    </a:p>
-                  </a:txBody>
-                  <a:tcPr/>
-                </a:tc>
-                <a:extLst>
-                  <a:ext uri="{0D108BD9-81ED-4DB2-BD59-A6C34878D82A}">
-                    <a16:rowId xmlns:a16="http://schemas.microsoft.com/office/drawing/2014/main" val="1353163784"/>
-                  </a:ext>
-                </a:extLst>
-              </a:tr>
-              <a:tr h="370840">
-                <a:tc>
-                  <a:txBody>
-                    <a:bodyPr/>
-                    <a:lstStyle/>
-                    <a:p>
-                      <a:r>
-                        <a:rPr lang="en-US" b="1" dirty="0"/>
-                        <a:t>Connectors</a:t>
-                      </a:r>
-                      <a:r>
-                        <a:rPr lang="en-US" dirty="0"/>
-                        <a:t>: Components are tightly interconnected with LPC or shared data access</a:t>
-                      </a:r>
-                    </a:p>
-                  </a:txBody>
-                  <a:tcPr/>
-                </a:tc>
-                <a:extLst>
-                  <a:ext uri="{0D108BD9-81ED-4DB2-BD59-A6C34878D82A}">
-                    <a16:rowId xmlns:a16="http://schemas.microsoft.com/office/drawing/2014/main" val="1839859950"/>
-                  </a:ext>
-                </a:extLst>
-              </a:tr>
-              <a:tr h="370840">
-                <a:tc>
-                  <a:txBody>
-                    <a:bodyPr/>
-                    <a:lstStyle/>
-                    <a:p>
-                      <a:r>
-                        <a:rPr lang="en-US" b="1" dirty="0"/>
-                        <a:t>Data elements</a:t>
-                      </a:r>
-                      <a:r>
-                        <a:rPr lang="en-US" dirty="0"/>
-                        <a:t>: Facts and queries</a:t>
-                      </a:r>
-                    </a:p>
-                  </a:txBody>
-                  <a:tcPr/>
-                </a:tc>
-                <a:extLst>
-                  <a:ext uri="{0D108BD9-81ED-4DB2-BD59-A6C34878D82A}">
-                    <a16:rowId xmlns:a16="http://schemas.microsoft.com/office/drawing/2014/main" val="2559742039"/>
-                  </a:ext>
-                </a:extLst>
-              </a:tr>
-              <a:tr h="370840">
-                <a:tc>
-                  <a:txBody>
-                    <a:bodyPr/>
-                    <a:lstStyle/>
-                    <a:p>
-                      <a:r>
-                        <a:rPr lang="en-US" b="1" dirty="0"/>
-                        <a:t>Topology</a:t>
-                      </a:r>
-                      <a:r>
-                        <a:rPr lang="en-US" dirty="0"/>
-                        <a:t>: Tightly-coupled three-tier</a:t>
-                      </a:r>
-                    </a:p>
-                  </a:txBody>
-                  <a:tcPr/>
-                </a:tc>
-                <a:extLst>
-                  <a:ext uri="{0D108BD9-81ED-4DB2-BD59-A6C34878D82A}">
-                    <a16:rowId xmlns:a16="http://schemas.microsoft.com/office/drawing/2014/main" val="2071415196"/>
-                  </a:ext>
-                </a:extLst>
-              </a:tr>
-              <a:tr h="370840">
-                <a:tc>
-                  <a:txBody>
-                    <a:bodyPr/>
-                    <a:lstStyle/>
-                    <a:p>
-                      <a:r>
-                        <a:rPr lang="en-US" b="1" dirty="0"/>
-                        <a:t>Additional constraints</a:t>
-                      </a:r>
-                      <a:r>
-                        <a:rPr lang="en-US" dirty="0"/>
-                        <a:t>: Behavior easily modified through modification of knowledge base</a:t>
-                      </a:r>
-                    </a:p>
-                  </a:txBody>
-                  <a:tcPr/>
-                </a:tc>
-                <a:extLst>
-                  <a:ext uri="{0D108BD9-81ED-4DB2-BD59-A6C34878D82A}">
-                    <a16:rowId xmlns:a16="http://schemas.microsoft.com/office/drawing/2014/main" val="1844578667"/>
-                  </a:ext>
-                </a:extLst>
-              </a:tr>
-              <a:tr h="370840">
-                <a:tc>
-                  <a:txBody>
-                    <a:bodyPr/>
-                    <a:lstStyle/>
-                    <a:p>
-                      <a:r>
-                        <a:rPr lang="en-US" b="1" dirty="0"/>
-                        <a:t>Qualities</a:t>
-                      </a:r>
-                      <a:r>
-                        <a:rPr lang="en-US" dirty="0"/>
-                        <a:t>:</a:t>
-                      </a:r>
-                    </a:p>
-                  </a:txBody>
-                  <a:tcPr/>
-                </a:tc>
-                <a:extLst>
-                  <a:ext uri="{0D108BD9-81ED-4DB2-BD59-A6C34878D82A}">
-                    <a16:rowId xmlns:a16="http://schemas.microsoft.com/office/drawing/2014/main" val="3672103038"/>
-                  </a:ext>
-                </a:extLst>
-              </a:tr>
-              <a:tr h="370840">
-                <a:tc>
-                  <a:txBody>
-                    <a:bodyPr/>
-                    <a:lstStyle/>
-                    <a:p>
-                      <a:endParaRPr lang="en-US" dirty="0"/>
-                    </a:p>
-                  </a:txBody>
-                  <a:tcPr/>
-                </a:tc>
-                <a:extLst>
-                  <a:ext uri="{0D108BD9-81ED-4DB2-BD59-A6C34878D82A}">
-                    <a16:rowId xmlns:a16="http://schemas.microsoft.com/office/drawing/2014/main" val="1459849202"/>
-                  </a:ext>
-                </a:extLst>
-              </a:tr>
-              <a:tr h="370840">
-                <a:tc>
-                  <a:txBody>
-                    <a:bodyPr/>
-                    <a:lstStyle/>
-                    <a:p>
-                      <a:r>
-                        <a:rPr lang="en-US" b="1" dirty="0"/>
-                        <a:t>Typical uses</a:t>
-                      </a:r>
-                      <a:r>
-                        <a:rPr lang="en-US" dirty="0"/>
-                        <a:t>: When the problem can be understood as a set of repeating predicate resolutions</a:t>
-                      </a:r>
-                    </a:p>
-                  </a:txBody>
-                  <a:tcPr/>
-                </a:tc>
-                <a:extLst>
-                  <a:ext uri="{0D108BD9-81ED-4DB2-BD59-A6C34878D82A}">
-                    <a16:rowId xmlns:a16="http://schemas.microsoft.com/office/drawing/2014/main" val="2052877018"/>
-                  </a:ext>
-                </a:extLst>
-              </a:tr>
-              <a:tr h="370840">
-                <a:tc>
-                  <a:txBody>
-                    <a:bodyPr/>
-                    <a:lstStyle/>
-                    <a:p>
-                      <a:r>
-                        <a:rPr lang="en-US" b="1" dirty="0"/>
-                        <a:t>Cautions</a:t>
-                      </a:r>
-                      <a:r>
-                        <a:rPr lang="en-US" dirty="0"/>
-                        <a:t>: Large number </a:t>
-                      </a:r>
-                      <a:r>
-                        <a:rPr lang="en-US"/>
-                        <a:t>of rules; </a:t>
-                      </a:r>
-                      <a:endParaRPr lang="en-US" dirty="0"/>
-                    </a:p>
-                  </a:txBody>
-                  <a:tcPr/>
-                </a:tc>
-                <a:extLst>
-                  <a:ext uri="{0D108BD9-81ED-4DB2-BD59-A6C34878D82A}">
-                    <a16:rowId xmlns:a16="http://schemas.microsoft.com/office/drawing/2014/main" val="231181336"/>
-                  </a:ext>
-                </a:extLst>
-              </a:tr>
-              <a:tr h="370840">
-                <a:tc>
-                  <a:txBody>
-                    <a:bodyPr/>
-                    <a:lstStyle/>
-                    <a:p>
-                      <a:r>
-                        <a:rPr lang="en-US" b="1" dirty="0"/>
-                        <a:t>Lang. / </a:t>
-                      </a:r>
-                      <a:r>
-                        <a:rPr lang="en-US" b="1" dirty="0" err="1"/>
-                        <a:t>env</a:t>
-                      </a:r>
-                      <a:r>
-                        <a:rPr lang="en-US" b="1" dirty="0"/>
-                        <a:t>. relationships</a:t>
-                      </a:r>
-                      <a:r>
-                        <a:rPr lang="en-US" dirty="0"/>
-                        <a:t>: Prolog is a common language used for expert systems</a:t>
-                      </a:r>
-                    </a:p>
-                  </a:txBody>
-                  <a:tcPr/>
-                </a:tc>
-                <a:extLst>
-                  <a:ext uri="{0D108BD9-81ED-4DB2-BD59-A6C34878D82A}">
-                    <a16:rowId xmlns:a16="http://schemas.microsoft.com/office/drawing/2014/main" val="857360620"/>
-                  </a:ext>
-                </a:extLst>
-              </a:tr>
-            </a:tbl>
-          </a:graphicData>
-        </a:graphic>
-      </p:graphicFrame>
-    </p:spTree>
-    <p:extLst>
-      <p:ext uri="{BB962C8B-B14F-4D97-AF65-F5344CB8AC3E}">
-        <p14:creationId xmlns:p14="http://schemas.microsoft.com/office/powerpoint/2010/main" val="4093314078"/>
-      </p:ext>
-    </p:extLst>
-  </p:cSld>
-  <p:clrMapOvr>
-    <a:masterClrMapping/>
-  </p:clrMapOvr>
-</p:sld>
-</file>
-
-<file path=ppt/slides/slide18.xml><?xml version="1.0" encoding="utf-8"?>
-<p:sld xmlns:a="http://schemas.openxmlformats.org/drawingml/2006/main" xmlns:r="http://schemas.openxmlformats.org/officeDocument/2006/relationships" xmlns:p="http://schemas.openxmlformats.org/presentationml/2006/main">
-  <p:cSld>
-    <p:spTree>
-      <p:nvGrpSpPr>
-        <p:cNvPr id="1" name=""/>
-        <p:cNvGrpSpPr/>
-        <p:nvPr/>
-      </p:nvGrpSpPr>
-      <p:grpSpPr>
-        <a:xfrm>
-          <a:off x="0" y="0"/>
-          <a:ext cx="0" cy="0"/>
-          <a:chOff x="0" y="0"/>
-          <a:chExt cx="0" cy="0"/>
-        </a:xfrm>
-      </p:grpSpPr>
-      <p:sp>
-        <p:nvSpPr>
-          <p:cNvPr id="5" name="Title 4">
-            <a:extLst>
-              <a:ext uri="{FF2B5EF4-FFF2-40B4-BE49-F238E27FC236}">
-                <a16:creationId xmlns:a16="http://schemas.microsoft.com/office/drawing/2014/main" id="{6D2F4C59-1A85-2241-BA63-597393865818}"/>
-              </a:ext>
-            </a:extLst>
-          </p:cNvPr>
-          <p:cNvSpPr>
-            <a:spLocks noGrp="1"/>
-          </p:cNvSpPr>
-          <p:nvPr>
-            <p:ph type="title"/>
-          </p:nvPr>
-        </p:nvSpPr>
-        <p:spPr/>
-        <p:txBody>
-          <a:bodyPr/>
-          <a:lstStyle/>
-          <a:p>
-            <a:r>
-              <a:rPr lang="en-US" b="1" dirty="0"/>
-              <a:t>Style</a:t>
-            </a:r>
-            <a:r>
-              <a:rPr lang="en-US" dirty="0"/>
-              <a:t>: Interpreter</a:t>
-            </a:r>
-          </a:p>
-        </p:txBody>
-      </p:sp>
-      <p:graphicFrame>
-        <p:nvGraphicFramePr>
-          <p:cNvPr id="7" name="Content Placeholder 6">
-            <a:extLst>
-              <a:ext uri="{FF2B5EF4-FFF2-40B4-BE49-F238E27FC236}">
-                <a16:creationId xmlns:a16="http://schemas.microsoft.com/office/drawing/2014/main" id="{40A46DD3-E595-E649-960B-8B9F1334CA29}"/>
-              </a:ext>
-            </a:extLst>
-          </p:cNvPr>
-          <p:cNvGraphicFramePr>
-            <a:graphicFrameLocks noGrp="1"/>
-          </p:cNvGraphicFramePr>
-          <p:nvPr>
-            <p:ph idx="1"/>
-            <p:extLst>
-              <p:ext uri="{D42A27DB-BD31-4B8C-83A1-F6EECF244321}">
-                <p14:modId xmlns:p14="http://schemas.microsoft.com/office/powerpoint/2010/main" val="2535758783"/>
-              </p:ext>
-            </p:extLst>
-          </p:nvPr>
-        </p:nvGraphicFramePr>
-        <p:xfrm>
-          <a:off x="838200" y="1825625"/>
-          <a:ext cx="10515600" cy="4079240"/>
-        </p:xfrm>
-        <a:graphic>
-          <a:graphicData uri="http://schemas.openxmlformats.org/drawingml/2006/table">
-            <a:tbl>
-              <a:tblPr bandRow="1">
-                <a:tableStyleId>{C083E6E3-FA7D-4D7B-A595-EF9225AFEA82}</a:tableStyleId>
-              </a:tblPr>
-              <a:tblGrid>
-                <a:gridCol w="10515600">
-                  <a:extLst>
-                    <a:ext uri="{9D8B030D-6E8A-4147-A177-3AD203B41FA5}">
-                      <a16:colId xmlns:a16="http://schemas.microsoft.com/office/drawing/2014/main" val="3565431365"/>
-                    </a:ext>
-                  </a:extLst>
-                </a:gridCol>
-              </a:tblGrid>
-              <a:tr h="370840">
-                <a:tc>
-                  <a:txBody>
-                    <a:bodyPr/>
-                    <a:lstStyle/>
-                    <a:p>
-                      <a:r>
-                        <a:rPr lang="en-US" b="1" dirty="0"/>
-                        <a:t>Summary</a:t>
-                      </a:r>
-                      <a:r>
-                        <a:rPr lang="en-US" dirty="0"/>
-                        <a:t>: Interpreter parses and executes input commands, updating state</a:t>
-                      </a:r>
-                    </a:p>
-                  </a:txBody>
-                  <a:tcPr/>
-                </a:tc>
-                <a:extLst>
-                  <a:ext uri="{0D108BD9-81ED-4DB2-BD59-A6C34878D82A}">
-                    <a16:rowId xmlns:a16="http://schemas.microsoft.com/office/drawing/2014/main" val="1920818122"/>
-                  </a:ext>
-                </a:extLst>
-              </a:tr>
-              <a:tr h="370840">
-                <a:tc>
-                  <a:txBody>
-                    <a:bodyPr/>
-                    <a:lstStyle/>
-                    <a:p>
-                      <a:r>
-                        <a:rPr lang="en-US" b="1" dirty="0"/>
-                        <a:t>Components</a:t>
-                      </a:r>
-                      <a:r>
-                        <a:rPr lang="en-US" dirty="0"/>
-                        <a:t>: Command interpreter, program / interpreter state, user interface</a:t>
-                      </a:r>
-                    </a:p>
-                  </a:txBody>
-                  <a:tcPr/>
-                </a:tc>
-                <a:extLst>
-                  <a:ext uri="{0D108BD9-81ED-4DB2-BD59-A6C34878D82A}">
-                    <a16:rowId xmlns:a16="http://schemas.microsoft.com/office/drawing/2014/main" val="1353163784"/>
-                  </a:ext>
-                </a:extLst>
-              </a:tr>
-              <a:tr h="370840">
-                <a:tc>
-                  <a:txBody>
-                    <a:bodyPr/>
-                    <a:lstStyle/>
-                    <a:p>
-                      <a:r>
-                        <a:rPr lang="en-US" b="1" dirty="0"/>
-                        <a:t>Connectors</a:t>
-                      </a:r>
-                      <a:r>
-                        <a:rPr lang="en-US" dirty="0"/>
-                        <a:t>: Typically closely bound with direct procedure calls</a:t>
-                      </a:r>
-                    </a:p>
-                  </a:txBody>
-                  <a:tcPr/>
-                </a:tc>
-                <a:extLst>
-                  <a:ext uri="{0D108BD9-81ED-4DB2-BD59-A6C34878D82A}">
-                    <a16:rowId xmlns:a16="http://schemas.microsoft.com/office/drawing/2014/main" val="1839859950"/>
-                  </a:ext>
-                </a:extLst>
-              </a:tr>
-              <a:tr h="370840">
-                <a:tc>
-                  <a:txBody>
-                    <a:bodyPr/>
-                    <a:lstStyle/>
-                    <a:p>
-                      <a:r>
-                        <a:rPr lang="en-US" b="1" dirty="0"/>
-                        <a:t>Data elements</a:t>
-                      </a:r>
-                      <a:r>
-                        <a:rPr lang="en-US" dirty="0"/>
-                        <a:t>: Commands</a:t>
-                      </a:r>
-                    </a:p>
-                  </a:txBody>
-                  <a:tcPr/>
-                </a:tc>
-                <a:extLst>
-                  <a:ext uri="{0D108BD9-81ED-4DB2-BD59-A6C34878D82A}">
-                    <a16:rowId xmlns:a16="http://schemas.microsoft.com/office/drawing/2014/main" val="2559742039"/>
-                  </a:ext>
-                </a:extLst>
-              </a:tr>
-              <a:tr h="370840">
-                <a:tc>
-                  <a:txBody>
-                    <a:bodyPr/>
-                    <a:lstStyle/>
-                    <a:p>
-                      <a:r>
-                        <a:rPr lang="en-US" b="1" dirty="0"/>
-                        <a:t>Topology</a:t>
-                      </a:r>
-                      <a:r>
-                        <a:rPr lang="en-US" dirty="0"/>
-                        <a:t>: Tightly-coupled three-tier</a:t>
-                      </a:r>
-                    </a:p>
-                  </a:txBody>
-                  <a:tcPr/>
-                </a:tc>
-                <a:extLst>
-                  <a:ext uri="{0D108BD9-81ED-4DB2-BD59-A6C34878D82A}">
-                    <a16:rowId xmlns:a16="http://schemas.microsoft.com/office/drawing/2014/main" val="2071415196"/>
-                  </a:ext>
-                </a:extLst>
-              </a:tr>
-              <a:tr h="370840">
-                <a:tc>
-                  <a:txBody>
-                    <a:bodyPr/>
-                    <a:lstStyle/>
-                    <a:p>
-                      <a:r>
-                        <a:rPr lang="en-US" b="1" dirty="0"/>
-                        <a:t>Additional constraints</a:t>
-                      </a:r>
-                      <a:r>
-                        <a:rPr lang="en-US" dirty="0"/>
-                        <a:t>: </a:t>
-                      </a:r>
-                    </a:p>
-                  </a:txBody>
-                  <a:tcPr/>
-                </a:tc>
-                <a:extLst>
-                  <a:ext uri="{0D108BD9-81ED-4DB2-BD59-A6C34878D82A}">
-                    <a16:rowId xmlns:a16="http://schemas.microsoft.com/office/drawing/2014/main" val="1844578667"/>
-                  </a:ext>
-                </a:extLst>
-              </a:tr>
-              <a:tr h="370840">
-                <a:tc>
-                  <a:txBody>
-                    <a:bodyPr/>
-                    <a:lstStyle/>
-                    <a:p>
-                      <a:r>
-                        <a:rPr lang="en-US" b="1" dirty="0"/>
-                        <a:t>Qualities</a:t>
-                      </a:r>
-                      <a:r>
-                        <a:rPr lang="en-US" dirty="0"/>
-                        <a:t>: Highly-dynamic behavior is possible, parsed input may exhibit extensions</a:t>
-                      </a:r>
-                    </a:p>
-                  </a:txBody>
-                  <a:tcPr/>
-                </a:tc>
-                <a:extLst>
-                  <a:ext uri="{0D108BD9-81ED-4DB2-BD59-A6C34878D82A}">
-                    <a16:rowId xmlns:a16="http://schemas.microsoft.com/office/drawing/2014/main" val="3672103038"/>
-                  </a:ext>
-                </a:extLst>
-              </a:tr>
-              <a:tr h="370840">
-                <a:tc>
-                  <a:txBody>
-                    <a:bodyPr/>
-                    <a:lstStyle/>
-                    <a:p>
-                      <a:endParaRPr lang="en-US" dirty="0"/>
-                    </a:p>
-                  </a:txBody>
-                  <a:tcPr/>
-                </a:tc>
-                <a:extLst>
-                  <a:ext uri="{0D108BD9-81ED-4DB2-BD59-A6C34878D82A}">
-                    <a16:rowId xmlns:a16="http://schemas.microsoft.com/office/drawing/2014/main" val="1459849202"/>
-                  </a:ext>
-                </a:extLst>
-              </a:tr>
-              <a:tr h="370840">
-                <a:tc>
-                  <a:txBody>
-                    <a:bodyPr/>
-                    <a:lstStyle/>
-                    <a:p>
-                      <a:r>
-                        <a:rPr lang="en-US" b="1" dirty="0"/>
-                        <a:t>Typical uses</a:t>
-                      </a:r>
-                      <a:r>
-                        <a:rPr lang="en-US" dirty="0"/>
-                        <a:t>: Superb for end user programmability</a:t>
-                      </a:r>
-                    </a:p>
-                  </a:txBody>
-                  <a:tcPr/>
-                </a:tc>
-                <a:extLst>
-                  <a:ext uri="{0D108BD9-81ED-4DB2-BD59-A6C34878D82A}">
-                    <a16:rowId xmlns:a16="http://schemas.microsoft.com/office/drawing/2014/main" val="2052877018"/>
-                  </a:ext>
-                </a:extLst>
-              </a:tr>
-              <a:tr h="370840">
-                <a:tc>
-                  <a:txBody>
-                    <a:bodyPr/>
-                    <a:lstStyle/>
-                    <a:p>
-                      <a:r>
-                        <a:rPr lang="en-US" b="1" dirty="0"/>
-                        <a:t>Cautions</a:t>
-                      </a:r>
-                      <a:r>
-                        <a:rPr lang="en-US" dirty="0"/>
-                        <a:t>: May be slower to execute, memory management may be an issue</a:t>
-                      </a:r>
-                    </a:p>
-                  </a:txBody>
-                  <a:tcPr/>
-                </a:tc>
-                <a:extLst>
-                  <a:ext uri="{0D108BD9-81ED-4DB2-BD59-A6C34878D82A}">
-                    <a16:rowId xmlns:a16="http://schemas.microsoft.com/office/drawing/2014/main" val="231181336"/>
-                  </a:ext>
-                </a:extLst>
-              </a:tr>
-              <a:tr h="370840">
-                <a:tc>
-                  <a:txBody>
-                    <a:bodyPr/>
-                    <a:lstStyle/>
-                    <a:p>
-                      <a:r>
-                        <a:rPr lang="en-US" b="1" dirty="0"/>
-                        <a:t>Lang. / </a:t>
-                      </a:r>
-                      <a:r>
-                        <a:rPr lang="en-US" b="1" dirty="0" err="1"/>
-                        <a:t>env</a:t>
-                      </a:r>
-                      <a:r>
-                        <a:rPr lang="en-US" b="1" dirty="0"/>
-                        <a:t>. relationships</a:t>
-                      </a:r>
-                      <a:r>
-                        <a:rPr lang="en-US" dirty="0"/>
-                        <a:t>: LISP and scheme are interpreted languages, </a:t>
-                      </a:r>
-                      <a:r>
-                        <a:rPr lang="en-US" dirty="0" err="1"/>
-                        <a:t>javascript</a:t>
-                      </a:r>
-                      <a:r>
-                        <a:rPr lang="en-US" dirty="0"/>
-                        <a:t>, macros</a:t>
-                      </a:r>
-                    </a:p>
-                  </a:txBody>
-                  <a:tcPr/>
-                </a:tc>
-                <a:extLst>
-                  <a:ext uri="{0D108BD9-81ED-4DB2-BD59-A6C34878D82A}">
-                    <a16:rowId xmlns:a16="http://schemas.microsoft.com/office/drawing/2014/main" val="857360620"/>
-                  </a:ext>
-                </a:extLst>
-              </a:tr>
-            </a:tbl>
-          </a:graphicData>
-        </a:graphic>
-      </p:graphicFrame>
-    </p:spTree>
-    <p:extLst>
-      <p:ext uri="{BB962C8B-B14F-4D97-AF65-F5344CB8AC3E}">
-        <p14:creationId xmlns:p14="http://schemas.microsoft.com/office/powerpoint/2010/main" val="2755529997"/>
-      </p:ext>
-    </p:extLst>
-  </p:cSld>
-  <p:clrMapOvr>
-    <a:masterClrMapping/>
-  </p:clrMapOvr>
-</p:sld>
-</file>
-
-<file path=ppt/slides/slide19.xml><?xml version="1.0" encoding="utf-8"?>
-<p:sld xmlns:a="http://schemas.openxmlformats.org/drawingml/2006/main" xmlns:r="http://schemas.openxmlformats.org/officeDocument/2006/relationships" xmlns:p="http://schemas.openxmlformats.org/presentationml/2006/main">
-  <p:cSld>
-    <p:spTree>
-      <p:nvGrpSpPr>
-        <p:cNvPr id="1" name=""/>
-        <p:cNvGrpSpPr/>
-        <p:nvPr/>
-      </p:nvGrpSpPr>
-      <p:grpSpPr>
-        <a:xfrm>
-          <a:off x="0" y="0"/>
-          <a:ext cx="0" cy="0"/>
-          <a:chOff x="0" y="0"/>
-          <a:chExt cx="0" cy="0"/>
-        </a:xfrm>
-      </p:grpSpPr>
-      <p:sp>
-        <p:nvSpPr>
-          <p:cNvPr id="5" name="Title 4">
-            <a:extLst>
-              <a:ext uri="{FF2B5EF4-FFF2-40B4-BE49-F238E27FC236}">
-                <a16:creationId xmlns:a16="http://schemas.microsoft.com/office/drawing/2014/main" id="{6D2F4C59-1A85-2241-BA63-597393865818}"/>
-              </a:ext>
-            </a:extLst>
-          </p:cNvPr>
-          <p:cNvSpPr>
-            <a:spLocks noGrp="1"/>
-          </p:cNvSpPr>
-          <p:nvPr>
-            <p:ph type="title"/>
-          </p:nvPr>
-        </p:nvSpPr>
-        <p:spPr/>
-        <p:txBody>
-          <a:bodyPr/>
-          <a:lstStyle/>
-          <a:p>
-            <a:r>
-              <a:rPr lang="en-US" b="1" dirty="0"/>
-              <a:t>Style</a:t>
-            </a:r>
-            <a:r>
-              <a:rPr lang="en-US" dirty="0"/>
-              <a:t>: Mobile code</a:t>
-            </a:r>
-          </a:p>
-        </p:txBody>
-      </p:sp>
-      <p:graphicFrame>
-        <p:nvGraphicFramePr>
-          <p:cNvPr id="7" name="Content Placeholder 6">
-            <a:extLst>
-              <a:ext uri="{FF2B5EF4-FFF2-40B4-BE49-F238E27FC236}">
-                <a16:creationId xmlns:a16="http://schemas.microsoft.com/office/drawing/2014/main" id="{40A46DD3-E595-E649-960B-8B9F1334CA29}"/>
-              </a:ext>
-            </a:extLst>
-          </p:cNvPr>
-          <p:cNvGraphicFramePr>
-            <a:graphicFrameLocks noGrp="1"/>
-          </p:cNvGraphicFramePr>
-          <p:nvPr>
-            <p:ph idx="1"/>
-            <p:extLst>
-              <p:ext uri="{D42A27DB-BD31-4B8C-83A1-F6EECF244321}">
-                <p14:modId xmlns:p14="http://schemas.microsoft.com/office/powerpoint/2010/main" val="3065921353"/>
-              </p:ext>
-            </p:extLst>
-          </p:nvPr>
-        </p:nvGraphicFramePr>
-        <p:xfrm>
-          <a:off x="838200" y="1825625"/>
-          <a:ext cx="10515600" cy="4079240"/>
-        </p:xfrm>
-        <a:graphic>
-          <a:graphicData uri="http://schemas.openxmlformats.org/drawingml/2006/table">
-            <a:tbl>
-              <a:tblPr bandRow="1">
-                <a:tableStyleId>{C083E6E3-FA7D-4D7B-A595-EF9225AFEA82}</a:tableStyleId>
-              </a:tblPr>
-              <a:tblGrid>
-                <a:gridCol w="10515600">
-                  <a:extLst>
-                    <a:ext uri="{9D8B030D-6E8A-4147-A177-3AD203B41FA5}">
-                      <a16:colId xmlns:a16="http://schemas.microsoft.com/office/drawing/2014/main" val="3565431365"/>
-                    </a:ext>
-                  </a:extLst>
-                </a:gridCol>
-              </a:tblGrid>
-              <a:tr h="370840">
-                <a:tc>
-                  <a:txBody>
-                    <a:bodyPr/>
-                    <a:lstStyle/>
-                    <a:p>
-                      <a:r>
-                        <a:rPr lang="en-US" b="1" dirty="0"/>
-                        <a:t>Summary</a:t>
-                      </a:r>
-                      <a:r>
-                        <a:rPr lang="en-US" dirty="0"/>
-                        <a:t>: Code moves to be interpreted on another host, occasionally state does as well</a:t>
-                      </a:r>
-                    </a:p>
-                  </a:txBody>
-                  <a:tcPr/>
-                </a:tc>
-                <a:extLst>
-                  <a:ext uri="{0D108BD9-81ED-4DB2-BD59-A6C34878D82A}">
-                    <a16:rowId xmlns:a16="http://schemas.microsoft.com/office/drawing/2014/main" val="1920818122"/>
-                  </a:ext>
-                </a:extLst>
-              </a:tr>
-              <a:tr h="370840">
-                <a:tc>
-                  <a:txBody>
-                    <a:bodyPr/>
-                    <a:lstStyle/>
-                    <a:p>
-                      <a:r>
-                        <a:rPr lang="en-US" b="1" dirty="0"/>
-                        <a:t>Components</a:t>
-                      </a:r>
-                      <a:r>
-                        <a:rPr lang="en-US" dirty="0"/>
-                        <a:t>: Execution dock which handles receipt and deployment, compiler/interpreter</a:t>
-                      </a:r>
-                    </a:p>
-                  </a:txBody>
-                  <a:tcPr/>
-                </a:tc>
-                <a:extLst>
-                  <a:ext uri="{0D108BD9-81ED-4DB2-BD59-A6C34878D82A}">
-                    <a16:rowId xmlns:a16="http://schemas.microsoft.com/office/drawing/2014/main" val="1353163784"/>
-                  </a:ext>
-                </a:extLst>
-              </a:tr>
-              <a:tr h="370840">
-                <a:tc>
-                  <a:txBody>
-                    <a:bodyPr/>
-                    <a:lstStyle/>
-                    <a:p>
-                      <a:r>
-                        <a:rPr lang="en-US" b="1" dirty="0"/>
-                        <a:t>Connectors</a:t>
-                      </a:r>
-                      <a:r>
-                        <a:rPr lang="en-US" dirty="0"/>
-                        <a:t>: Network protocols and elements for packaging code</a:t>
-                      </a:r>
-                    </a:p>
-                  </a:txBody>
-                  <a:tcPr/>
-                </a:tc>
-                <a:extLst>
-                  <a:ext uri="{0D108BD9-81ED-4DB2-BD59-A6C34878D82A}">
-                    <a16:rowId xmlns:a16="http://schemas.microsoft.com/office/drawing/2014/main" val="1839859950"/>
-                  </a:ext>
-                </a:extLst>
-              </a:tr>
-              <a:tr h="370840">
-                <a:tc>
-                  <a:txBody>
-                    <a:bodyPr/>
-                    <a:lstStyle/>
-                    <a:p>
-                      <a:r>
-                        <a:rPr lang="en-US" b="1" dirty="0"/>
-                        <a:t>Data elements</a:t>
-                      </a:r>
-                      <a:r>
-                        <a:rPr lang="en-US" dirty="0"/>
-                        <a:t>: Representation of code as data; program data; state</a:t>
-                      </a:r>
-                    </a:p>
-                  </a:txBody>
-                  <a:tcPr/>
-                </a:tc>
-                <a:extLst>
-                  <a:ext uri="{0D108BD9-81ED-4DB2-BD59-A6C34878D82A}">
-                    <a16:rowId xmlns:a16="http://schemas.microsoft.com/office/drawing/2014/main" val="2559742039"/>
-                  </a:ext>
-                </a:extLst>
-              </a:tr>
-              <a:tr h="370840">
-                <a:tc>
-                  <a:txBody>
-                    <a:bodyPr/>
-                    <a:lstStyle/>
-                    <a:p>
-                      <a:r>
-                        <a:rPr lang="en-US" b="1" dirty="0"/>
-                        <a:t>Topology</a:t>
-                      </a:r>
-                      <a:r>
-                        <a:rPr lang="en-US" dirty="0"/>
-                        <a:t>: Network</a:t>
-                      </a:r>
-                    </a:p>
-                  </a:txBody>
-                  <a:tcPr/>
-                </a:tc>
-                <a:extLst>
-                  <a:ext uri="{0D108BD9-81ED-4DB2-BD59-A6C34878D82A}">
-                    <a16:rowId xmlns:a16="http://schemas.microsoft.com/office/drawing/2014/main" val="2071415196"/>
-                  </a:ext>
-                </a:extLst>
-              </a:tr>
-              <a:tr h="370840">
-                <a:tc>
-                  <a:txBody>
-                    <a:bodyPr/>
-                    <a:lstStyle/>
-                    <a:p>
-                      <a:r>
-                        <a:rPr lang="en-US" b="1" dirty="0"/>
-                        <a:t>Variants</a:t>
-                      </a:r>
-                      <a:r>
-                        <a:rPr lang="en-US" dirty="0"/>
-                        <a:t>: Code-on-demand; remove evaluation; mobile agent</a:t>
-                      </a:r>
-                    </a:p>
-                  </a:txBody>
-                  <a:tcPr/>
-                </a:tc>
-                <a:extLst>
-                  <a:ext uri="{0D108BD9-81ED-4DB2-BD59-A6C34878D82A}">
-                    <a16:rowId xmlns:a16="http://schemas.microsoft.com/office/drawing/2014/main" val="1844578667"/>
-                  </a:ext>
-                </a:extLst>
-              </a:tr>
-              <a:tr h="370840">
-                <a:tc>
-                  <a:txBody>
-                    <a:bodyPr/>
-                    <a:lstStyle/>
-                    <a:p>
-                      <a:r>
-                        <a:rPr lang="en-US" b="1" dirty="0"/>
-                        <a:t>Qualities</a:t>
-                      </a:r>
-                      <a:r>
-                        <a:rPr lang="en-US" dirty="0"/>
-                        <a:t>: Dynamic adaptability; move processing to available power</a:t>
-                      </a:r>
-                    </a:p>
-                  </a:txBody>
-                  <a:tcPr/>
-                </a:tc>
-                <a:extLst>
-                  <a:ext uri="{0D108BD9-81ED-4DB2-BD59-A6C34878D82A}">
-                    <a16:rowId xmlns:a16="http://schemas.microsoft.com/office/drawing/2014/main" val="3672103038"/>
-                  </a:ext>
-                </a:extLst>
-              </a:tr>
-              <a:tr h="370840">
-                <a:tc>
-                  <a:txBody>
-                    <a:bodyPr/>
-                    <a:lstStyle/>
-                    <a:p>
-                      <a:endParaRPr lang="en-US" dirty="0"/>
-                    </a:p>
-                  </a:txBody>
-                  <a:tcPr/>
-                </a:tc>
-                <a:extLst>
-                  <a:ext uri="{0D108BD9-81ED-4DB2-BD59-A6C34878D82A}">
-                    <a16:rowId xmlns:a16="http://schemas.microsoft.com/office/drawing/2014/main" val="1459849202"/>
-                  </a:ext>
-                </a:extLst>
-              </a:tr>
-              <a:tr h="370840">
-                <a:tc>
-                  <a:txBody>
-                    <a:bodyPr/>
-                    <a:lstStyle/>
-                    <a:p>
-                      <a:r>
-                        <a:rPr lang="en-US" b="1" dirty="0"/>
-                        <a:t>Typical uses</a:t>
-                      </a:r>
-                      <a:r>
-                        <a:rPr lang="en-US" dirty="0"/>
-                        <a:t>: When processing large data sets it’s more efficient to move the code to the data</a:t>
-                      </a:r>
-                    </a:p>
-                  </a:txBody>
-                  <a:tcPr/>
-                </a:tc>
-                <a:extLst>
-                  <a:ext uri="{0D108BD9-81ED-4DB2-BD59-A6C34878D82A}">
-                    <a16:rowId xmlns:a16="http://schemas.microsoft.com/office/drawing/2014/main" val="2052877018"/>
-                  </a:ext>
-                </a:extLst>
-              </a:tr>
-              <a:tr h="370840">
-                <a:tc>
-                  <a:txBody>
-                    <a:bodyPr/>
-                    <a:lstStyle/>
-                    <a:p>
-                      <a:r>
-                        <a:rPr lang="en-US" b="1" dirty="0"/>
-                        <a:t>Cautions</a:t>
-                      </a:r>
-                      <a:r>
-                        <a:rPr lang="en-US" dirty="0"/>
-                        <a:t>: Security issues – execution of remote code may escape sandbox; network cost to distribute</a:t>
-                      </a:r>
-                    </a:p>
-                  </a:txBody>
-                  <a:tcPr/>
-                </a:tc>
-                <a:extLst>
-                  <a:ext uri="{0D108BD9-81ED-4DB2-BD59-A6C34878D82A}">
-                    <a16:rowId xmlns:a16="http://schemas.microsoft.com/office/drawing/2014/main" val="231181336"/>
-                  </a:ext>
-                </a:extLst>
-              </a:tr>
-              <a:tr h="370840">
-                <a:tc>
-                  <a:txBody>
-                    <a:bodyPr/>
-                    <a:lstStyle/>
-                    <a:p>
-                      <a:r>
-                        <a:rPr lang="en-US" b="1" dirty="0"/>
-                        <a:t>Lang. / </a:t>
-                      </a:r>
-                      <a:r>
-                        <a:rPr lang="en-US" b="1" dirty="0" err="1"/>
-                        <a:t>env</a:t>
-                      </a:r>
-                      <a:r>
-                        <a:rPr lang="en-US" b="1" dirty="0"/>
-                        <a:t>. relationships</a:t>
-                      </a:r>
-                      <a:r>
-                        <a:rPr lang="en-US" dirty="0"/>
-                        <a:t>: Scripting languages, grid computing</a:t>
-                      </a:r>
-                    </a:p>
-                  </a:txBody>
-                  <a:tcPr/>
-                </a:tc>
-                <a:extLst>
-                  <a:ext uri="{0D108BD9-81ED-4DB2-BD59-A6C34878D82A}">
-                    <a16:rowId xmlns:a16="http://schemas.microsoft.com/office/drawing/2014/main" val="857360620"/>
-                  </a:ext>
-                </a:extLst>
-              </a:tr>
-            </a:tbl>
-          </a:graphicData>
-        </a:graphic>
-      </p:graphicFrame>
-    </p:spTree>
-    <p:extLst>
-      <p:ext uri="{BB962C8B-B14F-4D97-AF65-F5344CB8AC3E}">
-        <p14:creationId xmlns:p14="http://schemas.microsoft.com/office/powerpoint/2010/main" val="3858807955"/>
       </p:ext>
     </p:extLst>
   </p:cSld>
@@ -11233,6 +10973,2250 @@
             </a:r>
             <a:r>
               <a:rPr lang="en-US" dirty="0"/>
+              <a:t>: Batch sequential</a:t>
+            </a:r>
+          </a:p>
+        </p:txBody>
+      </p:sp>
+      <p:graphicFrame>
+        <p:nvGraphicFramePr>
+          <p:cNvPr id="7" name="Content Placeholder 6">
+            <a:extLst>
+              <a:ext uri="{FF2B5EF4-FFF2-40B4-BE49-F238E27FC236}">
+                <a16:creationId xmlns:a16="http://schemas.microsoft.com/office/drawing/2014/main" id="{40A46DD3-E595-E649-960B-8B9F1334CA29}"/>
+              </a:ext>
+            </a:extLst>
+          </p:cNvPr>
+          <p:cNvGraphicFramePr>
+            <a:graphicFrameLocks noGrp="1"/>
+          </p:cNvGraphicFramePr>
+          <p:nvPr>
+            <p:ph idx="1"/>
+            <p:extLst>
+              <p:ext uri="{D42A27DB-BD31-4B8C-83A1-F6EECF244321}">
+                <p14:modId xmlns:p14="http://schemas.microsoft.com/office/powerpoint/2010/main" val="224171471"/>
+              </p:ext>
+            </p:extLst>
+          </p:nvPr>
+        </p:nvGraphicFramePr>
+        <p:xfrm>
+          <a:off x="838200" y="1825625"/>
+          <a:ext cx="10515600" cy="4079240"/>
+        </p:xfrm>
+        <a:graphic>
+          <a:graphicData uri="http://schemas.openxmlformats.org/drawingml/2006/table">
+            <a:tbl>
+              <a:tblPr bandRow="1">
+                <a:tableStyleId>{C083E6E3-FA7D-4D7B-A595-EF9225AFEA82}</a:tableStyleId>
+              </a:tblPr>
+              <a:tblGrid>
+                <a:gridCol w="10515600">
+                  <a:extLst>
+                    <a:ext uri="{9D8B030D-6E8A-4147-A177-3AD203B41FA5}">
+                      <a16:colId xmlns:a16="http://schemas.microsoft.com/office/drawing/2014/main" val="3565431365"/>
+                    </a:ext>
+                  </a:extLst>
+                </a:gridCol>
+              </a:tblGrid>
+              <a:tr h="370840">
+                <a:tc>
+                  <a:txBody>
+                    <a:bodyPr/>
+                    <a:lstStyle/>
+                    <a:p>
+                      <a:r>
+                        <a:rPr lang="en-US" b="1" dirty="0"/>
+                        <a:t>Summary</a:t>
+                      </a:r>
+                      <a:r>
+                        <a:rPr lang="en-US" dirty="0"/>
+                        <a:t>: Separate programs are executed in order, data passed as aggregate between programs</a:t>
+                      </a:r>
+                    </a:p>
+                  </a:txBody>
+                  <a:tcPr/>
+                </a:tc>
+                <a:extLst>
+                  <a:ext uri="{0D108BD9-81ED-4DB2-BD59-A6C34878D82A}">
+                    <a16:rowId xmlns:a16="http://schemas.microsoft.com/office/drawing/2014/main" val="1920818122"/>
+                  </a:ext>
+                </a:extLst>
+              </a:tr>
+              <a:tr h="370840">
+                <a:tc>
+                  <a:txBody>
+                    <a:bodyPr/>
+                    <a:lstStyle/>
+                    <a:p>
+                      <a:r>
+                        <a:rPr lang="en-US" b="1" dirty="0"/>
+                        <a:t>Components</a:t>
+                      </a:r>
+                      <a:r>
+                        <a:rPr lang="en-US" dirty="0"/>
+                        <a:t>: Independent programs</a:t>
+                      </a:r>
+                    </a:p>
+                  </a:txBody>
+                  <a:tcPr/>
+                </a:tc>
+                <a:extLst>
+                  <a:ext uri="{0D108BD9-81ED-4DB2-BD59-A6C34878D82A}">
+                    <a16:rowId xmlns:a16="http://schemas.microsoft.com/office/drawing/2014/main" val="1353163784"/>
+                  </a:ext>
+                </a:extLst>
+              </a:tr>
+              <a:tr h="370840">
+                <a:tc>
+                  <a:txBody>
+                    <a:bodyPr/>
+                    <a:lstStyle/>
+                    <a:p>
+                      <a:r>
+                        <a:rPr lang="en-US" b="1" dirty="0"/>
+                        <a:t>Connectors</a:t>
+                      </a:r>
+                      <a:r>
+                        <a:rPr lang="en-US" dirty="0"/>
+                        <a:t>: The human hand carrying data between invocations – a.k.a. sneaker net</a:t>
+                      </a:r>
+                    </a:p>
+                  </a:txBody>
+                  <a:tcPr/>
+                </a:tc>
+                <a:extLst>
+                  <a:ext uri="{0D108BD9-81ED-4DB2-BD59-A6C34878D82A}">
+                    <a16:rowId xmlns:a16="http://schemas.microsoft.com/office/drawing/2014/main" val="1839859950"/>
+                  </a:ext>
+                </a:extLst>
+              </a:tr>
+              <a:tr h="370840">
+                <a:tc>
+                  <a:txBody>
+                    <a:bodyPr/>
+                    <a:lstStyle/>
+                    <a:p>
+                      <a:r>
+                        <a:rPr lang="en-US" b="1" dirty="0"/>
+                        <a:t>Data elements</a:t>
+                      </a:r>
+                      <a:r>
+                        <a:rPr lang="en-US" dirty="0"/>
+                        <a:t>: Explicit, aggregate elements passed from one program to the next</a:t>
+                      </a:r>
+                    </a:p>
+                  </a:txBody>
+                  <a:tcPr/>
+                </a:tc>
+                <a:extLst>
+                  <a:ext uri="{0D108BD9-81ED-4DB2-BD59-A6C34878D82A}">
+                    <a16:rowId xmlns:a16="http://schemas.microsoft.com/office/drawing/2014/main" val="2559742039"/>
+                  </a:ext>
+                </a:extLst>
+              </a:tr>
+              <a:tr h="370840">
+                <a:tc>
+                  <a:txBody>
+                    <a:bodyPr/>
+                    <a:lstStyle/>
+                    <a:p>
+                      <a:r>
+                        <a:rPr lang="en-US" b="1" dirty="0"/>
+                        <a:t>Topology</a:t>
+                      </a:r>
+                      <a:r>
+                        <a:rPr lang="en-US" dirty="0"/>
+                        <a:t>: Linear</a:t>
+                      </a:r>
+                    </a:p>
+                  </a:txBody>
+                  <a:tcPr/>
+                </a:tc>
+                <a:extLst>
+                  <a:ext uri="{0D108BD9-81ED-4DB2-BD59-A6C34878D82A}">
+                    <a16:rowId xmlns:a16="http://schemas.microsoft.com/office/drawing/2014/main" val="2071415196"/>
+                  </a:ext>
+                </a:extLst>
+              </a:tr>
+              <a:tr h="370840">
+                <a:tc>
+                  <a:txBody>
+                    <a:bodyPr/>
+                    <a:lstStyle/>
+                    <a:p>
+                      <a:r>
+                        <a:rPr lang="en-US" b="1" dirty="0"/>
+                        <a:t>Additional constraints</a:t>
+                      </a:r>
+                      <a:r>
+                        <a:rPr lang="en-US" dirty="0"/>
+                        <a:t>: One program at a time, to completion</a:t>
+                      </a:r>
+                    </a:p>
+                  </a:txBody>
+                  <a:tcPr/>
+                </a:tc>
+                <a:extLst>
+                  <a:ext uri="{0D108BD9-81ED-4DB2-BD59-A6C34878D82A}">
+                    <a16:rowId xmlns:a16="http://schemas.microsoft.com/office/drawing/2014/main" val="1844578667"/>
+                  </a:ext>
+                </a:extLst>
+              </a:tr>
+              <a:tr h="370840">
+                <a:tc>
+                  <a:txBody>
+                    <a:bodyPr/>
+                    <a:lstStyle/>
+                    <a:p>
+                      <a:r>
+                        <a:rPr lang="en-US" b="1" dirty="0"/>
+                        <a:t>Qualities</a:t>
+                      </a:r>
+                      <a:r>
+                        <a:rPr lang="en-US" dirty="0"/>
+                        <a:t>: Several execution, simplicity</a:t>
+                      </a:r>
+                    </a:p>
+                  </a:txBody>
+                  <a:tcPr/>
+                </a:tc>
+                <a:extLst>
+                  <a:ext uri="{0D108BD9-81ED-4DB2-BD59-A6C34878D82A}">
+                    <a16:rowId xmlns:a16="http://schemas.microsoft.com/office/drawing/2014/main" val="3672103038"/>
+                  </a:ext>
+                </a:extLst>
+              </a:tr>
+              <a:tr h="370840">
+                <a:tc>
+                  <a:txBody>
+                    <a:bodyPr/>
+                    <a:lstStyle/>
+                    <a:p>
+                      <a:endParaRPr lang="en-US" dirty="0"/>
+                    </a:p>
+                  </a:txBody>
+                  <a:tcPr/>
+                </a:tc>
+                <a:extLst>
+                  <a:ext uri="{0D108BD9-81ED-4DB2-BD59-A6C34878D82A}">
+                    <a16:rowId xmlns:a16="http://schemas.microsoft.com/office/drawing/2014/main" val="1459849202"/>
+                  </a:ext>
+                </a:extLst>
+              </a:tr>
+              <a:tr h="370840">
+                <a:tc>
+                  <a:txBody>
+                    <a:bodyPr/>
+                    <a:lstStyle/>
+                    <a:p>
+                      <a:r>
+                        <a:rPr lang="en-US" b="1" dirty="0"/>
+                        <a:t>Typical uses</a:t>
+                      </a:r>
+                      <a:r>
+                        <a:rPr lang="en-US" dirty="0"/>
+                        <a:t>: Transaction processing in large financial systems</a:t>
+                      </a:r>
+                    </a:p>
+                  </a:txBody>
+                  <a:tcPr/>
+                </a:tc>
+                <a:extLst>
+                  <a:ext uri="{0D108BD9-81ED-4DB2-BD59-A6C34878D82A}">
+                    <a16:rowId xmlns:a16="http://schemas.microsoft.com/office/drawing/2014/main" val="2052877018"/>
+                  </a:ext>
+                </a:extLst>
+              </a:tr>
+              <a:tr h="370840">
+                <a:tc>
+                  <a:txBody>
+                    <a:bodyPr/>
+                    <a:lstStyle/>
+                    <a:p>
+                      <a:r>
+                        <a:rPr lang="en-US" b="1" dirty="0"/>
+                        <a:t>Cautions</a:t>
+                      </a:r>
+                      <a:r>
+                        <a:rPr lang="en-US" dirty="0"/>
+                        <a:t>: When components need to interact; when concurrency is possible or required</a:t>
+                      </a:r>
+                    </a:p>
+                  </a:txBody>
+                  <a:tcPr/>
+                </a:tc>
+                <a:extLst>
+                  <a:ext uri="{0D108BD9-81ED-4DB2-BD59-A6C34878D82A}">
+                    <a16:rowId xmlns:a16="http://schemas.microsoft.com/office/drawing/2014/main" val="231181336"/>
+                  </a:ext>
+                </a:extLst>
+              </a:tr>
+              <a:tr h="370840">
+                <a:tc>
+                  <a:txBody>
+                    <a:bodyPr/>
+                    <a:lstStyle/>
+                    <a:p>
+                      <a:r>
+                        <a:rPr lang="en-US" b="1" dirty="0"/>
+                        <a:t>Lang. / </a:t>
+                      </a:r>
+                      <a:r>
+                        <a:rPr lang="en-US" b="1" dirty="0" err="1"/>
+                        <a:t>env</a:t>
+                      </a:r>
+                      <a:r>
+                        <a:rPr lang="en-US" b="1" dirty="0"/>
+                        <a:t>. relationships</a:t>
+                      </a:r>
+                      <a:r>
+                        <a:rPr lang="en-US" dirty="0"/>
+                        <a:t>:</a:t>
+                      </a:r>
+                    </a:p>
+                  </a:txBody>
+                  <a:tcPr/>
+                </a:tc>
+                <a:extLst>
+                  <a:ext uri="{0D108BD9-81ED-4DB2-BD59-A6C34878D82A}">
+                    <a16:rowId xmlns:a16="http://schemas.microsoft.com/office/drawing/2014/main" val="857360620"/>
+                  </a:ext>
+                </a:extLst>
+              </a:tr>
+            </a:tbl>
+          </a:graphicData>
+        </a:graphic>
+      </p:graphicFrame>
+    </p:spTree>
+    <p:extLst>
+      <p:ext uri="{BB962C8B-B14F-4D97-AF65-F5344CB8AC3E}">
+        <p14:creationId xmlns:p14="http://schemas.microsoft.com/office/powerpoint/2010/main" val="1325207041"/>
+      </p:ext>
+    </p:extLst>
+  </p:cSld>
+  <p:clrMapOvr>
+    <a:masterClrMapping/>
+  </p:clrMapOvr>
+</p:sld>
+</file>
+
+<file path=ppt/slides/slide21.xml><?xml version="1.0" encoding="utf-8"?>
+<p:sld xmlns:a="http://schemas.openxmlformats.org/drawingml/2006/main" xmlns:r="http://schemas.openxmlformats.org/officeDocument/2006/relationships" xmlns:p="http://schemas.openxmlformats.org/presentationml/2006/main">
+  <p:cSld>
+    <p:spTree>
+      <p:nvGrpSpPr>
+        <p:cNvPr id="1" name=""/>
+        <p:cNvGrpSpPr/>
+        <p:nvPr/>
+      </p:nvGrpSpPr>
+      <p:grpSpPr>
+        <a:xfrm>
+          <a:off x="0" y="0"/>
+          <a:ext cx="0" cy="0"/>
+          <a:chOff x="0" y="0"/>
+          <a:chExt cx="0" cy="0"/>
+        </a:xfrm>
+      </p:grpSpPr>
+      <p:sp>
+        <p:nvSpPr>
+          <p:cNvPr id="5" name="Title 4">
+            <a:extLst>
+              <a:ext uri="{FF2B5EF4-FFF2-40B4-BE49-F238E27FC236}">
+                <a16:creationId xmlns:a16="http://schemas.microsoft.com/office/drawing/2014/main" id="{6D2F4C59-1A85-2241-BA63-597393865818}"/>
+              </a:ext>
+            </a:extLst>
+          </p:cNvPr>
+          <p:cNvSpPr>
+            <a:spLocks noGrp="1"/>
+          </p:cNvSpPr>
+          <p:nvPr>
+            <p:ph type="title"/>
+          </p:nvPr>
+        </p:nvSpPr>
+        <p:spPr/>
+        <p:txBody>
+          <a:bodyPr/>
+          <a:lstStyle/>
+          <a:p>
+            <a:r>
+              <a:rPr lang="en-US" b="1" dirty="0"/>
+              <a:t>Style</a:t>
+            </a:r>
+            <a:r>
+              <a:rPr lang="en-US" dirty="0"/>
+              <a:t>: Pipe-and-filter</a:t>
+            </a:r>
+          </a:p>
+        </p:txBody>
+      </p:sp>
+      <p:graphicFrame>
+        <p:nvGraphicFramePr>
+          <p:cNvPr id="7" name="Content Placeholder 6">
+            <a:extLst>
+              <a:ext uri="{FF2B5EF4-FFF2-40B4-BE49-F238E27FC236}">
+                <a16:creationId xmlns:a16="http://schemas.microsoft.com/office/drawing/2014/main" id="{40A46DD3-E595-E649-960B-8B9F1334CA29}"/>
+              </a:ext>
+            </a:extLst>
+          </p:cNvPr>
+          <p:cNvGraphicFramePr>
+            <a:graphicFrameLocks noGrp="1"/>
+          </p:cNvGraphicFramePr>
+          <p:nvPr>
+            <p:ph idx="1"/>
+            <p:extLst>
+              <p:ext uri="{D42A27DB-BD31-4B8C-83A1-F6EECF244321}">
+                <p14:modId xmlns:p14="http://schemas.microsoft.com/office/powerpoint/2010/main" val="1483335111"/>
+              </p:ext>
+            </p:extLst>
+          </p:nvPr>
+        </p:nvGraphicFramePr>
+        <p:xfrm>
+          <a:off x="838200" y="1825625"/>
+          <a:ext cx="10515600" cy="4079240"/>
+        </p:xfrm>
+        <a:graphic>
+          <a:graphicData uri="http://schemas.openxmlformats.org/drawingml/2006/table">
+            <a:tbl>
+              <a:tblPr bandRow="1">
+                <a:tableStyleId>{C083E6E3-FA7D-4D7B-A595-EF9225AFEA82}</a:tableStyleId>
+              </a:tblPr>
+              <a:tblGrid>
+                <a:gridCol w="10515600">
+                  <a:extLst>
+                    <a:ext uri="{9D8B030D-6E8A-4147-A177-3AD203B41FA5}">
+                      <a16:colId xmlns:a16="http://schemas.microsoft.com/office/drawing/2014/main" val="3565431365"/>
+                    </a:ext>
+                  </a:extLst>
+                </a:gridCol>
+              </a:tblGrid>
+              <a:tr h="370840">
+                <a:tc>
+                  <a:txBody>
+                    <a:bodyPr/>
+                    <a:lstStyle/>
+                    <a:p>
+                      <a:r>
+                        <a:rPr lang="en-US" b="1" dirty="0"/>
+                        <a:t>Summary</a:t>
+                      </a:r>
+                      <a:r>
+                        <a:rPr lang="en-US" dirty="0"/>
+                        <a:t>: Separate programs are executed, potentially concurrently, data passed as stream</a:t>
+                      </a:r>
+                    </a:p>
+                  </a:txBody>
+                  <a:tcPr/>
+                </a:tc>
+                <a:extLst>
+                  <a:ext uri="{0D108BD9-81ED-4DB2-BD59-A6C34878D82A}">
+                    <a16:rowId xmlns:a16="http://schemas.microsoft.com/office/drawing/2014/main" val="1920818122"/>
+                  </a:ext>
+                </a:extLst>
+              </a:tr>
+              <a:tr h="370840">
+                <a:tc>
+                  <a:txBody>
+                    <a:bodyPr/>
+                    <a:lstStyle/>
+                    <a:p>
+                      <a:r>
+                        <a:rPr lang="en-US" b="1" dirty="0"/>
+                        <a:t>Components</a:t>
+                      </a:r>
+                      <a:r>
+                        <a:rPr lang="en-US" dirty="0"/>
+                        <a:t>: Independent programs, known as filters</a:t>
+                      </a:r>
+                    </a:p>
+                  </a:txBody>
+                  <a:tcPr/>
+                </a:tc>
+                <a:extLst>
+                  <a:ext uri="{0D108BD9-81ED-4DB2-BD59-A6C34878D82A}">
+                    <a16:rowId xmlns:a16="http://schemas.microsoft.com/office/drawing/2014/main" val="1353163784"/>
+                  </a:ext>
+                </a:extLst>
+              </a:tr>
+              <a:tr h="370840">
+                <a:tc>
+                  <a:txBody>
+                    <a:bodyPr/>
+                    <a:lstStyle/>
+                    <a:p>
+                      <a:r>
+                        <a:rPr lang="en-US" b="1" dirty="0"/>
+                        <a:t>Connectors</a:t>
+                      </a:r>
+                      <a:r>
+                        <a:rPr lang="en-US" dirty="0"/>
+                        <a:t>: Explicit routers of data streams; many times with operating system support</a:t>
+                      </a:r>
+                    </a:p>
+                  </a:txBody>
+                  <a:tcPr/>
+                </a:tc>
+                <a:extLst>
+                  <a:ext uri="{0D108BD9-81ED-4DB2-BD59-A6C34878D82A}">
+                    <a16:rowId xmlns:a16="http://schemas.microsoft.com/office/drawing/2014/main" val="1839859950"/>
+                  </a:ext>
+                </a:extLst>
+              </a:tr>
+              <a:tr h="370840">
+                <a:tc>
+                  <a:txBody>
+                    <a:bodyPr/>
+                    <a:lstStyle/>
+                    <a:p>
+                      <a:r>
+                        <a:rPr lang="en-US" b="1" dirty="0"/>
+                        <a:t>Data elements</a:t>
+                      </a:r>
+                      <a:r>
+                        <a:rPr lang="en-US" dirty="0"/>
+                        <a:t>: Not explicit, must be (linear) data streams. Typically text via </a:t>
+                      </a:r>
+                      <a:r>
+                        <a:rPr lang="en-US" dirty="0" err="1"/>
+                        <a:t>stdio</a:t>
+                      </a:r>
+                      <a:endParaRPr lang="en-US" dirty="0"/>
+                    </a:p>
+                  </a:txBody>
+                  <a:tcPr/>
+                </a:tc>
+                <a:extLst>
+                  <a:ext uri="{0D108BD9-81ED-4DB2-BD59-A6C34878D82A}">
+                    <a16:rowId xmlns:a16="http://schemas.microsoft.com/office/drawing/2014/main" val="2559742039"/>
+                  </a:ext>
+                </a:extLst>
+              </a:tr>
+              <a:tr h="370840">
+                <a:tc>
+                  <a:txBody>
+                    <a:bodyPr/>
+                    <a:lstStyle/>
+                    <a:p>
+                      <a:r>
+                        <a:rPr lang="en-US" b="1" dirty="0"/>
+                        <a:t>Topology</a:t>
+                      </a:r>
+                      <a:r>
+                        <a:rPr lang="en-US" dirty="0"/>
+                        <a:t>: Pipeline, thought it’s possible to have T fittings</a:t>
+                      </a:r>
+                    </a:p>
+                  </a:txBody>
+                  <a:tcPr/>
+                </a:tc>
+                <a:extLst>
+                  <a:ext uri="{0D108BD9-81ED-4DB2-BD59-A6C34878D82A}">
+                    <a16:rowId xmlns:a16="http://schemas.microsoft.com/office/drawing/2014/main" val="2071415196"/>
+                  </a:ext>
+                </a:extLst>
+              </a:tr>
+              <a:tr h="370840">
+                <a:tc>
+                  <a:txBody>
+                    <a:bodyPr/>
+                    <a:lstStyle/>
+                    <a:p>
+                      <a:r>
+                        <a:rPr lang="en-US" b="1" dirty="0"/>
+                        <a:t>Additional constraints</a:t>
+                      </a:r>
+                      <a:r>
+                        <a:rPr lang="en-US" dirty="0"/>
+                        <a:t>:</a:t>
+                      </a:r>
+                    </a:p>
+                  </a:txBody>
+                  <a:tcPr/>
+                </a:tc>
+                <a:extLst>
+                  <a:ext uri="{0D108BD9-81ED-4DB2-BD59-A6C34878D82A}">
+                    <a16:rowId xmlns:a16="http://schemas.microsoft.com/office/drawing/2014/main" val="1844578667"/>
+                  </a:ext>
+                </a:extLst>
+              </a:tr>
+              <a:tr h="370840">
+                <a:tc>
+                  <a:txBody>
+                    <a:bodyPr/>
+                    <a:lstStyle/>
+                    <a:p>
+                      <a:r>
+                        <a:rPr lang="en-US" b="1" dirty="0"/>
+                        <a:t>Qualities</a:t>
+                      </a:r>
+                      <a:r>
+                        <a:rPr lang="en-US" dirty="0"/>
+                        <a:t>: Filters are mutually independent. Simple structure facilitates novel combinations</a:t>
+                      </a:r>
+                    </a:p>
+                  </a:txBody>
+                  <a:tcPr/>
+                </a:tc>
+                <a:extLst>
+                  <a:ext uri="{0D108BD9-81ED-4DB2-BD59-A6C34878D82A}">
+                    <a16:rowId xmlns:a16="http://schemas.microsoft.com/office/drawing/2014/main" val="3672103038"/>
+                  </a:ext>
+                </a:extLst>
+              </a:tr>
+              <a:tr h="370840">
+                <a:tc>
+                  <a:txBody>
+                    <a:bodyPr/>
+                    <a:lstStyle/>
+                    <a:p>
+                      <a:endParaRPr lang="en-US" dirty="0"/>
+                    </a:p>
+                  </a:txBody>
+                  <a:tcPr/>
+                </a:tc>
+                <a:extLst>
+                  <a:ext uri="{0D108BD9-81ED-4DB2-BD59-A6C34878D82A}">
+                    <a16:rowId xmlns:a16="http://schemas.microsoft.com/office/drawing/2014/main" val="1459849202"/>
+                  </a:ext>
+                </a:extLst>
+              </a:tr>
+              <a:tr h="370840">
+                <a:tc>
+                  <a:txBody>
+                    <a:bodyPr/>
+                    <a:lstStyle/>
+                    <a:p>
+                      <a:r>
+                        <a:rPr lang="en-US" b="1" dirty="0"/>
+                        <a:t>Typical uses</a:t>
+                      </a:r>
+                      <a:r>
+                        <a:rPr lang="en-US" dirty="0"/>
+                        <a:t>: Ubiquitous in operating system application programming</a:t>
+                      </a:r>
+                    </a:p>
+                  </a:txBody>
+                  <a:tcPr/>
+                </a:tc>
+                <a:extLst>
+                  <a:ext uri="{0D108BD9-81ED-4DB2-BD59-A6C34878D82A}">
+                    <a16:rowId xmlns:a16="http://schemas.microsoft.com/office/drawing/2014/main" val="2052877018"/>
+                  </a:ext>
+                </a:extLst>
+              </a:tr>
+              <a:tr h="370840">
+                <a:tc>
+                  <a:txBody>
+                    <a:bodyPr/>
+                    <a:lstStyle/>
+                    <a:p>
+                      <a:r>
+                        <a:rPr lang="en-US" b="1" dirty="0"/>
+                        <a:t>Cautions</a:t>
+                      </a:r>
+                      <a:r>
+                        <a:rPr lang="en-US" dirty="0"/>
+                        <a:t>: Watch for complex data structure exchange</a:t>
+                      </a:r>
+                    </a:p>
+                  </a:txBody>
+                  <a:tcPr/>
+                </a:tc>
+                <a:extLst>
+                  <a:ext uri="{0D108BD9-81ED-4DB2-BD59-A6C34878D82A}">
+                    <a16:rowId xmlns:a16="http://schemas.microsoft.com/office/drawing/2014/main" val="231181336"/>
+                  </a:ext>
+                </a:extLst>
+              </a:tr>
+              <a:tr h="370840">
+                <a:tc>
+                  <a:txBody>
+                    <a:bodyPr/>
+                    <a:lstStyle/>
+                    <a:p>
+                      <a:r>
+                        <a:rPr lang="en-US" b="1" dirty="0"/>
+                        <a:t>Lang. / </a:t>
+                      </a:r>
+                      <a:r>
+                        <a:rPr lang="en-US" b="1" dirty="0" err="1"/>
+                        <a:t>env</a:t>
+                      </a:r>
+                      <a:r>
+                        <a:rPr lang="en-US" b="1" dirty="0"/>
+                        <a:t>. relationships</a:t>
+                      </a:r>
+                      <a:r>
+                        <a:rPr lang="en-US" dirty="0"/>
+                        <a:t>: Prevalent (required?) in UNIX shells</a:t>
+                      </a:r>
+                    </a:p>
+                  </a:txBody>
+                  <a:tcPr/>
+                </a:tc>
+                <a:extLst>
+                  <a:ext uri="{0D108BD9-81ED-4DB2-BD59-A6C34878D82A}">
+                    <a16:rowId xmlns:a16="http://schemas.microsoft.com/office/drawing/2014/main" val="857360620"/>
+                  </a:ext>
+                </a:extLst>
+              </a:tr>
+            </a:tbl>
+          </a:graphicData>
+        </a:graphic>
+      </p:graphicFrame>
+    </p:spTree>
+    <p:extLst>
+      <p:ext uri="{BB962C8B-B14F-4D97-AF65-F5344CB8AC3E}">
+        <p14:creationId xmlns:p14="http://schemas.microsoft.com/office/powerpoint/2010/main" val="2201321733"/>
+      </p:ext>
+    </p:extLst>
+  </p:cSld>
+  <p:clrMapOvr>
+    <a:masterClrMapping/>
+  </p:clrMapOvr>
+</p:sld>
+</file>
+
+<file path=ppt/slides/slide22.xml><?xml version="1.0" encoding="utf-8"?>
+<p:sld xmlns:a="http://schemas.openxmlformats.org/drawingml/2006/main" xmlns:r="http://schemas.openxmlformats.org/officeDocument/2006/relationships" xmlns:p="http://schemas.openxmlformats.org/presentationml/2006/main">
+  <p:cSld>
+    <p:spTree>
+      <p:nvGrpSpPr>
+        <p:cNvPr id="1" name=""/>
+        <p:cNvGrpSpPr/>
+        <p:nvPr/>
+      </p:nvGrpSpPr>
+      <p:grpSpPr>
+        <a:xfrm>
+          <a:off x="0" y="0"/>
+          <a:ext cx="0" cy="0"/>
+          <a:chOff x="0" y="0"/>
+          <a:chExt cx="0" cy="0"/>
+        </a:xfrm>
+      </p:grpSpPr>
+      <p:sp>
+        <p:nvSpPr>
+          <p:cNvPr id="5" name="Title 4">
+            <a:extLst>
+              <a:ext uri="{FF2B5EF4-FFF2-40B4-BE49-F238E27FC236}">
+                <a16:creationId xmlns:a16="http://schemas.microsoft.com/office/drawing/2014/main" id="{6D2F4C59-1A85-2241-BA63-597393865818}"/>
+              </a:ext>
+            </a:extLst>
+          </p:cNvPr>
+          <p:cNvSpPr>
+            <a:spLocks noGrp="1"/>
+          </p:cNvSpPr>
+          <p:nvPr>
+            <p:ph type="title"/>
+          </p:nvPr>
+        </p:nvSpPr>
+        <p:spPr/>
+        <p:txBody>
+          <a:bodyPr/>
+          <a:lstStyle/>
+          <a:p>
+            <a:r>
+              <a:rPr lang="en-US" b="1" dirty="0"/>
+              <a:t>Style</a:t>
+            </a:r>
+            <a:r>
+              <a:rPr lang="en-US" dirty="0"/>
+              <a:t>: Blackboard</a:t>
+            </a:r>
+          </a:p>
+        </p:txBody>
+      </p:sp>
+      <p:graphicFrame>
+        <p:nvGraphicFramePr>
+          <p:cNvPr id="7" name="Content Placeholder 6">
+            <a:extLst>
+              <a:ext uri="{FF2B5EF4-FFF2-40B4-BE49-F238E27FC236}">
+                <a16:creationId xmlns:a16="http://schemas.microsoft.com/office/drawing/2014/main" id="{40A46DD3-E595-E649-960B-8B9F1334CA29}"/>
+              </a:ext>
+            </a:extLst>
+          </p:cNvPr>
+          <p:cNvGraphicFramePr>
+            <a:graphicFrameLocks noGrp="1"/>
+          </p:cNvGraphicFramePr>
+          <p:nvPr>
+            <p:ph idx="1"/>
+            <p:extLst>
+              <p:ext uri="{D42A27DB-BD31-4B8C-83A1-F6EECF244321}">
+                <p14:modId xmlns:p14="http://schemas.microsoft.com/office/powerpoint/2010/main" val="4159110318"/>
+              </p:ext>
+            </p:extLst>
+          </p:nvPr>
+        </p:nvGraphicFramePr>
+        <p:xfrm>
+          <a:off x="838200" y="1825625"/>
+          <a:ext cx="10515600" cy="4079240"/>
+        </p:xfrm>
+        <a:graphic>
+          <a:graphicData uri="http://schemas.openxmlformats.org/drawingml/2006/table">
+            <a:tbl>
+              <a:tblPr bandRow="1">
+                <a:tableStyleId>{C083E6E3-FA7D-4D7B-A595-EF9225AFEA82}</a:tableStyleId>
+              </a:tblPr>
+              <a:tblGrid>
+                <a:gridCol w="10515600">
+                  <a:extLst>
+                    <a:ext uri="{9D8B030D-6E8A-4147-A177-3AD203B41FA5}">
+                      <a16:colId xmlns:a16="http://schemas.microsoft.com/office/drawing/2014/main" val="3565431365"/>
+                    </a:ext>
+                  </a:extLst>
+                </a:gridCol>
+              </a:tblGrid>
+              <a:tr h="370840">
+                <a:tc>
+                  <a:txBody>
+                    <a:bodyPr/>
+                    <a:lstStyle/>
+                    <a:p>
+                      <a:r>
+                        <a:rPr lang="en-US" b="1" dirty="0"/>
+                        <a:t>Summary</a:t>
+                      </a:r>
+                      <a:r>
+                        <a:rPr lang="en-US" dirty="0"/>
+                        <a:t>: Independent programs access and communicate through global repository known as blackboard</a:t>
+                      </a:r>
+                    </a:p>
+                  </a:txBody>
+                  <a:tcPr/>
+                </a:tc>
+                <a:extLst>
+                  <a:ext uri="{0D108BD9-81ED-4DB2-BD59-A6C34878D82A}">
+                    <a16:rowId xmlns:a16="http://schemas.microsoft.com/office/drawing/2014/main" val="1920818122"/>
+                  </a:ext>
+                </a:extLst>
+              </a:tr>
+              <a:tr h="370840">
+                <a:tc>
+                  <a:txBody>
+                    <a:bodyPr/>
+                    <a:lstStyle/>
+                    <a:p>
+                      <a:r>
+                        <a:rPr lang="en-US" b="1" dirty="0"/>
+                        <a:t>Components</a:t>
+                      </a:r>
+                      <a:r>
+                        <a:rPr lang="en-US" dirty="0"/>
+                        <a:t>: Independent programs (knowledge sources); blackboard</a:t>
+                      </a:r>
+                    </a:p>
+                  </a:txBody>
+                  <a:tcPr/>
+                </a:tc>
+                <a:extLst>
+                  <a:ext uri="{0D108BD9-81ED-4DB2-BD59-A6C34878D82A}">
+                    <a16:rowId xmlns:a16="http://schemas.microsoft.com/office/drawing/2014/main" val="1353163784"/>
+                  </a:ext>
+                </a:extLst>
+              </a:tr>
+              <a:tr h="370840">
+                <a:tc>
+                  <a:txBody>
+                    <a:bodyPr/>
+                    <a:lstStyle/>
+                    <a:p>
+                      <a:r>
+                        <a:rPr lang="en-US" b="1" dirty="0"/>
+                        <a:t>Connectors</a:t>
+                      </a:r>
+                      <a:r>
+                        <a:rPr lang="en-US" dirty="0"/>
+                        <a:t>: Access may be direct memory, RPC, or database query</a:t>
+                      </a:r>
+                    </a:p>
+                  </a:txBody>
+                  <a:tcPr/>
+                </a:tc>
+                <a:extLst>
+                  <a:ext uri="{0D108BD9-81ED-4DB2-BD59-A6C34878D82A}">
+                    <a16:rowId xmlns:a16="http://schemas.microsoft.com/office/drawing/2014/main" val="1839859950"/>
+                  </a:ext>
+                </a:extLst>
+              </a:tr>
+              <a:tr h="370840">
+                <a:tc>
+                  <a:txBody>
+                    <a:bodyPr/>
+                    <a:lstStyle/>
+                    <a:p>
+                      <a:r>
+                        <a:rPr lang="en-US" b="1" dirty="0"/>
+                        <a:t>Data elements</a:t>
+                      </a:r>
+                      <a:r>
+                        <a:rPr lang="en-US" dirty="0"/>
+                        <a:t>: Data stored in the blackboard</a:t>
+                      </a:r>
+                    </a:p>
+                  </a:txBody>
+                  <a:tcPr/>
+                </a:tc>
+                <a:extLst>
+                  <a:ext uri="{0D108BD9-81ED-4DB2-BD59-A6C34878D82A}">
+                    <a16:rowId xmlns:a16="http://schemas.microsoft.com/office/drawing/2014/main" val="2559742039"/>
+                  </a:ext>
+                </a:extLst>
+              </a:tr>
+              <a:tr h="370840">
+                <a:tc>
+                  <a:txBody>
+                    <a:bodyPr/>
+                    <a:lstStyle/>
+                    <a:p>
+                      <a:r>
+                        <a:rPr lang="en-US" b="1" dirty="0"/>
+                        <a:t>Topology</a:t>
+                      </a:r>
+                      <a:r>
+                        <a:rPr lang="en-US" dirty="0"/>
+                        <a:t>: Star topology with blackboard at the center</a:t>
+                      </a:r>
+                    </a:p>
+                  </a:txBody>
+                  <a:tcPr/>
+                </a:tc>
+                <a:extLst>
+                  <a:ext uri="{0D108BD9-81ED-4DB2-BD59-A6C34878D82A}">
+                    <a16:rowId xmlns:a16="http://schemas.microsoft.com/office/drawing/2014/main" val="2071415196"/>
+                  </a:ext>
+                </a:extLst>
+              </a:tr>
+              <a:tr h="370840">
+                <a:tc>
+                  <a:txBody>
+                    <a:bodyPr/>
+                    <a:lstStyle/>
+                    <a:p>
+                      <a:r>
+                        <a:rPr lang="en-US" b="1" dirty="0"/>
+                        <a:t>Variants</a:t>
+                      </a:r>
+                      <a:r>
+                        <a:rPr lang="en-US" dirty="0"/>
+                        <a:t>: Clients poll blackboard for changes; blackboard notifies clients of changes</a:t>
+                      </a:r>
+                    </a:p>
+                  </a:txBody>
+                  <a:tcPr/>
+                </a:tc>
+                <a:extLst>
+                  <a:ext uri="{0D108BD9-81ED-4DB2-BD59-A6C34878D82A}">
+                    <a16:rowId xmlns:a16="http://schemas.microsoft.com/office/drawing/2014/main" val="1844578667"/>
+                  </a:ext>
+                </a:extLst>
+              </a:tr>
+              <a:tr h="370840">
+                <a:tc>
+                  <a:txBody>
+                    <a:bodyPr/>
+                    <a:lstStyle/>
+                    <a:p>
+                      <a:r>
+                        <a:rPr lang="en-US" b="1" dirty="0"/>
+                        <a:t>Qualities</a:t>
+                      </a:r>
+                      <a:r>
+                        <a:rPr lang="en-US" dirty="0"/>
+                        <a:t>: Complete solutions do not have to be preplanned.</a:t>
+                      </a:r>
+                    </a:p>
+                  </a:txBody>
+                  <a:tcPr/>
+                </a:tc>
+                <a:extLst>
+                  <a:ext uri="{0D108BD9-81ED-4DB2-BD59-A6C34878D82A}">
+                    <a16:rowId xmlns:a16="http://schemas.microsoft.com/office/drawing/2014/main" val="3672103038"/>
+                  </a:ext>
+                </a:extLst>
+              </a:tr>
+              <a:tr h="370840">
+                <a:tc>
+                  <a:txBody>
+                    <a:bodyPr/>
+                    <a:lstStyle/>
+                    <a:p>
+                      <a:endParaRPr lang="en-US" dirty="0"/>
+                    </a:p>
+                  </a:txBody>
+                  <a:tcPr/>
+                </a:tc>
+                <a:extLst>
+                  <a:ext uri="{0D108BD9-81ED-4DB2-BD59-A6C34878D82A}">
+                    <a16:rowId xmlns:a16="http://schemas.microsoft.com/office/drawing/2014/main" val="1459849202"/>
+                  </a:ext>
+                </a:extLst>
+              </a:tr>
+              <a:tr h="370840">
+                <a:tc>
+                  <a:txBody>
+                    <a:bodyPr/>
+                    <a:lstStyle/>
+                    <a:p>
+                      <a:r>
+                        <a:rPr lang="en-US" b="1" dirty="0"/>
+                        <a:t>Typical uses</a:t>
+                      </a:r>
+                      <a:r>
+                        <a:rPr lang="en-US" dirty="0"/>
+                        <a:t>: Heuristic problem solving in AI applications</a:t>
+                      </a:r>
+                    </a:p>
+                  </a:txBody>
+                  <a:tcPr/>
+                </a:tc>
+                <a:extLst>
+                  <a:ext uri="{0D108BD9-81ED-4DB2-BD59-A6C34878D82A}">
+                    <a16:rowId xmlns:a16="http://schemas.microsoft.com/office/drawing/2014/main" val="2052877018"/>
+                  </a:ext>
+                </a:extLst>
+              </a:tr>
+              <a:tr h="370840">
+                <a:tc>
+                  <a:txBody>
+                    <a:bodyPr/>
+                    <a:lstStyle/>
+                    <a:p>
+                      <a:r>
+                        <a:rPr lang="en-US" b="1" dirty="0"/>
+                        <a:t>Cautions</a:t>
+                      </a:r>
+                      <a:r>
+                        <a:rPr lang="en-US" dirty="0"/>
+                        <a:t>: When a well-structured solution is available; when interactions require regulation</a:t>
+                      </a:r>
+                    </a:p>
+                  </a:txBody>
+                  <a:tcPr/>
+                </a:tc>
+                <a:extLst>
+                  <a:ext uri="{0D108BD9-81ED-4DB2-BD59-A6C34878D82A}">
+                    <a16:rowId xmlns:a16="http://schemas.microsoft.com/office/drawing/2014/main" val="231181336"/>
+                  </a:ext>
+                </a:extLst>
+              </a:tr>
+              <a:tr h="370840">
+                <a:tc>
+                  <a:txBody>
+                    <a:bodyPr/>
+                    <a:lstStyle/>
+                    <a:p>
+                      <a:r>
+                        <a:rPr lang="en-US" b="1" dirty="0"/>
+                        <a:t>Lang. / </a:t>
+                      </a:r>
+                      <a:r>
+                        <a:rPr lang="en-US" b="1" dirty="0" err="1"/>
+                        <a:t>env</a:t>
+                      </a:r>
+                      <a:r>
+                        <a:rPr lang="en-US" b="1" dirty="0"/>
+                        <a:t>. relationships</a:t>
+                      </a:r>
+                      <a:r>
+                        <a:rPr lang="en-US" dirty="0"/>
+                        <a:t>: Languages require concurrency primitives for access control</a:t>
+                      </a:r>
+                    </a:p>
+                  </a:txBody>
+                  <a:tcPr/>
+                </a:tc>
+                <a:extLst>
+                  <a:ext uri="{0D108BD9-81ED-4DB2-BD59-A6C34878D82A}">
+                    <a16:rowId xmlns:a16="http://schemas.microsoft.com/office/drawing/2014/main" val="857360620"/>
+                  </a:ext>
+                </a:extLst>
+              </a:tr>
+            </a:tbl>
+          </a:graphicData>
+        </a:graphic>
+      </p:graphicFrame>
+    </p:spTree>
+    <p:extLst>
+      <p:ext uri="{BB962C8B-B14F-4D97-AF65-F5344CB8AC3E}">
+        <p14:creationId xmlns:p14="http://schemas.microsoft.com/office/powerpoint/2010/main" val="2374613016"/>
+      </p:ext>
+    </p:extLst>
+  </p:cSld>
+  <p:clrMapOvr>
+    <a:masterClrMapping/>
+  </p:clrMapOvr>
+</p:sld>
+</file>
+
+<file path=ppt/slides/slide23.xml><?xml version="1.0" encoding="utf-8"?>
+<p:sld xmlns:a="http://schemas.openxmlformats.org/drawingml/2006/main" xmlns:r="http://schemas.openxmlformats.org/officeDocument/2006/relationships" xmlns:p="http://schemas.openxmlformats.org/presentationml/2006/main">
+  <p:cSld>
+    <p:spTree>
+      <p:nvGrpSpPr>
+        <p:cNvPr id="1" name=""/>
+        <p:cNvGrpSpPr/>
+        <p:nvPr/>
+      </p:nvGrpSpPr>
+      <p:grpSpPr>
+        <a:xfrm>
+          <a:off x="0" y="0"/>
+          <a:ext cx="0" cy="0"/>
+          <a:chOff x="0" y="0"/>
+          <a:chExt cx="0" cy="0"/>
+        </a:xfrm>
+      </p:grpSpPr>
+      <p:sp>
+        <p:nvSpPr>
+          <p:cNvPr id="5" name="Title 4">
+            <a:extLst>
+              <a:ext uri="{FF2B5EF4-FFF2-40B4-BE49-F238E27FC236}">
+                <a16:creationId xmlns:a16="http://schemas.microsoft.com/office/drawing/2014/main" id="{6D2F4C59-1A85-2241-BA63-597393865818}"/>
+              </a:ext>
+            </a:extLst>
+          </p:cNvPr>
+          <p:cNvSpPr>
+            <a:spLocks noGrp="1"/>
+          </p:cNvSpPr>
+          <p:nvPr>
+            <p:ph type="title"/>
+          </p:nvPr>
+        </p:nvSpPr>
+        <p:spPr/>
+        <p:txBody>
+          <a:bodyPr/>
+          <a:lstStyle/>
+          <a:p>
+            <a:r>
+              <a:rPr lang="en-US" b="1" dirty="0"/>
+              <a:t>Style</a:t>
+            </a:r>
+            <a:r>
+              <a:rPr lang="en-US" dirty="0"/>
+              <a:t>: Rule-based / expert system</a:t>
+            </a:r>
+          </a:p>
+        </p:txBody>
+      </p:sp>
+      <p:graphicFrame>
+        <p:nvGraphicFramePr>
+          <p:cNvPr id="7" name="Content Placeholder 6">
+            <a:extLst>
+              <a:ext uri="{FF2B5EF4-FFF2-40B4-BE49-F238E27FC236}">
+                <a16:creationId xmlns:a16="http://schemas.microsoft.com/office/drawing/2014/main" id="{40A46DD3-E595-E649-960B-8B9F1334CA29}"/>
+              </a:ext>
+            </a:extLst>
+          </p:cNvPr>
+          <p:cNvGraphicFramePr>
+            <a:graphicFrameLocks noGrp="1"/>
+          </p:cNvGraphicFramePr>
+          <p:nvPr>
+            <p:ph idx="1"/>
+            <p:extLst>
+              <p:ext uri="{D42A27DB-BD31-4B8C-83A1-F6EECF244321}">
+                <p14:modId xmlns:p14="http://schemas.microsoft.com/office/powerpoint/2010/main" val="1436506914"/>
+              </p:ext>
+            </p:extLst>
+          </p:nvPr>
+        </p:nvGraphicFramePr>
+        <p:xfrm>
+          <a:off x="838200" y="1825625"/>
+          <a:ext cx="10515600" cy="4079240"/>
+        </p:xfrm>
+        <a:graphic>
+          <a:graphicData uri="http://schemas.openxmlformats.org/drawingml/2006/table">
+            <a:tbl>
+              <a:tblPr bandRow="1">
+                <a:tableStyleId>{C083E6E3-FA7D-4D7B-A595-EF9225AFEA82}</a:tableStyleId>
+              </a:tblPr>
+              <a:tblGrid>
+                <a:gridCol w="10515600">
+                  <a:extLst>
+                    <a:ext uri="{9D8B030D-6E8A-4147-A177-3AD203B41FA5}">
+                      <a16:colId xmlns:a16="http://schemas.microsoft.com/office/drawing/2014/main" val="3565431365"/>
+                    </a:ext>
+                  </a:extLst>
+                </a:gridCol>
+              </a:tblGrid>
+              <a:tr h="370840">
+                <a:tc>
+                  <a:txBody>
+                    <a:bodyPr/>
+                    <a:lstStyle/>
+                    <a:p>
+                      <a:r>
+                        <a:rPr lang="en-US" b="1" dirty="0"/>
+                        <a:t>Summary</a:t>
+                      </a:r>
+                      <a:r>
+                        <a:rPr lang="en-US" dirty="0"/>
+                        <a:t>: Inference engine parses user input, determines type (fact/query) and acts on input</a:t>
+                      </a:r>
+                    </a:p>
+                  </a:txBody>
+                  <a:tcPr/>
+                </a:tc>
+                <a:extLst>
+                  <a:ext uri="{0D108BD9-81ED-4DB2-BD59-A6C34878D82A}">
+                    <a16:rowId xmlns:a16="http://schemas.microsoft.com/office/drawing/2014/main" val="1920818122"/>
+                  </a:ext>
+                </a:extLst>
+              </a:tr>
+              <a:tr h="370840">
+                <a:tc>
+                  <a:txBody>
+                    <a:bodyPr/>
+                    <a:lstStyle/>
+                    <a:p>
+                      <a:r>
+                        <a:rPr lang="en-US" b="1" dirty="0"/>
+                        <a:t>Components</a:t>
+                      </a:r>
+                      <a:r>
+                        <a:rPr lang="en-US" dirty="0"/>
+                        <a:t>: User interface, inference engine, knowledge base</a:t>
+                      </a:r>
+                    </a:p>
+                  </a:txBody>
+                  <a:tcPr/>
+                </a:tc>
+                <a:extLst>
+                  <a:ext uri="{0D108BD9-81ED-4DB2-BD59-A6C34878D82A}">
+                    <a16:rowId xmlns:a16="http://schemas.microsoft.com/office/drawing/2014/main" val="1353163784"/>
+                  </a:ext>
+                </a:extLst>
+              </a:tr>
+              <a:tr h="370840">
+                <a:tc>
+                  <a:txBody>
+                    <a:bodyPr/>
+                    <a:lstStyle/>
+                    <a:p>
+                      <a:r>
+                        <a:rPr lang="en-US" b="1" dirty="0"/>
+                        <a:t>Connectors</a:t>
+                      </a:r>
+                      <a:r>
+                        <a:rPr lang="en-US" dirty="0"/>
+                        <a:t>: Components are tightly interconnected with LPC or shared data access</a:t>
+                      </a:r>
+                    </a:p>
+                  </a:txBody>
+                  <a:tcPr/>
+                </a:tc>
+                <a:extLst>
+                  <a:ext uri="{0D108BD9-81ED-4DB2-BD59-A6C34878D82A}">
+                    <a16:rowId xmlns:a16="http://schemas.microsoft.com/office/drawing/2014/main" val="1839859950"/>
+                  </a:ext>
+                </a:extLst>
+              </a:tr>
+              <a:tr h="370840">
+                <a:tc>
+                  <a:txBody>
+                    <a:bodyPr/>
+                    <a:lstStyle/>
+                    <a:p>
+                      <a:r>
+                        <a:rPr lang="en-US" b="1" dirty="0"/>
+                        <a:t>Data elements</a:t>
+                      </a:r>
+                      <a:r>
+                        <a:rPr lang="en-US" dirty="0"/>
+                        <a:t>: Facts and queries</a:t>
+                      </a:r>
+                    </a:p>
+                  </a:txBody>
+                  <a:tcPr/>
+                </a:tc>
+                <a:extLst>
+                  <a:ext uri="{0D108BD9-81ED-4DB2-BD59-A6C34878D82A}">
+                    <a16:rowId xmlns:a16="http://schemas.microsoft.com/office/drawing/2014/main" val="2559742039"/>
+                  </a:ext>
+                </a:extLst>
+              </a:tr>
+              <a:tr h="370840">
+                <a:tc>
+                  <a:txBody>
+                    <a:bodyPr/>
+                    <a:lstStyle/>
+                    <a:p>
+                      <a:r>
+                        <a:rPr lang="en-US" b="1" dirty="0"/>
+                        <a:t>Topology</a:t>
+                      </a:r>
+                      <a:r>
+                        <a:rPr lang="en-US" dirty="0"/>
+                        <a:t>: Tightly-coupled three-tier</a:t>
+                      </a:r>
+                    </a:p>
+                  </a:txBody>
+                  <a:tcPr/>
+                </a:tc>
+                <a:extLst>
+                  <a:ext uri="{0D108BD9-81ED-4DB2-BD59-A6C34878D82A}">
+                    <a16:rowId xmlns:a16="http://schemas.microsoft.com/office/drawing/2014/main" val="2071415196"/>
+                  </a:ext>
+                </a:extLst>
+              </a:tr>
+              <a:tr h="370840">
+                <a:tc>
+                  <a:txBody>
+                    <a:bodyPr/>
+                    <a:lstStyle/>
+                    <a:p>
+                      <a:r>
+                        <a:rPr lang="en-US" b="1" dirty="0"/>
+                        <a:t>Additional constraints</a:t>
+                      </a:r>
+                      <a:r>
+                        <a:rPr lang="en-US" dirty="0"/>
+                        <a:t>: Behavior easily modified through modification of knowledge base</a:t>
+                      </a:r>
+                    </a:p>
+                  </a:txBody>
+                  <a:tcPr/>
+                </a:tc>
+                <a:extLst>
+                  <a:ext uri="{0D108BD9-81ED-4DB2-BD59-A6C34878D82A}">
+                    <a16:rowId xmlns:a16="http://schemas.microsoft.com/office/drawing/2014/main" val="1844578667"/>
+                  </a:ext>
+                </a:extLst>
+              </a:tr>
+              <a:tr h="370840">
+                <a:tc>
+                  <a:txBody>
+                    <a:bodyPr/>
+                    <a:lstStyle/>
+                    <a:p>
+                      <a:r>
+                        <a:rPr lang="en-US" b="1" dirty="0"/>
+                        <a:t>Qualities</a:t>
+                      </a:r>
+                      <a:r>
+                        <a:rPr lang="en-US" dirty="0"/>
+                        <a:t>:</a:t>
+                      </a:r>
+                    </a:p>
+                  </a:txBody>
+                  <a:tcPr/>
+                </a:tc>
+                <a:extLst>
+                  <a:ext uri="{0D108BD9-81ED-4DB2-BD59-A6C34878D82A}">
+                    <a16:rowId xmlns:a16="http://schemas.microsoft.com/office/drawing/2014/main" val="3672103038"/>
+                  </a:ext>
+                </a:extLst>
+              </a:tr>
+              <a:tr h="370840">
+                <a:tc>
+                  <a:txBody>
+                    <a:bodyPr/>
+                    <a:lstStyle/>
+                    <a:p>
+                      <a:endParaRPr lang="en-US" dirty="0"/>
+                    </a:p>
+                  </a:txBody>
+                  <a:tcPr/>
+                </a:tc>
+                <a:extLst>
+                  <a:ext uri="{0D108BD9-81ED-4DB2-BD59-A6C34878D82A}">
+                    <a16:rowId xmlns:a16="http://schemas.microsoft.com/office/drawing/2014/main" val="1459849202"/>
+                  </a:ext>
+                </a:extLst>
+              </a:tr>
+              <a:tr h="370840">
+                <a:tc>
+                  <a:txBody>
+                    <a:bodyPr/>
+                    <a:lstStyle/>
+                    <a:p>
+                      <a:r>
+                        <a:rPr lang="en-US" b="1" dirty="0"/>
+                        <a:t>Typical uses</a:t>
+                      </a:r>
+                      <a:r>
+                        <a:rPr lang="en-US" dirty="0"/>
+                        <a:t>: When the problem can be understood as a set of repeating predicate resolutions</a:t>
+                      </a:r>
+                    </a:p>
+                  </a:txBody>
+                  <a:tcPr/>
+                </a:tc>
+                <a:extLst>
+                  <a:ext uri="{0D108BD9-81ED-4DB2-BD59-A6C34878D82A}">
+                    <a16:rowId xmlns:a16="http://schemas.microsoft.com/office/drawing/2014/main" val="2052877018"/>
+                  </a:ext>
+                </a:extLst>
+              </a:tr>
+              <a:tr h="370840">
+                <a:tc>
+                  <a:txBody>
+                    <a:bodyPr/>
+                    <a:lstStyle/>
+                    <a:p>
+                      <a:r>
+                        <a:rPr lang="en-US" b="1" dirty="0"/>
+                        <a:t>Cautions</a:t>
+                      </a:r>
+                      <a:r>
+                        <a:rPr lang="en-US" dirty="0"/>
+                        <a:t>: Large number </a:t>
+                      </a:r>
+                      <a:r>
+                        <a:rPr lang="en-US"/>
+                        <a:t>of rules; </a:t>
+                      </a:r>
+                      <a:endParaRPr lang="en-US" dirty="0"/>
+                    </a:p>
+                  </a:txBody>
+                  <a:tcPr/>
+                </a:tc>
+                <a:extLst>
+                  <a:ext uri="{0D108BD9-81ED-4DB2-BD59-A6C34878D82A}">
+                    <a16:rowId xmlns:a16="http://schemas.microsoft.com/office/drawing/2014/main" val="231181336"/>
+                  </a:ext>
+                </a:extLst>
+              </a:tr>
+              <a:tr h="370840">
+                <a:tc>
+                  <a:txBody>
+                    <a:bodyPr/>
+                    <a:lstStyle/>
+                    <a:p>
+                      <a:r>
+                        <a:rPr lang="en-US" b="1" dirty="0"/>
+                        <a:t>Lang. / </a:t>
+                      </a:r>
+                      <a:r>
+                        <a:rPr lang="en-US" b="1" dirty="0" err="1"/>
+                        <a:t>env</a:t>
+                      </a:r>
+                      <a:r>
+                        <a:rPr lang="en-US" b="1" dirty="0"/>
+                        <a:t>. relationships</a:t>
+                      </a:r>
+                      <a:r>
+                        <a:rPr lang="en-US" dirty="0"/>
+                        <a:t>: Prolog is a common language used for expert systems</a:t>
+                      </a:r>
+                    </a:p>
+                  </a:txBody>
+                  <a:tcPr/>
+                </a:tc>
+                <a:extLst>
+                  <a:ext uri="{0D108BD9-81ED-4DB2-BD59-A6C34878D82A}">
+                    <a16:rowId xmlns:a16="http://schemas.microsoft.com/office/drawing/2014/main" val="857360620"/>
+                  </a:ext>
+                </a:extLst>
+              </a:tr>
+            </a:tbl>
+          </a:graphicData>
+        </a:graphic>
+      </p:graphicFrame>
+    </p:spTree>
+    <p:extLst>
+      <p:ext uri="{BB962C8B-B14F-4D97-AF65-F5344CB8AC3E}">
+        <p14:creationId xmlns:p14="http://schemas.microsoft.com/office/powerpoint/2010/main" val="4093314078"/>
+      </p:ext>
+    </p:extLst>
+  </p:cSld>
+  <p:clrMapOvr>
+    <a:masterClrMapping/>
+  </p:clrMapOvr>
+</p:sld>
+</file>
+
+<file path=ppt/slides/slide24.xml><?xml version="1.0" encoding="utf-8"?>
+<p:sld xmlns:a="http://schemas.openxmlformats.org/drawingml/2006/main" xmlns:r="http://schemas.openxmlformats.org/officeDocument/2006/relationships" xmlns:p="http://schemas.openxmlformats.org/presentationml/2006/main">
+  <p:cSld>
+    <p:spTree>
+      <p:nvGrpSpPr>
+        <p:cNvPr id="1" name=""/>
+        <p:cNvGrpSpPr/>
+        <p:nvPr/>
+      </p:nvGrpSpPr>
+      <p:grpSpPr>
+        <a:xfrm>
+          <a:off x="0" y="0"/>
+          <a:ext cx="0" cy="0"/>
+          <a:chOff x="0" y="0"/>
+          <a:chExt cx="0" cy="0"/>
+        </a:xfrm>
+      </p:grpSpPr>
+      <p:sp>
+        <p:nvSpPr>
+          <p:cNvPr id="5" name="Title 4">
+            <a:extLst>
+              <a:ext uri="{FF2B5EF4-FFF2-40B4-BE49-F238E27FC236}">
+                <a16:creationId xmlns:a16="http://schemas.microsoft.com/office/drawing/2014/main" id="{6D2F4C59-1A85-2241-BA63-597393865818}"/>
+              </a:ext>
+            </a:extLst>
+          </p:cNvPr>
+          <p:cNvSpPr>
+            <a:spLocks noGrp="1"/>
+          </p:cNvSpPr>
+          <p:nvPr>
+            <p:ph type="title"/>
+          </p:nvPr>
+        </p:nvSpPr>
+        <p:spPr/>
+        <p:txBody>
+          <a:bodyPr/>
+          <a:lstStyle/>
+          <a:p>
+            <a:r>
+              <a:rPr lang="en-US" b="1" dirty="0"/>
+              <a:t>Style</a:t>
+            </a:r>
+            <a:r>
+              <a:rPr lang="en-US" dirty="0"/>
+              <a:t>: Interpreter</a:t>
+            </a:r>
+          </a:p>
+        </p:txBody>
+      </p:sp>
+      <p:graphicFrame>
+        <p:nvGraphicFramePr>
+          <p:cNvPr id="7" name="Content Placeholder 6">
+            <a:extLst>
+              <a:ext uri="{FF2B5EF4-FFF2-40B4-BE49-F238E27FC236}">
+                <a16:creationId xmlns:a16="http://schemas.microsoft.com/office/drawing/2014/main" id="{40A46DD3-E595-E649-960B-8B9F1334CA29}"/>
+              </a:ext>
+            </a:extLst>
+          </p:cNvPr>
+          <p:cNvGraphicFramePr>
+            <a:graphicFrameLocks noGrp="1"/>
+          </p:cNvGraphicFramePr>
+          <p:nvPr>
+            <p:ph idx="1"/>
+            <p:extLst>
+              <p:ext uri="{D42A27DB-BD31-4B8C-83A1-F6EECF244321}">
+                <p14:modId xmlns:p14="http://schemas.microsoft.com/office/powerpoint/2010/main" val="2535758783"/>
+              </p:ext>
+            </p:extLst>
+          </p:nvPr>
+        </p:nvGraphicFramePr>
+        <p:xfrm>
+          <a:off x="838200" y="1825625"/>
+          <a:ext cx="10515600" cy="4079240"/>
+        </p:xfrm>
+        <a:graphic>
+          <a:graphicData uri="http://schemas.openxmlformats.org/drawingml/2006/table">
+            <a:tbl>
+              <a:tblPr bandRow="1">
+                <a:tableStyleId>{C083E6E3-FA7D-4D7B-A595-EF9225AFEA82}</a:tableStyleId>
+              </a:tblPr>
+              <a:tblGrid>
+                <a:gridCol w="10515600">
+                  <a:extLst>
+                    <a:ext uri="{9D8B030D-6E8A-4147-A177-3AD203B41FA5}">
+                      <a16:colId xmlns:a16="http://schemas.microsoft.com/office/drawing/2014/main" val="3565431365"/>
+                    </a:ext>
+                  </a:extLst>
+                </a:gridCol>
+              </a:tblGrid>
+              <a:tr h="370840">
+                <a:tc>
+                  <a:txBody>
+                    <a:bodyPr/>
+                    <a:lstStyle/>
+                    <a:p>
+                      <a:r>
+                        <a:rPr lang="en-US" b="1" dirty="0"/>
+                        <a:t>Summary</a:t>
+                      </a:r>
+                      <a:r>
+                        <a:rPr lang="en-US" dirty="0"/>
+                        <a:t>: Interpreter parses and executes input commands, updating state</a:t>
+                      </a:r>
+                    </a:p>
+                  </a:txBody>
+                  <a:tcPr/>
+                </a:tc>
+                <a:extLst>
+                  <a:ext uri="{0D108BD9-81ED-4DB2-BD59-A6C34878D82A}">
+                    <a16:rowId xmlns:a16="http://schemas.microsoft.com/office/drawing/2014/main" val="1920818122"/>
+                  </a:ext>
+                </a:extLst>
+              </a:tr>
+              <a:tr h="370840">
+                <a:tc>
+                  <a:txBody>
+                    <a:bodyPr/>
+                    <a:lstStyle/>
+                    <a:p>
+                      <a:r>
+                        <a:rPr lang="en-US" b="1" dirty="0"/>
+                        <a:t>Components</a:t>
+                      </a:r>
+                      <a:r>
+                        <a:rPr lang="en-US" dirty="0"/>
+                        <a:t>: Command interpreter, program / interpreter state, user interface</a:t>
+                      </a:r>
+                    </a:p>
+                  </a:txBody>
+                  <a:tcPr/>
+                </a:tc>
+                <a:extLst>
+                  <a:ext uri="{0D108BD9-81ED-4DB2-BD59-A6C34878D82A}">
+                    <a16:rowId xmlns:a16="http://schemas.microsoft.com/office/drawing/2014/main" val="1353163784"/>
+                  </a:ext>
+                </a:extLst>
+              </a:tr>
+              <a:tr h="370840">
+                <a:tc>
+                  <a:txBody>
+                    <a:bodyPr/>
+                    <a:lstStyle/>
+                    <a:p>
+                      <a:r>
+                        <a:rPr lang="en-US" b="1" dirty="0"/>
+                        <a:t>Connectors</a:t>
+                      </a:r>
+                      <a:r>
+                        <a:rPr lang="en-US" dirty="0"/>
+                        <a:t>: Typically closely bound with direct procedure calls</a:t>
+                      </a:r>
+                    </a:p>
+                  </a:txBody>
+                  <a:tcPr/>
+                </a:tc>
+                <a:extLst>
+                  <a:ext uri="{0D108BD9-81ED-4DB2-BD59-A6C34878D82A}">
+                    <a16:rowId xmlns:a16="http://schemas.microsoft.com/office/drawing/2014/main" val="1839859950"/>
+                  </a:ext>
+                </a:extLst>
+              </a:tr>
+              <a:tr h="370840">
+                <a:tc>
+                  <a:txBody>
+                    <a:bodyPr/>
+                    <a:lstStyle/>
+                    <a:p>
+                      <a:r>
+                        <a:rPr lang="en-US" b="1" dirty="0"/>
+                        <a:t>Data elements</a:t>
+                      </a:r>
+                      <a:r>
+                        <a:rPr lang="en-US" dirty="0"/>
+                        <a:t>: Commands</a:t>
+                      </a:r>
+                    </a:p>
+                  </a:txBody>
+                  <a:tcPr/>
+                </a:tc>
+                <a:extLst>
+                  <a:ext uri="{0D108BD9-81ED-4DB2-BD59-A6C34878D82A}">
+                    <a16:rowId xmlns:a16="http://schemas.microsoft.com/office/drawing/2014/main" val="2559742039"/>
+                  </a:ext>
+                </a:extLst>
+              </a:tr>
+              <a:tr h="370840">
+                <a:tc>
+                  <a:txBody>
+                    <a:bodyPr/>
+                    <a:lstStyle/>
+                    <a:p>
+                      <a:r>
+                        <a:rPr lang="en-US" b="1" dirty="0"/>
+                        <a:t>Topology</a:t>
+                      </a:r>
+                      <a:r>
+                        <a:rPr lang="en-US" dirty="0"/>
+                        <a:t>: Tightly-coupled three-tier</a:t>
+                      </a:r>
+                    </a:p>
+                  </a:txBody>
+                  <a:tcPr/>
+                </a:tc>
+                <a:extLst>
+                  <a:ext uri="{0D108BD9-81ED-4DB2-BD59-A6C34878D82A}">
+                    <a16:rowId xmlns:a16="http://schemas.microsoft.com/office/drawing/2014/main" val="2071415196"/>
+                  </a:ext>
+                </a:extLst>
+              </a:tr>
+              <a:tr h="370840">
+                <a:tc>
+                  <a:txBody>
+                    <a:bodyPr/>
+                    <a:lstStyle/>
+                    <a:p>
+                      <a:r>
+                        <a:rPr lang="en-US" b="1" dirty="0"/>
+                        <a:t>Additional constraints</a:t>
+                      </a:r>
+                      <a:r>
+                        <a:rPr lang="en-US" dirty="0"/>
+                        <a:t>: </a:t>
+                      </a:r>
+                    </a:p>
+                  </a:txBody>
+                  <a:tcPr/>
+                </a:tc>
+                <a:extLst>
+                  <a:ext uri="{0D108BD9-81ED-4DB2-BD59-A6C34878D82A}">
+                    <a16:rowId xmlns:a16="http://schemas.microsoft.com/office/drawing/2014/main" val="1844578667"/>
+                  </a:ext>
+                </a:extLst>
+              </a:tr>
+              <a:tr h="370840">
+                <a:tc>
+                  <a:txBody>
+                    <a:bodyPr/>
+                    <a:lstStyle/>
+                    <a:p>
+                      <a:r>
+                        <a:rPr lang="en-US" b="1" dirty="0"/>
+                        <a:t>Qualities</a:t>
+                      </a:r>
+                      <a:r>
+                        <a:rPr lang="en-US" dirty="0"/>
+                        <a:t>: Highly-dynamic behavior is possible, parsed input may exhibit extensions</a:t>
+                      </a:r>
+                    </a:p>
+                  </a:txBody>
+                  <a:tcPr/>
+                </a:tc>
+                <a:extLst>
+                  <a:ext uri="{0D108BD9-81ED-4DB2-BD59-A6C34878D82A}">
+                    <a16:rowId xmlns:a16="http://schemas.microsoft.com/office/drawing/2014/main" val="3672103038"/>
+                  </a:ext>
+                </a:extLst>
+              </a:tr>
+              <a:tr h="370840">
+                <a:tc>
+                  <a:txBody>
+                    <a:bodyPr/>
+                    <a:lstStyle/>
+                    <a:p>
+                      <a:endParaRPr lang="en-US" dirty="0"/>
+                    </a:p>
+                  </a:txBody>
+                  <a:tcPr/>
+                </a:tc>
+                <a:extLst>
+                  <a:ext uri="{0D108BD9-81ED-4DB2-BD59-A6C34878D82A}">
+                    <a16:rowId xmlns:a16="http://schemas.microsoft.com/office/drawing/2014/main" val="1459849202"/>
+                  </a:ext>
+                </a:extLst>
+              </a:tr>
+              <a:tr h="370840">
+                <a:tc>
+                  <a:txBody>
+                    <a:bodyPr/>
+                    <a:lstStyle/>
+                    <a:p>
+                      <a:r>
+                        <a:rPr lang="en-US" b="1" dirty="0"/>
+                        <a:t>Typical uses</a:t>
+                      </a:r>
+                      <a:r>
+                        <a:rPr lang="en-US" dirty="0"/>
+                        <a:t>: Superb for end user programmability</a:t>
+                      </a:r>
+                    </a:p>
+                  </a:txBody>
+                  <a:tcPr/>
+                </a:tc>
+                <a:extLst>
+                  <a:ext uri="{0D108BD9-81ED-4DB2-BD59-A6C34878D82A}">
+                    <a16:rowId xmlns:a16="http://schemas.microsoft.com/office/drawing/2014/main" val="2052877018"/>
+                  </a:ext>
+                </a:extLst>
+              </a:tr>
+              <a:tr h="370840">
+                <a:tc>
+                  <a:txBody>
+                    <a:bodyPr/>
+                    <a:lstStyle/>
+                    <a:p>
+                      <a:r>
+                        <a:rPr lang="en-US" b="1" dirty="0"/>
+                        <a:t>Cautions</a:t>
+                      </a:r>
+                      <a:r>
+                        <a:rPr lang="en-US" dirty="0"/>
+                        <a:t>: May be slower to execute, memory management may be an issue</a:t>
+                      </a:r>
+                    </a:p>
+                  </a:txBody>
+                  <a:tcPr/>
+                </a:tc>
+                <a:extLst>
+                  <a:ext uri="{0D108BD9-81ED-4DB2-BD59-A6C34878D82A}">
+                    <a16:rowId xmlns:a16="http://schemas.microsoft.com/office/drawing/2014/main" val="231181336"/>
+                  </a:ext>
+                </a:extLst>
+              </a:tr>
+              <a:tr h="370840">
+                <a:tc>
+                  <a:txBody>
+                    <a:bodyPr/>
+                    <a:lstStyle/>
+                    <a:p>
+                      <a:r>
+                        <a:rPr lang="en-US" b="1" dirty="0"/>
+                        <a:t>Lang. / </a:t>
+                      </a:r>
+                      <a:r>
+                        <a:rPr lang="en-US" b="1" dirty="0" err="1"/>
+                        <a:t>env</a:t>
+                      </a:r>
+                      <a:r>
+                        <a:rPr lang="en-US" b="1" dirty="0"/>
+                        <a:t>. relationships</a:t>
+                      </a:r>
+                      <a:r>
+                        <a:rPr lang="en-US" dirty="0"/>
+                        <a:t>: LISP and scheme are interpreted languages, </a:t>
+                      </a:r>
+                      <a:r>
+                        <a:rPr lang="en-US" dirty="0" err="1"/>
+                        <a:t>javascript</a:t>
+                      </a:r>
+                      <a:r>
+                        <a:rPr lang="en-US" dirty="0"/>
+                        <a:t>, macros</a:t>
+                      </a:r>
+                    </a:p>
+                  </a:txBody>
+                  <a:tcPr/>
+                </a:tc>
+                <a:extLst>
+                  <a:ext uri="{0D108BD9-81ED-4DB2-BD59-A6C34878D82A}">
+                    <a16:rowId xmlns:a16="http://schemas.microsoft.com/office/drawing/2014/main" val="857360620"/>
+                  </a:ext>
+                </a:extLst>
+              </a:tr>
+            </a:tbl>
+          </a:graphicData>
+        </a:graphic>
+      </p:graphicFrame>
+    </p:spTree>
+    <p:extLst>
+      <p:ext uri="{BB962C8B-B14F-4D97-AF65-F5344CB8AC3E}">
+        <p14:creationId xmlns:p14="http://schemas.microsoft.com/office/powerpoint/2010/main" val="2755529997"/>
+      </p:ext>
+    </p:extLst>
+  </p:cSld>
+  <p:clrMapOvr>
+    <a:masterClrMapping/>
+  </p:clrMapOvr>
+</p:sld>
+</file>
+
+<file path=ppt/slides/slide25.xml><?xml version="1.0" encoding="utf-8"?>
+<p:sld xmlns:a="http://schemas.openxmlformats.org/drawingml/2006/main" xmlns:r="http://schemas.openxmlformats.org/officeDocument/2006/relationships" xmlns:p="http://schemas.openxmlformats.org/presentationml/2006/main">
+  <p:cSld>
+    <p:spTree>
+      <p:nvGrpSpPr>
+        <p:cNvPr id="1" name=""/>
+        <p:cNvGrpSpPr/>
+        <p:nvPr/>
+      </p:nvGrpSpPr>
+      <p:grpSpPr>
+        <a:xfrm>
+          <a:off x="0" y="0"/>
+          <a:ext cx="0" cy="0"/>
+          <a:chOff x="0" y="0"/>
+          <a:chExt cx="0" cy="0"/>
+        </a:xfrm>
+      </p:grpSpPr>
+      <p:sp>
+        <p:nvSpPr>
+          <p:cNvPr id="5" name="Title 4">
+            <a:extLst>
+              <a:ext uri="{FF2B5EF4-FFF2-40B4-BE49-F238E27FC236}">
+                <a16:creationId xmlns:a16="http://schemas.microsoft.com/office/drawing/2014/main" id="{6D2F4C59-1A85-2241-BA63-597393865818}"/>
+              </a:ext>
+            </a:extLst>
+          </p:cNvPr>
+          <p:cNvSpPr>
+            <a:spLocks noGrp="1"/>
+          </p:cNvSpPr>
+          <p:nvPr>
+            <p:ph type="title"/>
+          </p:nvPr>
+        </p:nvSpPr>
+        <p:spPr/>
+        <p:txBody>
+          <a:bodyPr/>
+          <a:lstStyle/>
+          <a:p>
+            <a:r>
+              <a:rPr lang="en-US" b="1" dirty="0"/>
+              <a:t>Style</a:t>
+            </a:r>
+            <a:r>
+              <a:rPr lang="en-US" dirty="0"/>
+              <a:t>: Mobile code</a:t>
+            </a:r>
+          </a:p>
+        </p:txBody>
+      </p:sp>
+      <p:graphicFrame>
+        <p:nvGraphicFramePr>
+          <p:cNvPr id="7" name="Content Placeholder 6">
+            <a:extLst>
+              <a:ext uri="{FF2B5EF4-FFF2-40B4-BE49-F238E27FC236}">
+                <a16:creationId xmlns:a16="http://schemas.microsoft.com/office/drawing/2014/main" id="{40A46DD3-E595-E649-960B-8B9F1334CA29}"/>
+              </a:ext>
+            </a:extLst>
+          </p:cNvPr>
+          <p:cNvGraphicFramePr>
+            <a:graphicFrameLocks noGrp="1"/>
+          </p:cNvGraphicFramePr>
+          <p:nvPr>
+            <p:ph idx="1"/>
+            <p:extLst>
+              <p:ext uri="{D42A27DB-BD31-4B8C-83A1-F6EECF244321}">
+                <p14:modId xmlns:p14="http://schemas.microsoft.com/office/powerpoint/2010/main" val="3065921353"/>
+              </p:ext>
+            </p:extLst>
+          </p:nvPr>
+        </p:nvGraphicFramePr>
+        <p:xfrm>
+          <a:off x="838200" y="1825625"/>
+          <a:ext cx="10515600" cy="4079240"/>
+        </p:xfrm>
+        <a:graphic>
+          <a:graphicData uri="http://schemas.openxmlformats.org/drawingml/2006/table">
+            <a:tbl>
+              <a:tblPr bandRow="1">
+                <a:tableStyleId>{C083E6E3-FA7D-4D7B-A595-EF9225AFEA82}</a:tableStyleId>
+              </a:tblPr>
+              <a:tblGrid>
+                <a:gridCol w="10515600">
+                  <a:extLst>
+                    <a:ext uri="{9D8B030D-6E8A-4147-A177-3AD203B41FA5}">
+                      <a16:colId xmlns:a16="http://schemas.microsoft.com/office/drawing/2014/main" val="3565431365"/>
+                    </a:ext>
+                  </a:extLst>
+                </a:gridCol>
+              </a:tblGrid>
+              <a:tr h="370840">
+                <a:tc>
+                  <a:txBody>
+                    <a:bodyPr/>
+                    <a:lstStyle/>
+                    <a:p>
+                      <a:r>
+                        <a:rPr lang="en-US" b="1" dirty="0"/>
+                        <a:t>Summary</a:t>
+                      </a:r>
+                      <a:r>
+                        <a:rPr lang="en-US" dirty="0"/>
+                        <a:t>: Code moves to be interpreted on another host, occasionally state does as well</a:t>
+                      </a:r>
+                    </a:p>
+                  </a:txBody>
+                  <a:tcPr/>
+                </a:tc>
+                <a:extLst>
+                  <a:ext uri="{0D108BD9-81ED-4DB2-BD59-A6C34878D82A}">
+                    <a16:rowId xmlns:a16="http://schemas.microsoft.com/office/drawing/2014/main" val="1920818122"/>
+                  </a:ext>
+                </a:extLst>
+              </a:tr>
+              <a:tr h="370840">
+                <a:tc>
+                  <a:txBody>
+                    <a:bodyPr/>
+                    <a:lstStyle/>
+                    <a:p>
+                      <a:r>
+                        <a:rPr lang="en-US" b="1" dirty="0"/>
+                        <a:t>Components</a:t>
+                      </a:r>
+                      <a:r>
+                        <a:rPr lang="en-US" dirty="0"/>
+                        <a:t>: Execution dock which handles receipt and deployment, compiler/interpreter</a:t>
+                      </a:r>
+                    </a:p>
+                  </a:txBody>
+                  <a:tcPr/>
+                </a:tc>
+                <a:extLst>
+                  <a:ext uri="{0D108BD9-81ED-4DB2-BD59-A6C34878D82A}">
+                    <a16:rowId xmlns:a16="http://schemas.microsoft.com/office/drawing/2014/main" val="1353163784"/>
+                  </a:ext>
+                </a:extLst>
+              </a:tr>
+              <a:tr h="370840">
+                <a:tc>
+                  <a:txBody>
+                    <a:bodyPr/>
+                    <a:lstStyle/>
+                    <a:p>
+                      <a:r>
+                        <a:rPr lang="en-US" b="1" dirty="0"/>
+                        <a:t>Connectors</a:t>
+                      </a:r>
+                      <a:r>
+                        <a:rPr lang="en-US" dirty="0"/>
+                        <a:t>: Network protocols and elements for packaging code</a:t>
+                      </a:r>
+                    </a:p>
+                  </a:txBody>
+                  <a:tcPr/>
+                </a:tc>
+                <a:extLst>
+                  <a:ext uri="{0D108BD9-81ED-4DB2-BD59-A6C34878D82A}">
+                    <a16:rowId xmlns:a16="http://schemas.microsoft.com/office/drawing/2014/main" val="1839859950"/>
+                  </a:ext>
+                </a:extLst>
+              </a:tr>
+              <a:tr h="370840">
+                <a:tc>
+                  <a:txBody>
+                    <a:bodyPr/>
+                    <a:lstStyle/>
+                    <a:p>
+                      <a:r>
+                        <a:rPr lang="en-US" b="1" dirty="0"/>
+                        <a:t>Data elements</a:t>
+                      </a:r>
+                      <a:r>
+                        <a:rPr lang="en-US" dirty="0"/>
+                        <a:t>: Representation of code as data; program data; state</a:t>
+                      </a:r>
+                    </a:p>
+                  </a:txBody>
+                  <a:tcPr/>
+                </a:tc>
+                <a:extLst>
+                  <a:ext uri="{0D108BD9-81ED-4DB2-BD59-A6C34878D82A}">
+                    <a16:rowId xmlns:a16="http://schemas.microsoft.com/office/drawing/2014/main" val="2559742039"/>
+                  </a:ext>
+                </a:extLst>
+              </a:tr>
+              <a:tr h="370840">
+                <a:tc>
+                  <a:txBody>
+                    <a:bodyPr/>
+                    <a:lstStyle/>
+                    <a:p>
+                      <a:r>
+                        <a:rPr lang="en-US" b="1" dirty="0"/>
+                        <a:t>Topology</a:t>
+                      </a:r>
+                      <a:r>
+                        <a:rPr lang="en-US" dirty="0"/>
+                        <a:t>: Network</a:t>
+                      </a:r>
+                    </a:p>
+                  </a:txBody>
+                  <a:tcPr/>
+                </a:tc>
+                <a:extLst>
+                  <a:ext uri="{0D108BD9-81ED-4DB2-BD59-A6C34878D82A}">
+                    <a16:rowId xmlns:a16="http://schemas.microsoft.com/office/drawing/2014/main" val="2071415196"/>
+                  </a:ext>
+                </a:extLst>
+              </a:tr>
+              <a:tr h="370840">
+                <a:tc>
+                  <a:txBody>
+                    <a:bodyPr/>
+                    <a:lstStyle/>
+                    <a:p>
+                      <a:r>
+                        <a:rPr lang="en-US" b="1" dirty="0"/>
+                        <a:t>Variants</a:t>
+                      </a:r>
+                      <a:r>
+                        <a:rPr lang="en-US" dirty="0"/>
+                        <a:t>: Code-on-demand; remove evaluation; mobile agent</a:t>
+                      </a:r>
+                    </a:p>
+                  </a:txBody>
+                  <a:tcPr/>
+                </a:tc>
+                <a:extLst>
+                  <a:ext uri="{0D108BD9-81ED-4DB2-BD59-A6C34878D82A}">
+                    <a16:rowId xmlns:a16="http://schemas.microsoft.com/office/drawing/2014/main" val="1844578667"/>
+                  </a:ext>
+                </a:extLst>
+              </a:tr>
+              <a:tr h="370840">
+                <a:tc>
+                  <a:txBody>
+                    <a:bodyPr/>
+                    <a:lstStyle/>
+                    <a:p>
+                      <a:r>
+                        <a:rPr lang="en-US" b="1" dirty="0"/>
+                        <a:t>Qualities</a:t>
+                      </a:r>
+                      <a:r>
+                        <a:rPr lang="en-US" dirty="0"/>
+                        <a:t>: Dynamic adaptability; move processing to available power</a:t>
+                      </a:r>
+                    </a:p>
+                  </a:txBody>
+                  <a:tcPr/>
+                </a:tc>
+                <a:extLst>
+                  <a:ext uri="{0D108BD9-81ED-4DB2-BD59-A6C34878D82A}">
+                    <a16:rowId xmlns:a16="http://schemas.microsoft.com/office/drawing/2014/main" val="3672103038"/>
+                  </a:ext>
+                </a:extLst>
+              </a:tr>
+              <a:tr h="370840">
+                <a:tc>
+                  <a:txBody>
+                    <a:bodyPr/>
+                    <a:lstStyle/>
+                    <a:p>
+                      <a:endParaRPr lang="en-US" dirty="0"/>
+                    </a:p>
+                  </a:txBody>
+                  <a:tcPr/>
+                </a:tc>
+                <a:extLst>
+                  <a:ext uri="{0D108BD9-81ED-4DB2-BD59-A6C34878D82A}">
+                    <a16:rowId xmlns:a16="http://schemas.microsoft.com/office/drawing/2014/main" val="1459849202"/>
+                  </a:ext>
+                </a:extLst>
+              </a:tr>
+              <a:tr h="370840">
+                <a:tc>
+                  <a:txBody>
+                    <a:bodyPr/>
+                    <a:lstStyle/>
+                    <a:p>
+                      <a:r>
+                        <a:rPr lang="en-US" b="1" dirty="0"/>
+                        <a:t>Typical uses</a:t>
+                      </a:r>
+                      <a:r>
+                        <a:rPr lang="en-US" dirty="0"/>
+                        <a:t>: When processing large data sets it’s more efficient to move the code to the data</a:t>
+                      </a:r>
+                    </a:p>
+                  </a:txBody>
+                  <a:tcPr/>
+                </a:tc>
+                <a:extLst>
+                  <a:ext uri="{0D108BD9-81ED-4DB2-BD59-A6C34878D82A}">
+                    <a16:rowId xmlns:a16="http://schemas.microsoft.com/office/drawing/2014/main" val="2052877018"/>
+                  </a:ext>
+                </a:extLst>
+              </a:tr>
+              <a:tr h="370840">
+                <a:tc>
+                  <a:txBody>
+                    <a:bodyPr/>
+                    <a:lstStyle/>
+                    <a:p>
+                      <a:r>
+                        <a:rPr lang="en-US" b="1" dirty="0"/>
+                        <a:t>Cautions</a:t>
+                      </a:r>
+                      <a:r>
+                        <a:rPr lang="en-US" dirty="0"/>
+                        <a:t>: Security issues – execution of remote code may escape sandbox; network cost to distribute</a:t>
+                      </a:r>
+                    </a:p>
+                  </a:txBody>
+                  <a:tcPr/>
+                </a:tc>
+                <a:extLst>
+                  <a:ext uri="{0D108BD9-81ED-4DB2-BD59-A6C34878D82A}">
+                    <a16:rowId xmlns:a16="http://schemas.microsoft.com/office/drawing/2014/main" val="231181336"/>
+                  </a:ext>
+                </a:extLst>
+              </a:tr>
+              <a:tr h="370840">
+                <a:tc>
+                  <a:txBody>
+                    <a:bodyPr/>
+                    <a:lstStyle/>
+                    <a:p>
+                      <a:r>
+                        <a:rPr lang="en-US" b="1" dirty="0"/>
+                        <a:t>Lang. / </a:t>
+                      </a:r>
+                      <a:r>
+                        <a:rPr lang="en-US" b="1" dirty="0" err="1"/>
+                        <a:t>env</a:t>
+                      </a:r>
+                      <a:r>
+                        <a:rPr lang="en-US" b="1" dirty="0"/>
+                        <a:t>. relationships</a:t>
+                      </a:r>
+                      <a:r>
+                        <a:rPr lang="en-US" dirty="0"/>
+                        <a:t>: Scripting languages, grid computing</a:t>
+                      </a:r>
+                    </a:p>
+                  </a:txBody>
+                  <a:tcPr/>
+                </a:tc>
+                <a:extLst>
+                  <a:ext uri="{0D108BD9-81ED-4DB2-BD59-A6C34878D82A}">
+                    <a16:rowId xmlns:a16="http://schemas.microsoft.com/office/drawing/2014/main" val="857360620"/>
+                  </a:ext>
+                </a:extLst>
+              </a:tr>
+            </a:tbl>
+          </a:graphicData>
+        </a:graphic>
+      </p:graphicFrame>
+    </p:spTree>
+    <p:extLst>
+      <p:ext uri="{BB962C8B-B14F-4D97-AF65-F5344CB8AC3E}">
+        <p14:creationId xmlns:p14="http://schemas.microsoft.com/office/powerpoint/2010/main" val="3858807955"/>
+      </p:ext>
+    </p:extLst>
+  </p:cSld>
+  <p:clrMapOvr>
+    <a:masterClrMapping/>
+  </p:clrMapOvr>
+</p:sld>
+</file>
+
+<file path=ppt/slides/slide26.xml><?xml version="1.0" encoding="utf-8"?>
+<p:sld xmlns:a="http://schemas.openxmlformats.org/drawingml/2006/main" xmlns:r="http://schemas.openxmlformats.org/officeDocument/2006/relationships" xmlns:p="http://schemas.openxmlformats.org/presentationml/2006/main">
+  <p:cSld>
+    <p:spTree>
+      <p:nvGrpSpPr>
+        <p:cNvPr id="1" name=""/>
+        <p:cNvGrpSpPr/>
+        <p:nvPr/>
+      </p:nvGrpSpPr>
+      <p:grpSpPr>
+        <a:xfrm>
+          <a:off x="0" y="0"/>
+          <a:ext cx="0" cy="0"/>
+          <a:chOff x="0" y="0"/>
+          <a:chExt cx="0" cy="0"/>
+        </a:xfrm>
+      </p:grpSpPr>
+      <p:sp>
+        <p:nvSpPr>
+          <p:cNvPr id="5" name="Title 4">
+            <a:extLst>
+              <a:ext uri="{FF2B5EF4-FFF2-40B4-BE49-F238E27FC236}">
+                <a16:creationId xmlns:a16="http://schemas.microsoft.com/office/drawing/2014/main" id="{6D2F4C59-1A85-2241-BA63-597393865818}"/>
+              </a:ext>
+            </a:extLst>
+          </p:cNvPr>
+          <p:cNvSpPr>
+            <a:spLocks noGrp="1"/>
+          </p:cNvSpPr>
+          <p:nvPr>
+            <p:ph type="title"/>
+          </p:nvPr>
+        </p:nvSpPr>
+        <p:spPr/>
+        <p:txBody>
+          <a:bodyPr/>
+          <a:lstStyle/>
+          <a:p>
+            <a:r>
+              <a:rPr lang="en-US" b="1" dirty="0"/>
+              <a:t>Style</a:t>
+            </a:r>
+            <a:r>
+              <a:rPr lang="en-US" dirty="0"/>
               <a:t>: Publish-subscribe</a:t>
             </a:r>
           </a:p>
@@ -11560,7 +13544,7 @@
 </p:sld>
 </file>
 
-<file path=ppt/slides/slide21.xml><?xml version="1.0" encoding="utf-8"?>
+<file path=ppt/slides/slide27.xml><?xml version="1.0" encoding="utf-8"?>
 <p:sld xmlns:a="http://schemas.openxmlformats.org/drawingml/2006/main" xmlns:r="http://schemas.openxmlformats.org/officeDocument/2006/relationships" xmlns:p="http://schemas.openxmlformats.org/presentationml/2006/main">
   <p:cSld>
     <p:spTree>
@@ -11931,7 +13915,7 @@
 </p:sld>
 </file>
 
-<file path=ppt/slides/slide22.xml><?xml version="1.0" encoding="utf-8"?>
+<file path=ppt/slides/slide28.xml><?xml version="1.0" encoding="utf-8"?>
 <p:sld xmlns:a="http://schemas.openxmlformats.org/drawingml/2006/main" xmlns:r="http://schemas.openxmlformats.org/officeDocument/2006/relationships" xmlns:p="http://schemas.openxmlformats.org/presentationml/2006/main">
   <p:cSld>
     <p:spTree>
@@ -12302,7 +14286,7 @@
 </p:sld>
 </file>
 
-<file path=ppt/slides/slide23.xml><?xml version="1.0" encoding="utf-8"?>
+<file path=ppt/slides/slide29.xml><?xml version="1.0" encoding="utf-8"?>
 <p:sld xmlns:a="http://schemas.openxmlformats.org/drawingml/2006/main" xmlns:r="http://schemas.openxmlformats.org/officeDocument/2006/relationships" xmlns:p="http://schemas.openxmlformats.org/presentationml/2006/main">
   <p:cSld>
     <p:spTree>
@@ -12929,214 +14913,6 @@
 </p:sld>
 </file>
 
-<file path=ppt/slides/slide24.xml><?xml version="1.0" encoding="utf-8"?>
-<p:sld xmlns:a="http://schemas.openxmlformats.org/drawingml/2006/main" xmlns:r="http://schemas.openxmlformats.org/officeDocument/2006/relationships" xmlns:p="http://schemas.openxmlformats.org/presentationml/2006/main">
-  <p:cSld>
-    <p:spTree>
-      <p:nvGrpSpPr>
-        <p:cNvPr id="1" name=""/>
-        <p:cNvGrpSpPr/>
-        <p:nvPr/>
-      </p:nvGrpSpPr>
-      <p:grpSpPr>
-        <a:xfrm>
-          <a:off x="0" y="0"/>
-          <a:ext cx="0" cy="0"/>
-          <a:chOff x="0" y="0"/>
-          <a:chExt cx="0" cy="0"/>
-        </a:xfrm>
-      </p:grpSpPr>
-      <p:sp>
-        <p:nvSpPr>
-          <p:cNvPr id="5" name="Title 4"/>
-          <p:cNvSpPr>
-            <a:spLocks noGrp="1"/>
-          </p:cNvSpPr>
-          <p:nvPr>
-            <p:ph type="title"/>
-          </p:nvPr>
-        </p:nvSpPr>
-        <p:spPr/>
-        <p:txBody>
-          <a:bodyPr/>
-          <a:lstStyle/>
-          <a:p>
-            <a:r>
-              <a:rPr lang="en-US" dirty="0"/>
-              <a:t>Unprecedented design</a:t>
-            </a:r>
-          </a:p>
-        </p:txBody>
-      </p:sp>
-      <p:sp>
-        <p:nvSpPr>
-          <p:cNvPr id="6" name="Content Placeholder 5"/>
-          <p:cNvSpPr>
-            <a:spLocks noGrp="1"/>
-          </p:cNvSpPr>
-          <p:nvPr>
-            <p:ph idx="1"/>
-          </p:nvPr>
-        </p:nvSpPr>
-        <p:spPr/>
-        <p:txBody>
-          <a:bodyPr>
-            <a:normAutofit/>
-          </a:bodyPr>
-          <a:lstStyle/>
-          <a:p>
-            <a:pPr marL="0" indent="0">
-              <a:buNone/>
-            </a:pPr>
-            <a:r>
-              <a:rPr lang="en-US" dirty="0"/>
-              <a:t>Basic strategy</a:t>
-            </a:r>
-          </a:p>
-          <a:p>
-            <a:pPr marL="457200" lvl="1" indent="0">
-              <a:buNone/>
-            </a:pPr>
-            <a:r>
-              <a:rPr lang="en-US" dirty="0">
-                <a:solidFill>
-                  <a:schemeClr val="bg1">
-                    <a:lumMod val="50000"/>
-                  </a:schemeClr>
-                </a:solidFill>
-              </a:rPr>
-              <a:t>Diverge</a:t>
-            </a:r>
-          </a:p>
-          <a:p>
-            <a:pPr marL="457200" lvl="1" indent="0">
-              <a:buNone/>
-            </a:pPr>
-            <a:r>
-              <a:rPr lang="en-US" dirty="0">
-                <a:solidFill>
-                  <a:schemeClr val="bg1">
-                    <a:lumMod val="50000"/>
-                  </a:schemeClr>
-                </a:solidFill>
-              </a:rPr>
-              <a:t>Transform</a:t>
-            </a:r>
-          </a:p>
-          <a:p>
-            <a:pPr marL="457200" lvl="1" indent="0">
-              <a:buNone/>
-            </a:pPr>
-            <a:r>
-              <a:rPr lang="en-US" dirty="0">
-                <a:solidFill>
-                  <a:schemeClr val="bg1">
-                    <a:lumMod val="50000"/>
-                  </a:schemeClr>
-                </a:solidFill>
-              </a:rPr>
-              <a:t>Converge</a:t>
-            </a:r>
-          </a:p>
-          <a:p>
-            <a:pPr marL="0" indent="0">
-              <a:buNone/>
-            </a:pPr>
-            <a:r>
-              <a:rPr lang="en-US" dirty="0"/>
-              <a:t>Detailed strategies</a:t>
-            </a:r>
-          </a:p>
-          <a:p>
-            <a:pPr marL="457200" lvl="1" indent="0">
-              <a:buNone/>
-            </a:pPr>
-            <a:r>
-              <a:rPr lang="en-US" dirty="0">
-                <a:solidFill>
-                  <a:schemeClr val="bg1">
-                    <a:lumMod val="50000"/>
-                  </a:schemeClr>
-                </a:solidFill>
-              </a:rPr>
-              <a:t>Analogy searching</a:t>
-            </a:r>
-          </a:p>
-          <a:p>
-            <a:pPr marL="457200" lvl="1" indent="0">
-              <a:buNone/>
-            </a:pPr>
-            <a:r>
-              <a:rPr lang="en-US" dirty="0">
-                <a:solidFill>
-                  <a:schemeClr val="bg1">
-                    <a:lumMod val="50000"/>
-                  </a:schemeClr>
-                </a:solidFill>
-              </a:rPr>
-              <a:t>Brainstorming</a:t>
-            </a:r>
-          </a:p>
-          <a:p>
-            <a:pPr marL="457200" lvl="1" indent="0">
-              <a:buNone/>
-            </a:pPr>
-            <a:r>
-              <a:rPr lang="en-US" dirty="0">
-                <a:solidFill>
-                  <a:schemeClr val="bg1">
-                    <a:lumMod val="50000"/>
-                  </a:schemeClr>
-                </a:solidFill>
-              </a:rPr>
-              <a:t>Literature searching</a:t>
-            </a:r>
-          </a:p>
-          <a:p>
-            <a:pPr marL="457200" lvl="1" indent="0">
-              <a:buNone/>
-            </a:pPr>
-            <a:r>
-              <a:rPr lang="en-US" dirty="0">
-                <a:solidFill>
-                  <a:schemeClr val="bg1">
-                    <a:lumMod val="50000"/>
-                  </a:schemeClr>
-                </a:solidFill>
-              </a:rPr>
-              <a:t>Morphological charts</a:t>
-            </a:r>
-          </a:p>
-          <a:p>
-            <a:pPr marL="457200" lvl="1" indent="0">
-              <a:buNone/>
-            </a:pPr>
-            <a:r>
-              <a:rPr lang="en-US" dirty="0">
-                <a:solidFill>
-                  <a:schemeClr val="bg1">
-                    <a:lumMod val="50000"/>
-                  </a:schemeClr>
-                </a:solidFill>
-              </a:rPr>
-              <a:t>Removing mental blocks</a:t>
-            </a:r>
-          </a:p>
-        </p:txBody>
-      </p:sp>
-    </p:spTree>
-    <p:extLst>
-      <p:ext uri="{BB962C8B-B14F-4D97-AF65-F5344CB8AC3E}">
-        <p14:creationId xmlns:p14="http://schemas.microsoft.com/office/powerpoint/2010/main" val="1376343058"/>
-      </p:ext>
-    </p:extLst>
-  </p:cSld>
-  <p:clrMapOvr>
-    <a:masterClrMapping/>
-  </p:clrMapOvr>
-</p:sld>
-</file>
-
 <file path=ppt/slides/slide3.xml><?xml version="1.0" encoding="utf-8"?>
 <p:sld xmlns:a="http://schemas.openxmlformats.org/drawingml/2006/main" xmlns:r="http://schemas.openxmlformats.org/officeDocument/2006/relationships" xmlns:p="http://schemas.openxmlformats.org/presentationml/2006/main">
   <p:cSld>
@@ -13194,7 +14970,7 @@
         </p:xfrm>
         <a:graphic>
           <a:graphicData uri="http://schemas.openxmlformats.org/drawingml/2006/diagram">
-            <dgm:relIds xmlns:dgm="http://schemas.openxmlformats.org/drawingml/2006/diagram" xmlns:r="http://schemas.openxmlformats.org/officeDocument/2006/relationships" r:dm="rId2" r:lo="rId3" r:qs="rId4" r:cs="rId5"/>
+            <dgm:relIds xmlns:dgm="http://schemas.openxmlformats.org/drawingml/2006/diagram" xmlns:r="http://schemas.openxmlformats.org/officeDocument/2006/relationships" r:dm="rId3" r:lo="rId4" r:qs="rId5" r:cs="rId6"/>
           </a:graphicData>
         </a:graphic>
       </p:graphicFrame>
@@ -13791,7 +15567,13 @@
       </p:grpSpPr>
       <p:sp>
         <p:nvSpPr>
-          <p:cNvPr id="2" name="Title 1"/>
+          <p:cNvPr id="2" name="Title 1">
+            <a:extLst>
+              <a:ext uri="{FF2B5EF4-FFF2-40B4-BE49-F238E27FC236}">
+                <a16:creationId xmlns:a16="http://schemas.microsoft.com/office/drawing/2014/main" id="{760C16EC-6C81-F84A-B768-F5EE15747E84}"/>
+              </a:ext>
+            </a:extLst>
+          </p:cNvPr>
           <p:cNvSpPr>
             <a:spLocks noGrp="1"/>
           </p:cNvSpPr>
@@ -13806,14 +15588,20 @@
           <a:p>
             <a:r>
               <a:rPr lang="en-US" dirty="0"/>
-              <a:t>Architectural styles</a:t>
+              <a:t>Unprecedented design</a:t>
             </a:r>
           </a:p>
         </p:txBody>
       </p:sp>
       <p:sp>
         <p:nvSpPr>
-          <p:cNvPr id="3" name="Content Placeholder 2"/>
+          <p:cNvPr id="3" name="Content Placeholder 2">
+            <a:extLst>
+              <a:ext uri="{FF2B5EF4-FFF2-40B4-BE49-F238E27FC236}">
+                <a16:creationId xmlns:a16="http://schemas.microsoft.com/office/drawing/2014/main" id="{5AA3BAC1-2AC5-C445-B61E-CA961AEC906C}"/>
+              </a:ext>
+            </a:extLst>
+          </p:cNvPr>
           <p:cNvSpPr>
             <a:spLocks noGrp="1"/>
           </p:cNvSpPr>
@@ -13829,54 +15617,27 @@
             <a:pPr marL="0" indent="0">
               <a:buNone/>
             </a:pPr>
-            <a:r>
-              <a:rPr lang="en-US" dirty="0"/>
-              <a:t>A named collection of design decisions that</a:t>
-            </a:r>
-          </a:p>
-          <a:p>
-            <a:pPr marL="457200" lvl="1" indent="0">
+            <a:endParaRPr lang="en-US" dirty="0"/>
+          </a:p>
+          <a:p>
+            <a:pPr marL="0" indent="0" algn="ctr">
               <a:buNone/>
             </a:pPr>
             <a:r>
-              <a:rPr lang="en-US" dirty="0">
-                <a:solidFill>
-                  <a:schemeClr val="bg1">
-                    <a:lumMod val="50000"/>
-                  </a:schemeClr>
-                </a:solidFill>
-              </a:rPr>
-              <a:t>Are applicable to a given context</a:t>
-            </a:r>
-          </a:p>
-          <a:p>
-            <a:pPr marL="457200" lvl="1" indent="0">
+              <a:rPr lang="en-US" dirty="0"/>
+              <a:t>…the principle of deciding the form of the whole before the details have been explored outside the mind of the chief designer does not work in novel situations for which the necessary experience cannot be contained within the mind of one person</a:t>
+            </a:r>
+          </a:p>
+          <a:p>
+            <a:endParaRPr lang="en-US" dirty="0"/>
+          </a:p>
+          <a:p>
+            <a:pPr marL="0" indent="0" algn="r">
               <a:buNone/>
             </a:pPr>
             <a:r>
-              <a:rPr lang="en-US" dirty="0">
-                <a:solidFill>
-                  <a:schemeClr val="bg1">
-                    <a:lumMod val="50000"/>
-                  </a:schemeClr>
-                </a:solidFill>
-              </a:rPr>
-              <a:t>Constrain decisions within that context</a:t>
-            </a:r>
-          </a:p>
-          <a:p>
-            <a:pPr marL="457200" lvl="1" indent="0">
-              <a:buNone/>
-            </a:pPr>
-            <a:r>
-              <a:rPr lang="en-US" dirty="0">
-                <a:solidFill>
-                  <a:schemeClr val="bg1">
-                    <a:lumMod val="50000"/>
-                  </a:schemeClr>
-                </a:solidFill>
-              </a:rPr>
-              <a:t>Elicit beneficial qualities in each system</a:t>
+              <a:rPr lang="en-US" sz="2400" dirty="0"/>
+              <a:t>J. Christopher Jones (1970)</a:t>
             </a:r>
           </a:p>
         </p:txBody>
@@ -13884,7 +15645,7 @@
     </p:spTree>
     <p:extLst>
       <p:ext uri="{BB962C8B-B14F-4D97-AF65-F5344CB8AC3E}">
-        <p14:creationId xmlns:p14="http://schemas.microsoft.com/office/powerpoint/2010/main" val="365081961"/>
+        <p14:creationId xmlns:p14="http://schemas.microsoft.com/office/powerpoint/2010/main" val="440219656"/>
       </p:ext>
     </p:extLst>
   </p:cSld>
@@ -13913,7 +15674,7 @@
       </p:grpSpPr>
       <p:sp>
         <p:nvSpPr>
-          <p:cNvPr id="2" name="Title 1"/>
+          <p:cNvPr id="5" name="Title 4"/>
           <p:cNvSpPr>
             <a:spLocks noGrp="1"/>
           </p:cNvSpPr>
@@ -13928,25 +15689,25 @@
           <a:p>
             <a:r>
               <a:rPr lang="en-US" dirty="0"/>
-              <a:t>Architectural styles</a:t>
+              <a:t>Unprecedented design</a:t>
             </a:r>
           </a:p>
         </p:txBody>
       </p:sp>
       <p:sp>
         <p:nvSpPr>
-          <p:cNvPr id="3" name="Content Placeholder 2"/>
+          <p:cNvPr id="6" name="Content Placeholder 5"/>
           <p:cNvSpPr>
             <a:spLocks noGrp="1"/>
           </p:cNvSpPr>
           <p:nvPr>
-            <p:ph sz="half" idx="1"/>
+            <p:ph idx="1"/>
           </p:nvPr>
         </p:nvSpPr>
         <p:spPr/>
         <p:txBody>
           <a:bodyPr>
-            <a:normAutofit fontScale="92500" lnSpcReduction="10000"/>
+            <a:normAutofit/>
           </a:bodyPr>
           <a:lstStyle/>
           <a:p>
@@ -13954,8 +15715,8 @@
               <a:buNone/>
             </a:pPr>
             <a:r>
-              <a:rPr lang="en-US" sz="2400" dirty="0"/>
-              <a:t>Traditional language-influenced styles</a:t>
+              <a:rPr lang="en-US" dirty="0"/>
+              <a:t>Basic strategy</a:t>
             </a:r>
           </a:p>
           <a:p>
@@ -13963,14 +15724,14 @@
               <a:buNone/>
             </a:pPr>
             <a:r>
-              <a:rPr lang="en-US" sz="2000" dirty="0">
+              <a:rPr lang="en-US" dirty="0">
                 <a:solidFill>
                   <a:schemeClr val="bg1">
                     <a:lumMod val="50000"/>
                   </a:schemeClr>
                 </a:solidFill>
               </a:rPr>
-              <a:t>Main program and subroutines</a:t>
+              <a:t>Diverge</a:t>
             </a:r>
           </a:p>
           <a:p>
@@ -13978,21 +15739,95 @@
               <a:buNone/>
             </a:pPr>
             <a:r>
-              <a:rPr lang="en-US" sz="2000" dirty="0">
+              <a:rPr lang="en-US" dirty="0">
                 <a:solidFill>
                   <a:schemeClr val="bg1">
                     <a:lumMod val="50000"/>
                   </a:schemeClr>
                 </a:solidFill>
               </a:rPr>
-              <a:t>Object-oriented</a:t>
+              <a:t>Transform</a:t>
             </a:r>
           </a:p>
           <a:p>
             <a:pPr marL="457200" lvl="1" indent="0">
               <a:buNone/>
             </a:pPr>
-            <a:endParaRPr lang="en-US" sz="2000" dirty="0">
+            <a:r>
+              <a:rPr lang="en-US" dirty="0">
+                <a:solidFill>
+                  <a:schemeClr val="bg1">
+                    <a:lumMod val="50000"/>
+                  </a:schemeClr>
+                </a:solidFill>
+              </a:rPr>
+              <a:t>Converge</a:t>
+            </a:r>
+          </a:p>
+          <a:p>
+            <a:pPr marL="0" indent="0">
+              <a:buNone/>
+            </a:pPr>
+            <a:r>
+              <a:rPr lang="en-US" dirty="0"/>
+              <a:t>Detailed strategies</a:t>
+            </a:r>
+          </a:p>
+          <a:p>
+            <a:pPr marL="457200" lvl="1" indent="0">
+              <a:buNone/>
+            </a:pPr>
+            <a:r>
+              <a:rPr lang="en-US" dirty="0">
+                <a:solidFill>
+                  <a:schemeClr val="bg1">
+                    <a:lumMod val="50000"/>
+                  </a:schemeClr>
+                </a:solidFill>
+              </a:rPr>
+              <a:t>Analogy searching: direct, personal, symbolic, fantasy</a:t>
+            </a:r>
+          </a:p>
+          <a:p>
+            <a:pPr marL="457200" lvl="1" indent="0">
+              <a:buNone/>
+            </a:pPr>
+            <a:r>
+              <a:rPr lang="en-US" dirty="0">
+                <a:solidFill>
+                  <a:schemeClr val="bg1">
+                    <a:lumMod val="50000"/>
+                  </a:schemeClr>
+                </a:solidFill>
+              </a:rPr>
+              <a:t>Brainstorming: rapidly ideate without judgement, category development</a:t>
+            </a:r>
+          </a:p>
+          <a:p>
+            <a:pPr marL="457200" lvl="1" indent="0">
+              <a:buNone/>
+            </a:pPr>
+            <a:r>
+              <a:rPr lang="en-US" dirty="0">
+                <a:solidFill>
+                  <a:schemeClr val="bg1">
+                    <a:lumMod val="50000"/>
+                  </a:schemeClr>
+                </a:solidFill>
+              </a:rPr>
+              <a:t>Literature searching: tried and true, now with more </a:t>
+            </a:r>
+            <a:r>
+              <a:rPr lang="en-US" dirty="0" err="1">
+                <a:solidFill>
+                  <a:schemeClr val="bg1">
+                    <a:lumMod val="50000"/>
+                  </a:schemeClr>
+                </a:solidFill>
+              </a:rPr>
+              <a:t>searchability</a:t>
+            </a:r>
+            <a:endParaRPr lang="en-US" dirty="0">
               <a:solidFill>
                 <a:schemeClr val="bg1">
                   <a:lumMod val="50000"/>
@@ -14001,27 +15836,18 @@
             </a:endParaRPr>
           </a:p>
           <a:p>
-            <a:pPr marL="0" indent="0">
-              <a:buNone/>
-            </a:pPr>
-            <a:r>
-              <a:rPr lang="en-US" sz="2400" dirty="0"/>
-              <a:t>Layered</a:t>
-            </a:r>
-          </a:p>
-          <a:p>
             <a:pPr marL="457200" lvl="1" indent="0">
               <a:buNone/>
             </a:pPr>
             <a:r>
-              <a:rPr lang="en-US" sz="2000" dirty="0">
+              <a:rPr lang="en-US" dirty="0">
                 <a:solidFill>
                   <a:schemeClr val="bg1">
                     <a:lumMod val="50000"/>
                   </a:schemeClr>
                 </a:solidFill>
               </a:rPr>
-              <a:t>Virtual machines</a:t>
+              <a:t>Morphological charts: divide and conquer, the choose for compatibility</a:t>
             </a:r>
           </a:p>
           <a:p>
@@ -14029,259 +15855,22 @@
               <a:buNone/>
             </a:pPr>
             <a:r>
-              <a:rPr lang="en-US" sz="2000" dirty="0">
+              <a:rPr lang="en-US" dirty="0">
                 <a:solidFill>
                   <a:schemeClr val="bg1">
                     <a:lumMod val="50000"/>
                   </a:schemeClr>
                 </a:solidFill>
               </a:rPr>
-              <a:t>Client-server</a:t>
-            </a:r>
-          </a:p>
-          <a:p>
-            <a:pPr marL="457200" lvl="1" indent="0">
-              <a:buNone/>
-            </a:pPr>
-            <a:endParaRPr lang="en-US" sz="2000" dirty="0">
-              <a:solidFill>
-                <a:schemeClr val="bg1">
-                  <a:lumMod val="50000"/>
-                </a:schemeClr>
-              </a:solidFill>
-            </a:endParaRPr>
-          </a:p>
-          <a:p>
-            <a:pPr marL="0" indent="0">
-              <a:buNone/>
-            </a:pPr>
-            <a:r>
-              <a:rPr lang="en-US" sz="2400" dirty="0"/>
-              <a:t>Dataflow</a:t>
-            </a:r>
-          </a:p>
-          <a:p>
-            <a:pPr marL="457200" lvl="1" indent="0">
-              <a:buNone/>
-            </a:pPr>
-            <a:r>
-              <a:rPr lang="en-US" sz="2000" dirty="0">
-                <a:solidFill>
-                  <a:schemeClr val="bg1">
-                    <a:lumMod val="50000"/>
-                  </a:schemeClr>
-                </a:solidFill>
-              </a:rPr>
-              <a:t>Batch</a:t>
-            </a:r>
-          </a:p>
-          <a:p>
-            <a:pPr marL="457200" lvl="1" indent="0">
-              <a:buNone/>
-            </a:pPr>
-            <a:r>
-              <a:rPr lang="en-US" sz="2000" dirty="0">
-                <a:solidFill>
-                  <a:schemeClr val="bg1">
-                    <a:lumMod val="50000"/>
-                  </a:schemeClr>
-                </a:solidFill>
-              </a:rPr>
-              <a:t>Pipe-and-filter</a:t>
-            </a:r>
-          </a:p>
-        </p:txBody>
-      </p:sp>
-      <p:sp>
-        <p:nvSpPr>
-          <p:cNvPr id="4" name="Content Placeholder 3"/>
-          <p:cNvSpPr>
-            <a:spLocks noGrp="1"/>
-          </p:cNvSpPr>
-          <p:nvPr>
-            <p:ph sz="half" idx="2"/>
-          </p:nvPr>
-        </p:nvSpPr>
-        <p:spPr/>
-        <p:txBody>
-          <a:bodyPr>
-            <a:normAutofit fontScale="92500" lnSpcReduction="10000"/>
-          </a:bodyPr>
-          <a:lstStyle/>
-          <a:p>
-            <a:pPr marL="0" indent="0">
-              <a:buNone/>
-            </a:pPr>
-            <a:r>
-              <a:rPr lang="en-US" sz="2400" dirty="0"/>
-              <a:t>Shared memory</a:t>
-            </a:r>
-          </a:p>
-          <a:p>
-            <a:pPr marL="457200" lvl="1" indent="0">
-              <a:buNone/>
-            </a:pPr>
-            <a:r>
-              <a:rPr lang="en-US" sz="2000" dirty="0">
-                <a:solidFill>
-                  <a:schemeClr val="bg1">
-                    <a:lumMod val="50000"/>
-                  </a:schemeClr>
-                </a:solidFill>
-              </a:rPr>
-              <a:t>Blackboard</a:t>
-            </a:r>
-          </a:p>
-          <a:p>
-            <a:pPr marL="457200" lvl="1" indent="0">
-              <a:buNone/>
-            </a:pPr>
-            <a:r>
-              <a:rPr lang="en-US" sz="2000" dirty="0">
-                <a:solidFill>
-                  <a:schemeClr val="bg1">
-                    <a:lumMod val="50000"/>
-                  </a:schemeClr>
-                </a:solidFill>
-              </a:rPr>
-              <a:t>Rule-based</a:t>
-            </a:r>
-          </a:p>
-          <a:p>
-            <a:pPr marL="457200" lvl="1" indent="0">
-              <a:buNone/>
-            </a:pPr>
-            <a:endParaRPr lang="en-US" sz="2000" dirty="0">
-              <a:solidFill>
-                <a:schemeClr val="bg1">
-                  <a:lumMod val="50000"/>
-                </a:schemeClr>
-              </a:solidFill>
-            </a:endParaRPr>
-          </a:p>
-          <a:p>
-            <a:pPr marL="0" indent="0">
-              <a:buNone/>
-            </a:pPr>
-            <a:r>
-              <a:rPr lang="en-US" sz="2400" dirty="0"/>
-              <a:t>Interpreted</a:t>
-            </a:r>
-          </a:p>
-          <a:p>
-            <a:pPr marL="457200" lvl="1" indent="0">
-              <a:buNone/>
-            </a:pPr>
-            <a:r>
-              <a:rPr lang="en-US" sz="2000" dirty="0">
-                <a:solidFill>
-                  <a:schemeClr val="bg1">
-                    <a:lumMod val="50000"/>
-                  </a:schemeClr>
-                </a:solidFill>
-              </a:rPr>
-              <a:t>Interpreter</a:t>
-            </a:r>
-          </a:p>
-          <a:p>
-            <a:pPr marL="457200" lvl="1" indent="0">
-              <a:buNone/>
-            </a:pPr>
-            <a:r>
-              <a:rPr lang="en-US" sz="2000" dirty="0">
-                <a:solidFill>
-                  <a:schemeClr val="bg1">
-                    <a:lumMod val="50000"/>
-                  </a:schemeClr>
-                </a:solidFill>
-              </a:rPr>
-              <a:t>Mobile code</a:t>
-            </a:r>
-          </a:p>
-          <a:p>
-            <a:pPr marL="457200" lvl="1" indent="0">
-              <a:buNone/>
-            </a:pPr>
-            <a:endParaRPr lang="en-US" sz="2000" dirty="0">
-              <a:solidFill>
-                <a:schemeClr val="bg1">
-                  <a:lumMod val="50000"/>
-                </a:schemeClr>
-              </a:solidFill>
-            </a:endParaRPr>
-          </a:p>
-          <a:p>
-            <a:pPr marL="0" indent="0">
-              <a:buNone/>
-            </a:pPr>
-            <a:r>
-              <a:rPr lang="en-US" sz="2400" dirty="0"/>
-              <a:t>Implicit invocation</a:t>
-            </a:r>
-          </a:p>
-          <a:p>
-            <a:pPr marL="457200" lvl="1" indent="0">
-              <a:buNone/>
-            </a:pPr>
-            <a:r>
-              <a:rPr lang="en-US" sz="2000" dirty="0">
-                <a:solidFill>
-                  <a:schemeClr val="bg1">
-                    <a:lumMod val="50000"/>
-                  </a:schemeClr>
-                </a:solidFill>
-              </a:rPr>
-              <a:t>Pub / sub</a:t>
-            </a:r>
-          </a:p>
-          <a:p>
-            <a:pPr marL="457200" lvl="1" indent="0">
-              <a:buNone/>
-            </a:pPr>
-            <a:r>
-              <a:rPr lang="en-US" sz="2000" dirty="0">
-                <a:solidFill>
-                  <a:schemeClr val="bg1">
-                    <a:lumMod val="50000"/>
-                  </a:schemeClr>
-                </a:solidFill>
-              </a:rPr>
-              <a:t>Event-driven</a:t>
-            </a:r>
-          </a:p>
-          <a:p>
-            <a:pPr marL="457200" lvl="1" indent="0">
-              <a:buNone/>
-            </a:pPr>
-            <a:endParaRPr lang="en-US" sz="2000" dirty="0">
-              <a:solidFill>
-                <a:schemeClr val="bg1">
-                  <a:lumMod val="50000"/>
-                </a:schemeClr>
-              </a:solidFill>
-            </a:endParaRPr>
-          </a:p>
-          <a:p>
-            <a:pPr marL="0" indent="0">
-              <a:buNone/>
-            </a:pPr>
-            <a:r>
-              <a:rPr lang="en-US" sz="2400" dirty="0"/>
-              <a:t>Peer to peer</a:t>
-            </a:r>
-          </a:p>
-          <a:p>
-            <a:pPr marL="0" indent="0">
-              <a:buNone/>
-            </a:pPr>
-            <a:endParaRPr lang="en-US" sz="2400" dirty="0"/>
+              <a:t>Removing mental blocks: if you can’t solve it, solve another instead</a:t>
+            </a:r>
           </a:p>
         </p:txBody>
       </p:sp>
     </p:spTree>
     <p:extLst>
       <p:ext uri="{BB962C8B-B14F-4D97-AF65-F5344CB8AC3E}">
-        <p14:creationId xmlns:p14="http://schemas.microsoft.com/office/powerpoint/2010/main" val="571739048"/>
+        <p14:creationId xmlns:p14="http://schemas.microsoft.com/office/powerpoint/2010/main" val="1376343058"/>
       </p:ext>
     </p:extLst>
   </p:cSld>
@@ -14310,10 +15899,10 @@
       </p:grpSpPr>
       <p:sp>
         <p:nvSpPr>
-          <p:cNvPr id="5" name="Title 4">
+          <p:cNvPr id="2" name="Title 1">
             <a:extLst>
               <a:ext uri="{FF2B5EF4-FFF2-40B4-BE49-F238E27FC236}">
-                <a16:creationId xmlns:a16="http://schemas.microsoft.com/office/drawing/2014/main" id="{6D2F4C59-1A85-2241-BA63-597393865818}"/>
+                <a16:creationId xmlns:a16="http://schemas.microsoft.com/office/drawing/2014/main" id="{6270AE4B-120F-5442-B27B-C1C2400EDB2B}"/>
               </a:ext>
             </a:extLst>
           </p:cNvPr>
@@ -14330,383 +15919,41 @@
           <a:lstStyle/>
           <a:p>
             <a:r>
-              <a:rPr lang="en-US" b="1" dirty="0"/>
-              <a:t>Style</a:t>
-            </a:r>
-            <a:r>
               <a:rPr lang="en-US" dirty="0"/>
-              <a:t>: </a:t>
-            </a:r>
-            <a:r>
-              <a:rPr lang="en-US" i="1" dirty="0"/>
-              <a:t>What we call this style</a:t>
+              <a:t>Architectural styles</a:t>
             </a:r>
           </a:p>
         </p:txBody>
       </p:sp>
-      <p:graphicFrame>
-        <p:nvGraphicFramePr>
-          <p:cNvPr id="7" name="Content Placeholder 6">
+      <p:sp>
+        <p:nvSpPr>
+          <p:cNvPr id="3" name="Content Placeholder 2">
             <a:extLst>
               <a:ext uri="{FF2B5EF4-FFF2-40B4-BE49-F238E27FC236}">
-                <a16:creationId xmlns:a16="http://schemas.microsoft.com/office/drawing/2014/main" id="{40A46DD3-E595-E649-960B-8B9F1334CA29}"/>
+                <a16:creationId xmlns:a16="http://schemas.microsoft.com/office/drawing/2014/main" id="{6E0D57AE-B2CE-C84D-B8E3-681DAEB69AC4}"/>
               </a:ext>
             </a:extLst>
           </p:cNvPr>
-          <p:cNvGraphicFramePr>
-            <a:graphicFrameLocks noGrp="1"/>
-          </p:cNvGraphicFramePr>
+          <p:cNvSpPr>
+            <a:spLocks noGrp="1"/>
+          </p:cNvSpPr>
           <p:nvPr>
-            <p:ph idx="1"/>
-            <p:extLst>
-              <p:ext uri="{D42A27DB-BD31-4B8C-83A1-F6EECF244321}">
-                <p14:modId xmlns:p14="http://schemas.microsoft.com/office/powerpoint/2010/main" val="3381425751"/>
-              </p:ext>
-            </p:extLst>
+            <p:ph type="body" idx="1"/>
           </p:nvPr>
-        </p:nvGraphicFramePr>
-        <p:xfrm>
-          <a:off x="838200" y="1825625"/>
-          <a:ext cx="10515600" cy="4079240"/>
-        </p:xfrm>
-        <a:graphic>
-          <a:graphicData uri="http://schemas.openxmlformats.org/drawingml/2006/table">
-            <a:tbl>
-              <a:tblPr bandRow="1">
-                <a:tableStyleId>{C083E6E3-FA7D-4D7B-A595-EF9225AFEA82}</a:tableStyleId>
-              </a:tblPr>
-              <a:tblGrid>
-                <a:gridCol w="10515600">
-                  <a:extLst>
-                    <a:ext uri="{9D8B030D-6E8A-4147-A177-3AD203B41FA5}">
-                      <a16:colId xmlns:a16="http://schemas.microsoft.com/office/drawing/2014/main" val="3565431365"/>
-                    </a:ext>
-                  </a:extLst>
-                </a:gridCol>
-              </a:tblGrid>
-              <a:tr h="370840">
-                <a:tc>
-                  <a:txBody>
-                    <a:bodyPr/>
-                    <a:lstStyle/>
-                    <a:p>
-                      <a:r>
-                        <a:rPr lang="en-US" b="1" dirty="0"/>
-                        <a:t>Summary</a:t>
-                      </a:r>
-                      <a:r>
-                        <a:rPr lang="en-US" dirty="0"/>
-                        <a:t>: </a:t>
-                      </a:r>
-                      <a:r>
-                        <a:rPr lang="en-US" i="1" dirty="0"/>
-                        <a:t>Short description of the style and its use</a:t>
-                      </a:r>
-                      <a:endParaRPr lang="en-US" dirty="0"/>
-                    </a:p>
-                  </a:txBody>
-                  <a:tcPr/>
-                </a:tc>
-                <a:extLst>
-                  <a:ext uri="{0D108BD9-81ED-4DB2-BD59-A6C34878D82A}">
-                    <a16:rowId xmlns:a16="http://schemas.microsoft.com/office/drawing/2014/main" val="1920818122"/>
-                  </a:ext>
-                </a:extLst>
-              </a:tr>
-              <a:tr h="370840">
-                <a:tc>
-                  <a:txBody>
-                    <a:bodyPr/>
-                    <a:lstStyle/>
-                    <a:p>
-                      <a:r>
-                        <a:rPr lang="en-US" b="1" dirty="0"/>
-                        <a:t>Components</a:t>
-                      </a:r>
-                      <a:r>
-                        <a:rPr lang="en-US" dirty="0"/>
-                        <a:t>: </a:t>
-                      </a:r>
-                      <a:r>
-                        <a:rPr lang="en-US" i="1" dirty="0"/>
-                        <a:t>The major components with which the style is composed</a:t>
-                      </a:r>
-                      <a:endParaRPr lang="en-US" dirty="0"/>
-                    </a:p>
-                  </a:txBody>
-                  <a:tcPr/>
-                </a:tc>
-                <a:extLst>
-                  <a:ext uri="{0D108BD9-81ED-4DB2-BD59-A6C34878D82A}">
-                    <a16:rowId xmlns:a16="http://schemas.microsoft.com/office/drawing/2014/main" val="1353163784"/>
-                  </a:ext>
-                </a:extLst>
-              </a:tr>
-              <a:tr h="370840">
-                <a:tc>
-                  <a:txBody>
-                    <a:bodyPr/>
-                    <a:lstStyle/>
-                    <a:p>
-                      <a:r>
-                        <a:rPr lang="en-US" b="1" dirty="0"/>
-                        <a:t>Connectors</a:t>
-                      </a:r>
-                      <a:r>
-                        <a:rPr lang="en-US" dirty="0"/>
-                        <a:t>: </a:t>
-                      </a:r>
-                      <a:r>
-                        <a:rPr lang="en-US" i="1" dirty="0"/>
-                        <a:t>The way those components communicate</a:t>
-                      </a:r>
-                      <a:endParaRPr lang="en-US" dirty="0"/>
-                    </a:p>
-                  </a:txBody>
-                  <a:tcPr/>
-                </a:tc>
-                <a:extLst>
-                  <a:ext uri="{0D108BD9-81ED-4DB2-BD59-A6C34878D82A}">
-                    <a16:rowId xmlns:a16="http://schemas.microsoft.com/office/drawing/2014/main" val="1839859950"/>
-                  </a:ext>
-                </a:extLst>
-              </a:tr>
-              <a:tr h="370840">
-                <a:tc>
-                  <a:txBody>
-                    <a:bodyPr/>
-                    <a:lstStyle/>
-                    <a:p>
-                      <a:r>
-                        <a:rPr lang="en-US" b="1" dirty="0"/>
-                        <a:t>Data elements</a:t>
-                      </a:r>
-                      <a:r>
-                        <a:rPr lang="en-US" dirty="0"/>
-                        <a:t>: </a:t>
-                      </a:r>
-                      <a:r>
-                        <a:rPr lang="en-US" i="1" dirty="0"/>
-                        <a:t>The data types / message format via the connectors between components</a:t>
-                      </a:r>
-                      <a:endParaRPr lang="en-US" dirty="0"/>
-                    </a:p>
-                  </a:txBody>
-                  <a:tcPr/>
-                </a:tc>
-                <a:extLst>
-                  <a:ext uri="{0D108BD9-81ED-4DB2-BD59-A6C34878D82A}">
-                    <a16:rowId xmlns:a16="http://schemas.microsoft.com/office/drawing/2014/main" val="2559742039"/>
-                  </a:ext>
-                </a:extLst>
-              </a:tr>
-              <a:tr h="370840">
-                <a:tc>
-                  <a:txBody>
-                    <a:bodyPr/>
-                    <a:lstStyle/>
-                    <a:p>
-                      <a:r>
-                        <a:rPr lang="en-US" b="1" dirty="0"/>
-                        <a:t>Topology</a:t>
-                      </a:r>
-                      <a:r>
-                        <a:rPr lang="en-US" dirty="0"/>
-                        <a:t>:</a:t>
-                      </a:r>
-                      <a:r>
-                        <a:rPr lang="en-US" i="1" dirty="0"/>
-                        <a:t> A way to visualize the “shape” of the architecture</a:t>
-                      </a:r>
-                      <a:endParaRPr lang="en-US" dirty="0"/>
-                    </a:p>
-                  </a:txBody>
-                  <a:tcPr/>
-                </a:tc>
-                <a:extLst>
-                  <a:ext uri="{0D108BD9-81ED-4DB2-BD59-A6C34878D82A}">
-                    <a16:rowId xmlns:a16="http://schemas.microsoft.com/office/drawing/2014/main" val="2071415196"/>
-                  </a:ext>
-                </a:extLst>
-              </a:tr>
-              <a:tr h="370840">
-                <a:tc>
-                  <a:txBody>
-                    <a:bodyPr/>
-                    <a:lstStyle/>
-                    <a:p>
-                      <a:r>
-                        <a:rPr lang="en-US" b="1" dirty="0"/>
-                        <a:t>Additional constraints</a:t>
-                      </a:r>
-                      <a:r>
-                        <a:rPr lang="en-US" dirty="0"/>
-                        <a:t>: </a:t>
-                      </a:r>
-                      <a:r>
-                        <a:rPr lang="en-US" i="1" dirty="0"/>
-                        <a:t>Any other constraints this style introduces</a:t>
-                      </a:r>
-                      <a:endParaRPr lang="en-US" dirty="0"/>
-                    </a:p>
-                  </a:txBody>
-                  <a:tcPr/>
-                </a:tc>
-                <a:extLst>
-                  <a:ext uri="{0D108BD9-81ED-4DB2-BD59-A6C34878D82A}">
-                    <a16:rowId xmlns:a16="http://schemas.microsoft.com/office/drawing/2014/main" val="1844578667"/>
-                  </a:ext>
-                </a:extLst>
-              </a:tr>
-              <a:tr h="370840">
-                <a:tc>
-                  <a:txBody>
-                    <a:bodyPr/>
-                    <a:lstStyle/>
-                    <a:p>
-                      <a:r>
-                        <a:rPr lang="en-US" b="1" dirty="0"/>
-                        <a:t>Qualities</a:t>
-                      </a:r>
-                      <a:r>
-                        <a:rPr lang="en-US" dirty="0"/>
-                        <a:t>: </a:t>
-                      </a:r>
-                      <a:r>
-                        <a:rPr lang="en-US" i="1" dirty="0"/>
-                        <a:t>Why one might select this style</a:t>
-                      </a:r>
-                      <a:endParaRPr lang="en-US" dirty="0"/>
-                    </a:p>
-                  </a:txBody>
-                  <a:tcPr/>
-                </a:tc>
-                <a:extLst>
-                  <a:ext uri="{0D108BD9-81ED-4DB2-BD59-A6C34878D82A}">
-                    <a16:rowId xmlns:a16="http://schemas.microsoft.com/office/drawing/2014/main" val="3672103038"/>
-                  </a:ext>
-                </a:extLst>
-              </a:tr>
-              <a:tr h="370840">
-                <a:tc>
-                  <a:txBody>
-                    <a:bodyPr/>
-                    <a:lstStyle/>
-                    <a:p>
-                      <a:endParaRPr lang="en-US" dirty="0"/>
-                    </a:p>
-                  </a:txBody>
-                  <a:tcPr/>
-                </a:tc>
-                <a:extLst>
-                  <a:ext uri="{0D108BD9-81ED-4DB2-BD59-A6C34878D82A}">
-                    <a16:rowId xmlns:a16="http://schemas.microsoft.com/office/drawing/2014/main" val="1459849202"/>
-                  </a:ext>
-                </a:extLst>
-              </a:tr>
-              <a:tr h="370840">
-                <a:tc>
-                  <a:txBody>
-                    <a:bodyPr/>
-                    <a:lstStyle/>
-                    <a:p>
-                      <a:r>
-                        <a:rPr lang="en-US" b="1" dirty="0"/>
-                        <a:t>Typical uses</a:t>
-                      </a:r>
-                      <a:r>
-                        <a:rPr lang="en-US" dirty="0"/>
-                        <a:t>:</a:t>
-                      </a:r>
-                      <a:r>
-                        <a:rPr lang="en-US" i="1" dirty="0"/>
-                        <a:t> Where one might find this style used</a:t>
-                      </a:r>
-                      <a:endParaRPr lang="en-US" dirty="0"/>
-                    </a:p>
-                  </a:txBody>
-                  <a:tcPr/>
-                </a:tc>
-                <a:extLst>
-                  <a:ext uri="{0D108BD9-81ED-4DB2-BD59-A6C34878D82A}">
-                    <a16:rowId xmlns:a16="http://schemas.microsoft.com/office/drawing/2014/main" val="2052877018"/>
-                  </a:ext>
-                </a:extLst>
-              </a:tr>
-              <a:tr h="370840">
-                <a:tc>
-                  <a:txBody>
-                    <a:bodyPr/>
-                    <a:lstStyle/>
-                    <a:p>
-                      <a:r>
-                        <a:rPr lang="en-US" b="1" dirty="0"/>
-                        <a:t>Cautions</a:t>
-                      </a:r>
-                      <a:r>
-                        <a:rPr lang="en-US" dirty="0"/>
-                        <a:t>:</a:t>
-                      </a:r>
-                      <a:r>
-                        <a:rPr lang="en-US" i="1" dirty="0"/>
-                        <a:t> Things to watch for when using this style</a:t>
-                      </a:r>
-                      <a:endParaRPr lang="en-US" dirty="0"/>
-                    </a:p>
-                  </a:txBody>
-                  <a:tcPr/>
-                </a:tc>
-                <a:extLst>
-                  <a:ext uri="{0D108BD9-81ED-4DB2-BD59-A6C34878D82A}">
-                    <a16:rowId xmlns:a16="http://schemas.microsoft.com/office/drawing/2014/main" val="231181336"/>
-                  </a:ext>
-                </a:extLst>
-              </a:tr>
-              <a:tr h="370840">
-                <a:tc>
-                  <a:txBody>
-                    <a:bodyPr/>
-                    <a:lstStyle/>
-                    <a:p>
-                      <a:r>
-                        <a:rPr lang="en-US" b="1" dirty="0"/>
-                        <a:t>Lang. / </a:t>
-                      </a:r>
-                      <a:r>
-                        <a:rPr lang="en-US" b="1" dirty="0" err="1"/>
-                        <a:t>env</a:t>
-                      </a:r>
-                      <a:r>
-                        <a:rPr lang="en-US" b="1" dirty="0"/>
-                        <a:t>. relationships</a:t>
-                      </a:r>
-                      <a:r>
-                        <a:rPr lang="en-US" dirty="0"/>
-                        <a:t>:</a:t>
-                      </a:r>
-                      <a:r>
-                        <a:rPr lang="en-US" i="1" dirty="0"/>
-                        <a:t> What dependencies does this style have or introduce</a:t>
-                      </a:r>
-                      <a:endParaRPr lang="en-US" dirty="0"/>
-                    </a:p>
-                  </a:txBody>
-                  <a:tcPr/>
-                </a:tc>
-                <a:extLst>
-                  <a:ext uri="{0D108BD9-81ED-4DB2-BD59-A6C34878D82A}">
-                    <a16:rowId xmlns:a16="http://schemas.microsoft.com/office/drawing/2014/main" val="857360620"/>
-                  </a:ext>
-                </a:extLst>
-              </a:tr>
-            </a:tbl>
-          </a:graphicData>
-        </a:graphic>
-      </p:graphicFrame>
+        </p:nvSpPr>
+        <p:spPr/>
+        <p:txBody>
+          <a:bodyPr/>
+          <a:lstStyle/>
+          <a:p>
+            <a:endParaRPr lang="en-US"/>
+          </a:p>
+        </p:txBody>
+      </p:sp>
     </p:spTree>
     <p:extLst>
       <p:ext uri="{BB962C8B-B14F-4D97-AF65-F5344CB8AC3E}">
-        <p14:creationId xmlns:p14="http://schemas.microsoft.com/office/powerpoint/2010/main" val="2232408344"/>
+        <p14:creationId xmlns:p14="http://schemas.microsoft.com/office/powerpoint/2010/main" val="2356303265"/>
       </p:ext>
     </p:extLst>
   </p:cSld>
